--- a/Introduction/HandsOn_Motivation.pptx
+++ b/Introduction/HandsOn_Motivation.pptx
@@ -1,34 +1,34 @@
 
 <file path=ppt/presentation.xml><?xml version="1.0" encoding="utf-8"?>
-<p:presentation xmlns:a="http://schemas.openxmlformats.org/drawingml/2006/main" xmlns:r="http://schemas.openxmlformats.org/officeDocument/2006/relationships" xmlns:mc="http://schemas.openxmlformats.org/markup-compatibility/2006" xmlns:mv="urn:schemas-microsoft-com:mac:vml" xmlns:p="http://schemas.openxmlformats.org/presentationml/2006/main" xmlns:c="http://schemas.openxmlformats.org/drawingml/2006/chart" xmlns:dgm="http://schemas.openxmlformats.org/drawingml/2006/diagram" xmlns:o="urn:schemas-microsoft-com:office:office" xmlns:v="urn:schemas-microsoft-com:vml" xmlns:pvml="urn:schemas-microsoft-com:office:powerpoint" xmlns:com="http://schemas.openxmlformats.org/drawingml/2006/compatibility" xmlns:p14="http://schemas.microsoft.com/office/powerpoint/2010/main" xmlns:p15="http://schemas.microsoft.com/office/powerpoint/2012/main" autoCompressPictures="0" strictFirstAndLastChars="0" saveSubsetFonts="1">
+<p:presentation xmlns:a="http://schemas.openxmlformats.org/drawingml/2006/main" xmlns:r="http://schemas.openxmlformats.org/officeDocument/2006/relationships" xmlns:p="http://schemas.openxmlformats.org/presentationml/2006/main" strictFirstAndLastChars="0" saveSubsetFonts="1" autoCompressPictures="0">
   <p:sldMasterIdLst>
-    <p:sldMasterId id="2147483659" r:id="rId4"/>
+    <p:sldMasterId id="2147483659" r:id="rId1"/>
   </p:sldMasterIdLst>
   <p:notesMasterIdLst>
-    <p:notesMasterId r:id="rId5"/>
+    <p:notesMasterId r:id="rId18"/>
   </p:notesMasterIdLst>
   <p:sldIdLst>
-    <p:sldId id="256" r:id="rId6"/>
-    <p:sldId id="257" r:id="rId7"/>
-    <p:sldId id="258" r:id="rId8"/>
-    <p:sldId id="259" r:id="rId9"/>
-    <p:sldId id="260" r:id="rId10"/>
-    <p:sldId id="261" r:id="rId11"/>
-    <p:sldId id="262" r:id="rId12"/>
-    <p:sldId id="263" r:id="rId13"/>
-    <p:sldId id="264" r:id="rId14"/>
-    <p:sldId id="265" r:id="rId15"/>
-    <p:sldId id="266" r:id="rId16"/>
-    <p:sldId id="267" r:id="rId17"/>
-    <p:sldId id="268" r:id="rId18"/>
-    <p:sldId id="269" r:id="rId19"/>
-    <p:sldId id="270" r:id="rId20"/>
-    <p:sldId id="271" r:id="rId21"/>
+    <p:sldId id="256" r:id="rId2"/>
+    <p:sldId id="257" r:id="rId3"/>
+    <p:sldId id="258" r:id="rId4"/>
+    <p:sldId id="259" r:id="rId5"/>
+    <p:sldId id="260" r:id="rId6"/>
+    <p:sldId id="261" r:id="rId7"/>
+    <p:sldId id="262" r:id="rId8"/>
+    <p:sldId id="263" r:id="rId9"/>
+    <p:sldId id="264" r:id="rId10"/>
+    <p:sldId id="265" r:id="rId11"/>
+    <p:sldId id="266" r:id="rId12"/>
+    <p:sldId id="267" r:id="rId13"/>
+    <p:sldId id="268" r:id="rId14"/>
+    <p:sldId id="269" r:id="rId15"/>
+    <p:sldId id="270" r:id="rId16"/>
+    <p:sldId id="271" r:id="rId17"/>
   </p:sldIdLst>
-  <p:sldSz cy="5143500" cx="9144000"/>
+  <p:sldSz cx="9144000" cy="5143500" type="screen16x9"/>
   <p:notesSz cx="6858000" cy="9144000"/>
   <p:defaultTextStyle>
-    <a:defPPr lvl="0" marR="0" rtl="0" algn="l">
+    <a:defPPr marR="0" lvl="0" algn="l" rtl="0">
       <a:lnSpc>
         <a:spcPct val="100000"/>
       </a:lnSpc>
@@ -39,7 +39,7 @@
         <a:spcPts val="0"/>
       </a:spcAft>
     </a:defPPr>
-    <a:lvl1pPr lvl="0" marR="0" rtl="0" algn="l">
+    <a:lvl1pPr marR="0" lvl="0" algn="l" rtl="0">
       <a:lnSpc>
         <a:spcPct val="100000"/>
       </a:lnSpc>
@@ -53,7 +53,7 @@
         <a:srgbClr val="000000"/>
       </a:buClr>
       <a:buFont typeface="Arial"/>
-      <a:defRPr b="0" i="0" sz="1400" u="none" cap="none" strike="noStrike">
+      <a:defRPr sz="1400" b="0" i="0" u="none" strike="noStrike" cap="none">
         <a:solidFill>
           <a:srgbClr val="000000"/>
         </a:solidFill>
@@ -63,7 +63,7 @@
         <a:sym typeface="Arial"/>
       </a:defRPr>
     </a:lvl1pPr>
-    <a:lvl2pPr lvl="1" marR="0" rtl="0" algn="l">
+    <a:lvl2pPr marR="0" lvl="1" algn="l" rtl="0">
       <a:lnSpc>
         <a:spcPct val="100000"/>
       </a:lnSpc>
@@ -77,7 +77,7 @@
         <a:srgbClr val="000000"/>
       </a:buClr>
       <a:buFont typeface="Arial"/>
-      <a:defRPr b="0" i="0" sz="1400" u="none" cap="none" strike="noStrike">
+      <a:defRPr sz="1400" b="0" i="0" u="none" strike="noStrike" cap="none">
         <a:solidFill>
           <a:srgbClr val="000000"/>
         </a:solidFill>
@@ -87,7 +87,7 @@
         <a:sym typeface="Arial"/>
       </a:defRPr>
     </a:lvl2pPr>
-    <a:lvl3pPr lvl="2" marR="0" rtl="0" algn="l">
+    <a:lvl3pPr marR="0" lvl="2" algn="l" rtl="0">
       <a:lnSpc>
         <a:spcPct val="100000"/>
       </a:lnSpc>
@@ -101,7 +101,7 @@
         <a:srgbClr val="000000"/>
       </a:buClr>
       <a:buFont typeface="Arial"/>
-      <a:defRPr b="0" i="0" sz="1400" u="none" cap="none" strike="noStrike">
+      <a:defRPr sz="1400" b="0" i="0" u="none" strike="noStrike" cap="none">
         <a:solidFill>
           <a:srgbClr val="000000"/>
         </a:solidFill>
@@ -111,7 +111,7 @@
         <a:sym typeface="Arial"/>
       </a:defRPr>
     </a:lvl3pPr>
-    <a:lvl4pPr lvl="3" marR="0" rtl="0" algn="l">
+    <a:lvl4pPr marR="0" lvl="3" algn="l" rtl="0">
       <a:lnSpc>
         <a:spcPct val="100000"/>
       </a:lnSpc>
@@ -125,7 +125,7 @@
         <a:srgbClr val="000000"/>
       </a:buClr>
       <a:buFont typeface="Arial"/>
-      <a:defRPr b="0" i="0" sz="1400" u="none" cap="none" strike="noStrike">
+      <a:defRPr sz="1400" b="0" i="0" u="none" strike="noStrike" cap="none">
         <a:solidFill>
           <a:srgbClr val="000000"/>
         </a:solidFill>
@@ -135,7 +135,7 @@
         <a:sym typeface="Arial"/>
       </a:defRPr>
     </a:lvl4pPr>
-    <a:lvl5pPr lvl="4" marR="0" rtl="0" algn="l">
+    <a:lvl5pPr marR="0" lvl="4" algn="l" rtl="0">
       <a:lnSpc>
         <a:spcPct val="100000"/>
       </a:lnSpc>
@@ -149,7 +149,7 @@
         <a:srgbClr val="000000"/>
       </a:buClr>
       <a:buFont typeface="Arial"/>
-      <a:defRPr b="0" i="0" sz="1400" u="none" cap="none" strike="noStrike">
+      <a:defRPr sz="1400" b="0" i="0" u="none" strike="noStrike" cap="none">
         <a:solidFill>
           <a:srgbClr val="000000"/>
         </a:solidFill>
@@ -159,7 +159,7 @@
         <a:sym typeface="Arial"/>
       </a:defRPr>
     </a:lvl5pPr>
-    <a:lvl6pPr lvl="5" marR="0" rtl="0" algn="l">
+    <a:lvl6pPr marR="0" lvl="5" algn="l" rtl="0">
       <a:lnSpc>
         <a:spcPct val="100000"/>
       </a:lnSpc>
@@ -173,7 +173,7 @@
         <a:srgbClr val="000000"/>
       </a:buClr>
       <a:buFont typeface="Arial"/>
-      <a:defRPr b="0" i="0" sz="1400" u="none" cap="none" strike="noStrike">
+      <a:defRPr sz="1400" b="0" i="0" u="none" strike="noStrike" cap="none">
         <a:solidFill>
           <a:srgbClr val="000000"/>
         </a:solidFill>
@@ -183,7 +183,7 @@
         <a:sym typeface="Arial"/>
       </a:defRPr>
     </a:lvl6pPr>
-    <a:lvl7pPr lvl="6" marR="0" rtl="0" algn="l">
+    <a:lvl7pPr marR="0" lvl="6" algn="l" rtl="0">
       <a:lnSpc>
         <a:spcPct val="100000"/>
       </a:lnSpc>
@@ -197,7 +197,7 @@
         <a:srgbClr val="000000"/>
       </a:buClr>
       <a:buFont typeface="Arial"/>
-      <a:defRPr b="0" i="0" sz="1400" u="none" cap="none" strike="noStrike">
+      <a:defRPr sz="1400" b="0" i="0" u="none" strike="noStrike" cap="none">
         <a:solidFill>
           <a:srgbClr val="000000"/>
         </a:solidFill>
@@ -207,7 +207,7 @@
         <a:sym typeface="Arial"/>
       </a:defRPr>
     </a:lvl7pPr>
-    <a:lvl8pPr lvl="7" marR="0" rtl="0" algn="l">
+    <a:lvl8pPr marR="0" lvl="7" algn="l" rtl="0">
       <a:lnSpc>
         <a:spcPct val="100000"/>
       </a:lnSpc>
@@ -221,7 +221,7 @@
         <a:srgbClr val="000000"/>
       </a:buClr>
       <a:buFont typeface="Arial"/>
-      <a:defRPr b="0" i="0" sz="1400" u="none" cap="none" strike="noStrike">
+      <a:defRPr sz="1400" b="0" i="0" u="none" strike="noStrike" cap="none">
         <a:solidFill>
           <a:srgbClr val="000000"/>
         </a:solidFill>
@@ -231,7 +231,7 @@
         <a:sym typeface="Arial"/>
       </a:defRPr>
     </a:lvl8pPr>
-    <a:lvl9pPr lvl="8" marR="0" rtl="0" algn="l">
+    <a:lvl9pPr marR="0" lvl="8" algn="l" rtl="0">
       <a:lnSpc>
         <a:spcPct val="100000"/>
       </a:lnSpc>
@@ -245,7 +245,7 @@
         <a:srgbClr val="000000"/>
       </a:buClr>
       <a:buFont typeface="Arial"/>
-      <a:defRPr b="0" i="0" sz="1400" u="none" cap="none" strike="noStrike">
+      <a:defRPr sz="1400" b="0" i="0" u="none" strike="noStrike" cap="none">
         <a:solidFill>
           <a:srgbClr val="000000"/>
         </a:solidFill>
@@ -258,7 +258,7 @@
   </p:defaultTextStyle>
   <p:extLst>
     <p:ext uri="{EFAFB233-063F-42B5-8137-9DF3F51BA10A}">
-      <p15:sldGuideLst>
+      <p15:sldGuideLst xmlns:p15="http://schemas.microsoft.com/office/powerpoint/2012/main">
         <p15:guide id="1" orient="horz" pos="1620">
           <p15:clr>
             <a:srgbClr val="A4A3A4"/>
@@ -276,11 +276,16 @@
 </file>
 
 <file path=ppt/notesMasters/notesMaster1.xml><?xml version="1.0" encoding="utf-8"?>
-<p:notesMaster xmlns:a="http://schemas.openxmlformats.org/drawingml/2006/main" xmlns:r="http://schemas.openxmlformats.org/officeDocument/2006/relationships" xmlns:mc="http://schemas.openxmlformats.org/markup-compatibility/2006" xmlns:mv="urn:schemas-microsoft-com:mac:vml" xmlns:p="http://schemas.openxmlformats.org/presentationml/2006/main" xmlns:c="http://schemas.openxmlformats.org/drawingml/2006/chart" xmlns:dgm="http://schemas.openxmlformats.org/drawingml/2006/diagram" xmlns:o="urn:schemas-microsoft-com:office:office" xmlns:v="urn:schemas-microsoft-com:vml" xmlns:pvml="urn:schemas-microsoft-com:office:powerpoint" xmlns:com="http://schemas.openxmlformats.org/drawingml/2006/compatibility" xmlns:p14="http://schemas.microsoft.com/office/powerpoint/2010/main" xmlns:p15="http://schemas.microsoft.com/office/powerpoint/2012/main">
+<p:notesMaster xmlns:a="http://schemas.openxmlformats.org/drawingml/2006/main" xmlns:r="http://schemas.openxmlformats.org/officeDocument/2006/relationships" xmlns:p="http://schemas.openxmlformats.org/presentationml/2006/main">
   <p:cSld>
+    <p:bg>
+      <p:bgRef idx="1001">
+        <a:schemeClr val="bg1"/>
+      </p:bgRef>
+    </p:bg>
     <p:spTree>
       <p:nvGrpSpPr>
-        <p:cNvPr id="2" name="Shape 2"/>
+        <p:cNvPr id="1" name="Shape 2"/>
         <p:cNvGrpSpPr/>
         <p:nvPr/>
       </p:nvGrpSpPr>
@@ -295,9 +300,11 @@
       <p:sp>
         <p:nvSpPr>
           <p:cNvPr id="3" name="Shape 3"/>
-          <p:cNvSpPr/>
+          <p:cNvSpPr>
+            <a:spLocks noGrp="1" noRot="1" noChangeAspect="1"/>
+          </p:cNvSpPr>
           <p:nvPr>
-            <p:ph idx="2" type="sldImg"/>
+            <p:ph type="sldImg" idx="2"/>
           </p:nvPr>
         </p:nvSpPr>
         <p:spPr>
@@ -306,8 +313,13 @@
             <a:ext cx="6096075" cy="3429000"/>
           </a:xfrm>
           <a:custGeom>
+            <a:avLst/>
+            <a:gdLst/>
+            <a:ahLst/>
+            <a:cxnLst/>
+            <a:rect l="0" t="0" r="0" b="0"/>
             <a:pathLst>
-              <a:path extrusionOk="0" h="120000" w="120000">
+              <a:path w="120000" h="120000" extrusionOk="0">
                 <a:moveTo>
                   <a:pt x="0" y="0"/>
                 </a:moveTo>
@@ -325,23 +337,25 @@
             </a:pathLst>
           </a:custGeom>
           <a:noFill/>
-          <a:ln cap="flat" cmpd="sng" w="9525">
+          <a:ln w="9525" cap="flat" cmpd="sng">
             <a:solidFill>
               <a:srgbClr val="000000"/>
             </a:solidFill>
             <a:prstDash val="solid"/>
             <a:round/>
-            <a:headEnd len="sm" w="sm" type="none"/>
-            <a:tailEnd len="sm" w="sm" type="none"/>
+            <a:headEnd type="none" w="sm" len="sm"/>
+            <a:tailEnd type="none" w="sm" len="sm"/>
           </a:ln>
         </p:spPr>
       </p:sp>
       <p:sp>
         <p:nvSpPr>
           <p:cNvPr id="4" name="Shape 4"/>
-          <p:cNvSpPr txBox="1"/>
+          <p:cNvSpPr txBox="1">
+            <a:spLocks noGrp="1"/>
+          </p:cNvSpPr>
           <p:nvPr>
-            <p:ph idx="1" type="body"/>
+            <p:ph type="body" idx="1"/>
           </p:nvPr>
         </p:nvSpPr>
         <p:spPr>
@@ -358,9 +372,9 @@
           </a:ln>
         </p:spPr>
         <p:txBody>
-          <a:bodyPr anchorCtr="0" anchor="t" bIns="91425" lIns="91425" spcFirstLastPara="1" rIns="91425" wrap="square" tIns="91425"/>
+          <a:bodyPr spcFirstLastPara="1" wrap="square" lIns="91425" tIns="91425" rIns="91425" bIns="91425" anchor="t" anchorCtr="0"/>
           <a:lstStyle>
-            <a:lvl1pPr indent="-298450" lvl="0" marL="457200">
+            <a:lvl1pPr marL="457200" lvl="0" indent="-298450">
               <a:spcBef>
                 <a:spcPts val="0"/>
               </a:spcBef>
@@ -371,7 +385,7 @@
               <a:buChar char="●"/>
               <a:defRPr sz="1100"/>
             </a:lvl1pPr>
-            <a:lvl2pPr indent="-298450" lvl="1" marL="914400">
+            <a:lvl2pPr marL="914400" lvl="1" indent="-298450">
               <a:spcBef>
                 <a:spcPts val="0"/>
               </a:spcBef>
@@ -382,7 +396,7 @@
               <a:buChar char="○"/>
               <a:defRPr sz="1100"/>
             </a:lvl2pPr>
-            <a:lvl3pPr indent="-298450" lvl="2" marL="1371600">
+            <a:lvl3pPr marL="1371600" lvl="2" indent="-298450">
               <a:spcBef>
                 <a:spcPts val="0"/>
               </a:spcBef>
@@ -393,7 +407,7 @@
               <a:buChar char="■"/>
               <a:defRPr sz="1100"/>
             </a:lvl3pPr>
-            <a:lvl4pPr indent="-298450" lvl="3" marL="1828800">
+            <a:lvl4pPr marL="1828800" lvl="3" indent="-298450">
               <a:spcBef>
                 <a:spcPts val="0"/>
               </a:spcBef>
@@ -404,7 +418,7 @@
               <a:buChar char="●"/>
               <a:defRPr sz="1100"/>
             </a:lvl4pPr>
-            <a:lvl5pPr indent="-298450" lvl="4" marL="2286000">
+            <a:lvl5pPr marL="2286000" lvl="4" indent="-298450">
               <a:spcBef>
                 <a:spcPts val="0"/>
               </a:spcBef>
@@ -415,7 +429,7 @@
               <a:buChar char="○"/>
               <a:defRPr sz="1100"/>
             </a:lvl5pPr>
-            <a:lvl6pPr indent="-298450" lvl="5" marL="2743200">
+            <a:lvl6pPr marL="2743200" lvl="5" indent="-298450">
               <a:spcBef>
                 <a:spcPts val="0"/>
               </a:spcBef>
@@ -426,7 +440,7 @@
               <a:buChar char="■"/>
               <a:defRPr sz="1100"/>
             </a:lvl6pPr>
-            <a:lvl7pPr indent="-298450" lvl="6" marL="3200400">
+            <a:lvl7pPr marL="3200400" lvl="6" indent="-298450">
               <a:spcBef>
                 <a:spcPts val="0"/>
               </a:spcBef>
@@ -437,7 +451,7 @@
               <a:buChar char="●"/>
               <a:defRPr sz="1100"/>
             </a:lvl7pPr>
-            <a:lvl8pPr indent="-298450" lvl="7" marL="3657600">
+            <a:lvl8pPr marL="3657600" lvl="7" indent="-298450">
               <a:spcBef>
                 <a:spcPts val="0"/>
               </a:spcBef>
@@ -448,7 +462,7 @@
               <a:buChar char="○"/>
               <a:defRPr sz="1100"/>
             </a:lvl8pPr>
-            <a:lvl9pPr indent="-298450" lvl="8" marL="4114800">
+            <a:lvl9pPr marL="4114800" lvl="8" indent="-298450">
               <a:spcBef>
                 <a:spcPts val="0"/>
               </a:spcBef>
@@ -460,14 +474,16 @@
               <a:defRPr sz="1100"/>
             </a:lvl9pPr>
           </a:lstStyle>
-          <a:p/>
+          <a:p>
+            <a:endParaRPr/>
+          </a:p>
         </p:txBody>
       </p:sp>
     </p:spTree>
   </p:cSld>
-  <p:clrMap accent1="accent1" accent2="accent2" accent3="accent3" accent4="accent4" accent5="accent5" accent6="accent6" bg1="lt1" bg2="dk2" tx1="dk1" tx2="lt2" folHlink="folHlink" hlink="hlink"/>
+  <p:clrMap bg1="lt1" tx1="dk1" bg2="dk2" tx2="lt2" accent1="accent1" accent2="accent2" accent3="accent3" accent4="accent4" accent5="accent5" accent6="accent6" hlink="hlink" folHlink="folHlink"/>
   <p:notesStyle>
-    <a:defPPr lvl="0" marR="0" rtl="0" algn="l">
+    <a:defPPr marR="0" lvl="0" algn="l" rtl="0">
       <a:lnSpc>
         <a:spcPct val="100000"/>
       </a:lnSpc>
@@ -478,7 +494,7 @@
         <a:spcPts val="0"/>
       </a:spcAft>
     </a:defPPr>
-    <a:lvl1pPr lvl="0" marR="0" rtl="0" algn="l">
+    <a:lvl1pPr marR="0" lvl="0" algn="l" rtl="0">
       <a:lnSpc>
         <a:spcPct val="100000"/>
       </a:lnSpc>
@@ -492,7 +508,7 @@
         <a:srgbClr val="000000"/>
       </a:buClr>
       <a:buFont typeface="Arial"/>
-      <a:defRPr b="0" i="0" sz="1400" u="none" cap="none" strike="noStrike">
+      <a:defRPr sz="1400" b="0" i="0" u="none" strike="noStrike" cap="none">
         <a:solidFill>
           <a:srgbClr val="000000"/>
         </a:solidFill>
@@ -502,7 +518,7 @@
         <a:sym typeface="Arial"/>
       </a:defRPr>
     </a:lvl1pPr>
-    <a:lvl2pPr lvl="1" marR="0" rtl="0" algn="l">
+    <a:lvl2pPr marR="0" lvl="1" algn="l" rtl="0">
       <a:lnSpc>
         <a:spcPct val="100000"/>
       </a:lnSpc>
@@ -516,7 +532,7 @@
         <a:srgbClr val="000000"/>
       </a:buClr>
       <a:buFont typeface="Arial"/>
-      <a:defRPr b="0" i="0" sz="1400" u="none" cap="none" strike="noStrike">
+      <a:defRPr sz="1400" b="0" i="0" u="none" strike="noStrike" cap="none">
         <a:solidFill>
           <a:srgbClr val="000000"/>
         </a:solidFill>
@@ -526,7 +542,7 @@
         <a:sym typeface="Arial"/>
       </a:defRPr>
     </a:lvl2pPr>
-    <a:lvl3pPr lvl="2" marR="0" rtl="0" algn="l">
+    <a:lvl3pPr marR="0" lvl="2" algn="l" rtl="0">
       <a:lnSpc>
         <a:spcPct val="100000"/>
       </a:lnSpc>
@@ -540,7 +556,7 @@
         <a:srgbClr val="000000"/>
       </a:buClr>
       <a:buFont typeface="Arial"/>
-      <a:defRPr b="0" i="0" sz="1400" u="none" cap="none" strike="noStrike">
+      <a:defRPr sz="1400" b="0" i="0" u="none" strike="noStrike" cap="none">
         <a:solidFill>
           <a:srgbClr val="000000"/>
         </a:solidFill>
@@ -550,7 +566,7 @@
         <a:sym typeface="Arial"/>
       </a:defRPr>
     </a:lvl3pPr>
-    <a:lvl4pPr lvl="3" marR="0" rtl="0" algn="l">
+    <a:lvl4pPr marR="0" lvl="3" algn="l" rtl="0">
       <a:lnSpc>
         <a:spcPct val="100000"/>
       </a:lnSpc>
@@ -564,7 +580,7 @@
         <a:srgbClr val="000000"/>
       </a:buClr>
       <a:buFont typeface="Arial"/>
-      <a:defRPr b="0" i="0" sz="1400" u="none" cap="none" strike="noStrike">
+      <a:defRPr sz="1400" b="0" i="0" u="none" strike="noStrike" cap="none">
         <a:solidFill>
           <a:srgbClr val="000000"/>
         </a:solidFill>
@@ -574,7 +590,7 @@
         <a:sym typeface="Arial"/>
       </a:defRPr>
     </a:lvl4pPr>
-    <a:lvl5pPr lvl="4" marR="0" rtl="0" algn="l">
+    <a:lvl5pPr marR="0" lvl="4" algn="l" rtl="0">
       <a:lnSpc>
         <a:spcPct val="100000"/>
       </a:lnSpc>
@@ -588,7 +604,7 @@
         <a:srgbClr val="000000"/>
       </a:buClr>
       <a:buFont typeface="Arial"/>
-      <a:defRPr b="0" i="0" sz="1400" u="none" cap="none" strike="noStrike">
+      <a:defRPr sz="1400" b="0" i="0" u="none" strike="noStrike" cap="none">
         <a:solidFill>
           <a:srgbClr val="000000"/>
         </a:solidFill>
@@ -598,7 +614,7 @@
         <a:sym typeface="Arial"/>
       </a:defRPr>
     </a:lvl5pPr>
-    <a:lvl6pPr lvl="5" marR="0" rtl="0" algn="l">
+    <a:lvl6pPr marR="0" lvl="5" algn="l" rtl="0">
       <a:lnSpc>
         <a:spcPct val="100000"/>
       </a:lnSpc>
@@ -612,7 +628,7 @@
         <a:srgbClr val="000000"/>
       </a:buClr>
       <a:buFont typeface="Arial"/>
-      <a:defRPr b="0" i="0" sz="1400" u="none" cap="none" strike="noStrike">
+      <a:defRPr sz="1400" b="0" i="0" u="none" strike="noStrike" cap="none">
         <a:solidFill>
           <a:srgbClr val="000000"/>
         </a:solidFill>
@@ -622,7 +638,7 @@
         <a:sym typeface="Arial"/>
       </a:defRPr>
     </a:lvl6pPr>
-    <a:lvl7pPr lvl="6" marR="0" rtl="0" algn="l">
+    <a:lvl7pPr marR="0" lvl="6" algn="l" rtl="0">
       <a:lnSpc>
         <a:spcPct val="100000"/>
       </a:lnSpc>
@@ -636,7 +652,7 @@
         <a:srgbClr val="000000"/>
       </a:buClr>
       <a:buFont typeface="Arial"/>
-      <a:defRPr b="0" i="0" sz="1400" u="none" cap="none" strike="noStrike">
+      <a:defRPr sz="1400" b="0" i="0" u="none" strike="noStrike" cap="none">
         <a:solidFill>
           <a:srgbClr val="000000"/>
         </a:solidFill>
@@ -646,7 +662,7 @@
         <a:sym typeface="Arial"/>
       </a:defRPr>
     </a:lvl7pPr>
-    <a:lvl8pPr lvl="7" marR="0" rtl="0" algn="l">
+    <a:lvl8pPr marR="0" lvl="7" algn="l" rtl="0">
       <a:lnSpc>
         <a:spcPct val="100000"/>
       </a:lnSpc>
@@ -660,7 +676,7 @@
         <a:srgbClr val="000000"/>
       </a:buClr>
       <a:buFont typeface="Arial"/>
-      <a:defRPr b="0" i="0" sz="1400" u="none" cap="none" strike="noStrike">
+      <a:defRPr sz="1400" b="0" i="0" u="none" strike="noStrike" cap="none">
         <a:solidFill>
           <a:srgbClr val="000000"/>
         </a:solidFill>
@@ -670,7 +686,7 @@
         <a:sym typeface="Arial"/>
       </a:defRPr>
     </a:lvl8pPr>
-    <a:lvl9pPr lvl="8" marR="0" rtl="0" algn="l">
+    <a:lvl9pPr marR="0" lvl="8" algn="l" rtl="0">
       <a:lnSpc>
         <a:spcPct val="100000"/>
       </a:lnSpc>
@@ -684,7 +700,7 @@
         <a:srgbClr val="000000"/>
       </a:buClr>
       <a:buFont typeface="Arial"/>
-      <a:defRPr b="0" i="0" sz="1400" u="none" cap="none" strike="noStrike">
+      <a:defRPr sz="1400" b="0" i="0" u="none" strike="noStrike" cap="none">
         <a:solidFill>
           <a:srgbClr val="000000"/>
         </a:solidFill>
@@ -699,11 +715,11 @@
 </file>
 
 <file path=ppt/notesSlides/notesSlide1.xml><?xml version="1.0" encoding="utf-8"?>
-<p:notes xmlns:a="http://schemas.openxmlformats.org/drawingml/2006/main" xmlns:r="http://schemas.openxmlformats.org/officeDocument/2006/relationships" xmlns:mc="http://schemas.openxmlformats.org/markup-compatibility/2006" xmlns:mv="urn:schemas-microsoft-com:mac:vml" xmlns:p="http://schemas.openxmlformats.org/presentationml/2006/main" xmlns:c="http://schemas.openxmlformats.org/drawingml/2006/chart" xmlns:dgm="http://schemas.openxmlformats.org/drawingml/2006/diagram" xmlns:o="urn:schemas-microsoft-com:office:office" xmlns:v="urn:schemas-microsoft-com:vml" xmlns:pvml="urn:schemas-microsoft-com:office:powerpoint" xmlns:com="http://schemas.openxmlformats.org/drawingml/2006/compatibility" xmlns:p14="http://schemas.microsoft.com/office/powerpoint/2010/main" xmlns:p15="http://schemas.microsoft.com/office/powerpoint/2012/main" showMasterPhAnim="0" showMasterSp="0">
+<p:notes xmlns:a="http://schemas.openxmlformats.org/drawingml/2006/main" xmlns:r="http://schemas.openxmlformats.org/officeDocument/2006/relationships" xmlns:p="http://schemas.openxmlformats.org/presentationml/2006/main" showMasterSp="0" showMasterPhAnim="0">
   <p:cSld>
     <p:spTree>
       <p:nvGrpSpPr>
-        <p:cNvPr id="50" name="Shape 50"/>
+        <p:cNvPr id="1" name="Shape 50"/>
         <p:cNvGrpSpPr/>
         <p:nvPr/>
       </p:nvGrpSpPr>
@@ -718,9 +734,11 @@
       <p:sp>
         <p:nvSpPr>
           <p:cNvPr id="51" name="Shape 51"/>
-          <p:cNvSpPr/>
+          <p:cNvSpPr>
+            <a:spLocks noGrp="1" noRot="1" noChangeAspect="1"/>
+          </p:cNvSpPr>
           <p:nvPr>
-            <p:ph idx="2" type="sldImg"/>
+            <p:ph type="sldImg" idx="2"/>
           </p:nvPr>
         </p:nvSpPr>
         <p:spPr>
@@ -729,8 +747,13 @@
             <a:ext cx="6096000" cy="3429000"/>
           </a:xfrm>
           <a:custGeom>
+            <a:avLst/>
+            <a:gdLst/>
+            <a:ahLst/>
+            <a:cxnLst/>
+            <a:rect l="0" t="0" r="0" b="0"/>
             <a:pathLst>
-              <a:path extrusionOk="0" h="120000" w="120000">
+              <a:path w="120000" h="120000" extrusionOk="0">
                 <a:moveTo>
                   <a:pt x="0" y="0"/>
                 </a:moveTo>
@@ -752,9 +775,11 @@
       <p:sp>
         <p:nvSpPr>
           <p:cNvPr id="52" name="Shape 52"/>
-          <p:cNvSpPr txBox="1"/>
+          <p:cNvSpPr txBox="1">
+            <a:spLocks noGrp="1"/>
+          </p:cNvSpPr>
           <p:nvPr>
-            <p:ph idx="1" type="body"/>
+            <p:ph type="body" idx="1"/>
           </p:nvPr>
         </p:nvSpPr>
         <p:spPr>
@@ -767,12 +792,12 @@
           </a:prstGeom>
         </p:spPr>
         <p:txBody>
-          <a:bodyPr anchorCtr="0" anchor="t" bIns="91425" lIns="91425" spcFirstLastPara="1" rIns="91425" wrap="square" tIns="91425">
+          <a:bodyPr spcFirstLastPara="1" wrap="square" lIns="91425" tIns="91425" rIns="91425" bIns="91425" anchor="t" anchorCtr="0">
             <a:noAutofit/>
           </a:bodyPr>
           <a:lstStyle/>
           <a:p>
-            <a:pPr indent="0" lvl="0" marL="0">
+            <a:pPr marL="0" lvl="0" indent="0">
               <a:spcBef>
                 <a:spcPts val="0"/>
               </a:spcBef>
@@ -781,9 +806,6 @@
               </a:spcAft>
               <a:buNone/>
             </a:pPr>
-            <a:r>
-              <a:t/>
-            </a:r>
             <a:endParaRPr/>
           </a:p>
         </p:txBody>
@@ -797,11 +819,11 @@
 </file>
 
 <file path=ppt/notesSlides/notesSlide10.xml><?xml version="1.0" encoding="utf-8"?>
-<p:notes xmlns:a="http://schemas.openxmlformats.org/drawingml/2006/main" xmlns:r="http://schemas.openxmlformats.org/officeDocument/2006/relationships" xmlns:mc="http://schemas.openxmlformats.org/markup-compatibility/2006" xmlns:mv="urn:schemas-microsoft-com:mac:vml" xmlns:p="http://schemas.openxmlformats.org/presentationml/2006/main" xmlns:c="http://schemas.openxmlformats.org/drawingml/2006/chart" xmlns:dgm="http://schemas.openxmlformats.org/drawingml/2006/diagram" xmlns:o="urn:schemas-microsoft-com:office:office" xmlns:v="urn:schemas-microsoft-com:vml" xmlns:pvml="urn:schemas-microsoft-com:office:powerpoint" xmlns:com="http://schemas.openxmlformats.org/drawingml/2006/compatibility" xmlns:p14="http://schemas.microsoft.com/office/powerpoint/2010/main" xmlns:p15="http://schemas.microsoft.com/office/powerpoint/2012/main" showMasterPhAnim="0" showMasterSp="0">
+<p:notes xmlns:a="http://schemas.openxmlformats.org/drawingml/2006/main" xmlns:r="http://schemas.openxmlformats.org/officeDocument/2006/relationships" xmlns:p="http://schemas.openxmlformats.org/presentationml/2006/main" showMasterSp="0" showMasterPhAnim="0">
   <p:cSld>
     <p:spTree>
       <p:nvGrpSpPr>
-        <p:cNvPr id="114" name="Shape 114"/>
+        <p:cNvPr id="1" name="Shape 114"/>
         <p:cNvGrpSpPr/>
         <p:nvPr/>
       </p:nvGrpSpPr>
@@ -816,9 +838,11 @@
       <p:sp>
         <p:nvSpPr>
           <p:cNvPr id="115" name="Shape 115"/>
-          <p:cNvSpPr/>
+          <p:cNvSpPr>
+            <a:spLocks noGrp="1" noRot="1" noChangeAspect="1"/>
+          </p:cNvSpPr>
           <p:nvPr>
-            <p:ph idx="2" type="sldImg"/>
+            <p:ph type="sldImg" idx="2"/>
           </p:nvPr>
         </p:nvSpPr>
         <p:spPr>
@@ -827,8 +851,13 @@
             <a:ext cx="6096000" cy="3429000"/>
           </a:xfrm>
           <a:custGeom>
+            <a:avLst/>
+            <a:gdLst/>
+            <a:ahLst/>
+            <a:cxnLst/>
+            <a:rect l="0" t="0" r="0" b="0"/>
             <a:pathLst>
-              <a:path extrusionOk="0" h="120000" w="120000">
+              <a:path w="120000" h="120000" extrusionOk="0">
                 <a:moveTo>
                   <a:pt x="0" y="0"/>
                 </a:moveTo>
@@ -850,9 +879,11 @@
       <p:sp>
         <p:nvSpPr>
           <p:cNvPr id="116" name="Shape 116"/>
-          <p:cNvSpPr txBox="1"/>
+          <p:cNvSpPr txBox="1">
+            <a:spLocks noGrp="1"/>
+          </p:cNvSpPr>
           <p:nvPr>
-            <p:ph idx="1" type="body"/>
+            <p:ph type="body" idx="1"/>
           </p:nvPr>
         </p:nvSpPr>
         <p:spPr>
@@ -865,12 +896,12 @@
           </a:prstGeom>
         </p:spPr>
         <p:txBody>
-          <a:bodyPr anchorCtr="0" anchor="t" bIns="91425" lIns="91425" spcFirstLastPara="1" rIns="91425" wrap="square" tIns="91425">
+          <a:bodyPr spcFirstLastPara="1" wrap="square" lIns="91425" tIns="91425" rIns="91425" bIns="91425" anchor="t" anchorCtr="0">
             <a:noAutofit/>
           </a:bodyPr>
           <a:lstStyle/>
           <a:p>
-            <a:pPr indent="0" lvl="0" marL="0" rtl="0">
+            <a:pPr marL="0" lvl="0" indent="0" rtl="0">
               <a:spcBef>
                 <a:spcPts val="0"/>
               </a:spcBef>
@@ -879,9 +910,6 @@
               </a:spcAft>
               <a:buNone/>
             </a:pPr>
-            <a:r>
-              <a:t/>
-            </a:r>
             <a:endParaRPr/>
           </a:p>
         </p:txBody>
@@ -895,11 +923,11 @@
 </file>
 
 <file path=ppt/notesSlides/notesSlide11.xml><?xml version="1.0" encoding="utf-8"?>
-<p:notes xmlns:a="http://schemas.openxmlformats.org/drawingml/2006/main" xmlns:r="http://schemas.openxmlformats.org/officeDocument/2006/relationships" xmlns:mc="http://schemas.openxmlformats.org/markup-compatibility/2006" xmlns:mv="urn:schemas-microsoft-com:mac:vml" xmlns:p="http://schemas.openxmlformats.org/presentationml/2006/main" xmlns:c="http://schemas.openxmlformats.org/drawingml/2006/chart" xmlns:dgm="http://schemas.openxmlformats.org/drawingml/2006/diagram" xmlns:o="urn:schemas-microsoft-com:office:office" xmlns:v="urn:schemas-microsoft-com:vml" xmlns:pvml="urn:schemas-microsoft-com:office:powerpoint" xmlns:com="http://schemas.openxmlformats.org/drawingml/2006/compatibility" xmlns:p14="http://schemas.microsoft.com/office/powerpoint/2010/main" xmlns:p15="http://schemas.microsoft.com/office/powerpoint/2012/main" showMasterPhAnim="0" showMasterSp="0">
+<p:notes xmlns:a="http://schemas.openxmlformats.org/drawingml/2006/main" xmlns:r="http://schemas.openxmlformats.org/officeDocument/2006/relationships" xmlns:p="http://schemas.openxmlformats.org/presentationml/2006/main" showMasterSp="0" showMasterPhAnim="0">
   <p:cSld>
     <p:spTree>
       <p:nvGrpSpPr>
-        <p:cNvPr id="121" name="Shape 121"/>
+        <p:cNvPr id="1" name="Shape 121"/>
         <p:cNvGrpSpPr/>
         <p:nvPr/>
       </p:nvGrpSpPr>
@@ -914,9 +942,11 @@
       <p:sp>
         <p:nvSpPr>
           <p:cNvPr id="122" name="Shape 122"/>
-          <p:cNvSpPr/>
+          <p:cNvSpPr>
+            <a:spLocks noGrp="1" noRot="1" noChangeAspect="1"/>
+          </p:cNvSpPr>
           <p:nvPr>
-            <p:ph idx="2" type="sldImg"/>
+            <p:ph type="sldImg" idx="2"/>
           </p:nvPr>
         </p:nvSpPr>
         <p:spPr>
@@ -925,8 +955,13 @@
             <a:ext cx="6096000" cy="3429000"/>
           </a:xfrm>
           <a:custGeom>
+            <a:avLst/>
+            <a:gdLst/>
+            <a:ahLst/>
+            <a:cxnLst/>
+            <a:rect l="0" t="0" r="0" b="0"/>
             <a:pathLst>
-              <a:path extrusionOk="0" h="120000" w="120000">
+              <a:path w="120000" h="120000" extrusionOk="0">
                 <a:moveTo>
                   <a:pt x="0" y="0"/>
                 </a:moveTo>
@@ -948,9 +983,11 @@
       <p:sp>
         <p:nvSpPr>
           <p:cNvPr id="123" name="Shape 123"/>
-          <p:cNvSpPr txBox="1"/>
+          <p:cNvSpPr txBox="1">
+            <a:spLocks noGrp="1"/>
+          </p:cNvSpPr>
           <p:nvPr>
-            <p:ph idx="1" type="body"/>
+            <p:ph type="body" idx="1"/>
           </p:nvPr>
         </p:nvSpPr>
         <p:spPr>
@@ -963,12 +1000,12 @@
           </a:prstGeom>
         </p:spPr>
         <p:txBody>
-          <a:bodyPr anchorCtr="0" anchor="t" bIns="91425" lIns="91425" spcFirstLastPara="1" rIns="91425" wrap="square" tIns="91425">
+          <a:bodyPr spcFirstLastPara="1" wrap="square" lIns="91425" tIns="91425" rIns="91425" bIns="91425" anchor="t" anchorCtr="0">
             <a:noAutofit/>
           </a:bodyPr>
           <a:lstStyle/>
           <a:p>
-            <a:pPr indent="0" lvl="0" marL="0" rtl="0">
+            <a:pPr marL="0" lvl="0" indent="0" rtl="0">
               <a:spcBef>
                 <a:spcPts val="0"/>
               </a:spcBef>
@@ -977,9 +1014,6 @@
               </a:spcAft>
               <a:buNone/>
             </a:pPr>
-            <a:r>
-              <a:t/>
-            </a:r>
             <a:endParaRPr/>
           </a:p>
         </p:txBody>
@@ -993,11 +1027,11 @@
 </file>
 
 <file path=ppt/notesSlides/notesSlide12.xml><?xml version="1.0" encoding="utf-8"?>
-<p:notes xmlns:a="http://schemas.openxmlformats.org/drawingml/2006/main" xmlns:r="http://schemas.openxmlformats.org/officeDocument/2006/relationships" xmlns:mc="http://schemas.openxmlformats.org/markup-compatibility/2006" xmlns:mv="urn:schemas-microsoft-com:mac:vml" xmlns:p="http://schemas.openxmlformats.org/presentationml/2006/main" xmlns:c="http://schemas.openxmlformats.org/drawingml/2006/chart" xmlns:dgm="http://schemas.openxmlformats.org/drawingml/2006/diagram" xmlns:o="urn:schemas-microsoft-com:office:office" xmlns:v="urn:schemas-microsoft-com:vml" xmlns:pvml="urn:schemas-microsoft-com:office:powerpoint" xmlns:com="http://schemas.openxmlformats.org/drawingml/2006/compatibility" xmlns:p14="http://schemas.microsoft.com/office/powerpoint/2010/main" xmlns:p15="http://schemas.microsoft.com/office/powerpoint/2012/main" showMasterPhAnim="0" showMasterSp="0">
+<p:notes xmlns:a="http://schemas.openxmlformats.org/drawingml/2006/main" xmlns:r="http://schemas.openxmlformats.org/officeDocument/2006/relationships" xmlns:p="http://schemas.openxmlformats.org/presentationml/2006/main" showMasterSp="0" showMasterPhAnim="0">
   <p:cSld>
     <p:spTree>
       <p:nvGrpSpPr>
-        <p:cNvPr id="132" name="Shape 132"/>
+        <p:cNvPr id="1" name="Shape 132"/>
         <p:cNvGrpSpPr/>
         <p:nvPr/>
       </p:nvGrpSpPr>
@@ -1012,9 +1046,11 @@
       <p:sp>
         <p:nvSpPr>
           <p:cNvPr id="133" name="Shape 133"/>
-          <p:cNvSpPr/>
+          <p:cNvSpPr>
+            <a:spLocks noGrp="1" noRot="1" noChangeAspect="1"/>
+          </p:cNvSpPr>
           <p:nvPr>
-            <p:ph idx="2" type="sldImg"/>
+            <p:ph type="sldImg" idx="2"/>
           </p:nvPr>
         </p:nvSpPr>
         <p:spPr>
@@ -1023,8 +1059,13 @@
             <a:ext cx="6096000" cy="3429000"/>
           </a:xfrm>
           <a:custGeom>
+            <a:avLst/>
+            <a:gdLst/>
+            <a:ahLst/>
+            <a:cxnLst/>
+            <a:rect l="0" t="0" r="0" b="0"/>
             <a:pathLst>
-              <a:path extrusionOk="0" h="120000" w="120000">
+              <a:path w="120000" h="120000" extrusionOk="0">
                 <a:moveTo>
                   <a:pt x="0" y="0"/>
                 </a:moveTo>
@@ -1046,9 +1087,11 @@
       <p:sp>
         <p:nvSpPr>
           <p:cNvPr id="134" name="Shape 134"/>
-          <p:cNvSpPr txBox="1"/>
+          <p:cNvSpPr txBox="1">
+            <a:spLocks noGrp="1"/>
+          </p:cNvSpPr>
           <p:nvPr>
-            <p:ph idx="1" type="body"/>
+            <p:ph type="body" idx="1"/>
           </p:nvPr>
         </p:nvSpPr>
         <p:spPr>
@@ -1061,12 +1104,12 @@
           </a:prstGeom>
         </p:spPr>
         <p:txBody>
-          <a:bodyPr anchorCtr="0" anchor="t" bIns="91425" lIns="91425" spcFirstLastPara="1" rIns="91425" wrap="square" tIns="91425">
+          <a:bodyPr spcFirstLastPara="1" wrap="square" lIns="91425" tIns="91425" rIns="91425" bIns="91425" anchor="t" anchorCtr="0">
             <a:noAutofit/>
           </a:bodyPr>
           <a:lstStyle/>
           <a:p>
-            <a:pPr indent="0" lvl="0" marL="0" rtl="0">
+            <a:pPr marL="0" lvl="0" indent="0" rtl="0">
               <a:spcBef>
                 <a:spcPts val="0"/>
               </a:spcBef>
@@ -1092,11 +1135,11 @@
 </file>
 
 <file path=ppt/notesSlides/notesSlide13.xml><?xml version="1.0" encoding="utf-8"?>
-<p:notes xmlns:a="http://schemas.openxmlformats.org/drawingml/2006/main" xmlns:r="http://schemas.openxmlformats.org/officeDocument/2006/relationships" xmlns:mc="http://schemas.openxmlformats.org/markup-compatibility/2006" xmlns:mv="urn:schemas-microsoft-com:mac:vml" xmlns:p="http://schemas.openxmlformats.org/presentationml/2006/main" xmlns:c="http://schemas.openxmlformats.org/drawingml/2006/chart" xmlns:dgm="http://schemas.openxmlformats.org/drawingml/2006/diagram" xmlns:o="urn:schemas-microsoft-com:office:office" xmlns:v="urn:schemas-microsoft-com:vml" xmlns:pvml="urn:schemas-microsoft-com:office:powerpoint" xmlns:com="http://schemas.openxmlformats.org/drawingml/2006/compatibility" xmlns:p14="http://schemas.microsoft.com/office/powerpoint/2010/main" xmlns:p15="http://schemas.microsoft.com/office/powerpoint/2012/main" showMasterPhAnim="0" showMasterSp="0">
+<p:notes xmlns:a="http://schemas.openxmlformats.org/drawingml/2006/main" xmlns:r="http://schemas.openxmlformats.org/officeDocument/2006/relationships" xmlns:p="http://schemas.openxmlformats.org/presentationml/2006/main" showMasterSp="0" showMasterPhAnim="0">
   <p:cSld>
     <p:spTree>
       <p:nvGrpSpPr>
-        <p:cNvPr id="141" name="Shape 141"/>
+        <p:cNvPr id="1" name="Shape 141"/>
         <p:cNvGrpSpPr/>
         <p:nvPr/>
       </p:nvGrpSpPr>
@@ -1111,9 +1154,11 @@
       <p:sp>
         <p:nvSpPr>
           <p:cNvPr id="142" name="Shape 142"/>
-          <p:cNvSpPr/>
+          <p:cNvSpPr>
+            <a:spLocks noGrp="1" noRot="1" noChangeAspect="1"/>
+          </p:cNvSpPr>
           <p:nvPr>
-            <p:ph idx="2" type="sldImg"/>
+            <p:ph type="sldImg" idx="2"/>
           </p:nvPr>
         </p:nvSpPr>
         <p:spPr>
@@ -1122,8 +1167,13 @@
             <a:ext cx="6096000" cy="3429000"/>
           </a:xfrm>
           <a:custGeom>
+            <a:avLst/>
+            <a:gdLst/>
+            <a:ahLst/>
+            <a:cxnLst/>
+            <a:rect l="0" t="0" r="0" b="0"/>
             <a:pathLst>
-              <a:path extrusionOk="0" h="120000" w="120000">
+              <a:path w="120000" h="120000" extrusionOk="0">
                 <a:moveTo>
                   <a:pt x="0" y="0"/>
                 </a:moveTo>
@@ -1145,9 +1195,11 @@
       <p:sp>
         <p:nvSpPr>
           <p:cNvPr id="143" name="Shape 143"/>
-          <p:cNvSpPr txBox="1"/>
+          <p:cNvSpPr txBox="1">
+            <a:spLocks noGrp="1"/>
+          </p:cNvSpPr>
           <p:nvPr>
-            <p:ph idx="1" type="body"/>
+            <p:ph type="body" idx="1"/>
           </p:nvPr>
         </p:nvSpPr>
         <p:spPr>
@@ -1160,12 +1212,12 @@
           </a:prstGeom>
         </p:spPr>
         <p:txBody>
-          <a:bodyPr anchorCtr="0" anchor="t" bIns="91425" lIns="91425" spcFirstLastPara="1" rIns="91425" wrap="square" tIns="91425">
+          <a:bodyPr spcFirstLastPara="1" wrap="square" lIns="91425" tIns="91425" rIns="91425" bIns="91425" anchor="t" anchorCtr="0">
             <a:noAutofit/>
           </a:bodyPr>
           <a:lstStyle/>
           <a:p>
-            <a:pPr indent="0" lvl="0" marL="0">
+            <a:pPr marL="0" lvl="0" indent="0">
               <a:spcBef>
                 <a:spcPts val="0"/>
               </a:spcBef>
@@ -1189,7 +1241,7 @@
             </a:endParaRPr>
           </a:p>
           <a:p>
-            <a:pPr indent="0" lvl="0" marL="0">
+            <a:pPr marL="0" lvl="0" indent="0">
               <a:spcBef>
                 <a:spcPts val="0"/>
               </a:spcBef>
@@ -1228,11 +1280,11 @@
 </file>
 
 <file path=ppt/notesSlides/notesSlide14.xml><?xml version="1.0" encoding="utf-8"?>
-<p:notes xmlns:a="http://schemas.openxmlformats.org/drawingml/2006/main" xmlns:r="http://schemas.openxmlformats.org/officeDocument/2006/relationships" xmlns:mc="http://schemas.openxmlformats.org/markup-compatibility/2006" xmlns:mv="urn:schemas-microsoft-com:mac:vml" xmlns:p="http://schemas.openxmlformats.org/presentationml/2006/main" xmlns:c="http://schemas.openxmlformats.org/drawingml/2006/chart" xmlns:dgm="http://schemas.openxmlformats.org/drawingml/2006/diagram" xmlns:o="urn:schemas-microsoft-com:office:office" xmlns:v="urn:schemas-microsoft-com:vml" xmlns:pvml="urn:schemas-microsoft-com:office:powerpoint" xmlns:com="http://schemas.openxmlformats.org/drawingml/2006/compatibility" xmlns:p14="http://schemas.microsoft.com/office/powerpoint/2010/main" xmlns:p15="http://schemas.microsoft.com/office/powerpoint/2012/main" showMasterPhAnim="0" showMasterSp="0">
+<p:notes xmlns:a="http://schemas.openxmlformats.org/drawingml/2006/main" xmlns:r="http://schemas.openxmlformats.org/officeDocument/2006/relationships" xmlns:p="http://schemas.openxmlformats.org/presentationml/2006/main" showMasterSp="0" showMasterPhAnim="0">
   <p:cSld>
     <p:spTree>
       <p:nvGrpSpPr>
-        <p:cNvPr id="147" name="Shape 147"/>
+        <p:cNvPr id="1" name="Shape 147"/>
         <p:cNvGrpSpPr/>
         <p:nvPr/>
       </p:nvGrpSpPr>
@@ -1247,9 +1299,11 @@
       <p:sp>
         <p:nvSpPr>
           <p:cNvPr id="148" name="Shape 148"/>
-          <p:cNvSpPr/>
+          <p:cNvSpPr>
+            <a:spLocks noGrp="1" noRot="1" noChangeAspect="1"/>
+          </p:cNvSpPr>
           <p:nvPr>
-            <p:ph idx="2" type="sldImg"/>
+            <p:ph type="sldImg" idx="2"/>
           </p:nvPr>
         </p:nvSpPr>
         <p:spPr>
@@ -1258,8 +1312,13 @@
             <a:ext cx="6096000" cy="3429000"/>
           </a:xfrm>
           <a:custGeom>
+            <a:avLst/>
+            <a:gdLst/>
+            <a:ahLst/>
+            <a:cxnLst/>
+            <a:rect l="0" t="0" r="0" b="0"/>
             <a:pathLst>
-              <a:path extrusionOk="0" h="120000" w="120000">
+              <a:path w="120000" h="120000" extrusionOk="0">
                 <a:moveTo>
                   <a:pt x="0" y="0"/>
                 </a:moveTo>
@@ -1281,9 +1340,11 @@
       <p:sp>
         <p:nvSpPr>
           <p:cNvPr id="149" name="Shape 149"/>
-          <p:cNvSpPr txBox="1"/>
+          <p:cNvSpPr txBox="1">
+            <a:spLocks noGrp="1"/>
+          </p:cNvSpPr>
           <p:nvPr>
-            <p:ph idx="1" type="body"/>
+            <p:ph type="body" idx="1"/>
           </p:nvPr>
         </p:nvSpPr>
         <p:spPr>
@@ -1296,12 +1357,12 @@
           </a:prstGeom>
         </p:spPr>
         <p:txBody>
-          <a:bodyPr anchorCtr="0" anchor="t" bIns="91425" lIns="91425" spcFirstLastPara="1" rIns="91425" wrap="square" tIns="91425">
+          <a:bodyPr spcFirstLastPara="1" wrap="square" lIns="91425" tIns="91425" rIns="91425" bIns="91425" anchor="t" anchorCtr="0">
             <a:noAutofit/>
           </a:bodyPr>
           <a:lstStyle/>
           <a:p>
-            <a:pPr indent="0" lvl="0" marL="0">
+            <a:pPr marL="0" lvl="0" indent="0">
               <a:spcBef>
                 <a:spcPts val="0"/>
               </a:spcBef>
@@ -1310,9 +1371,6 @@
               </a:spcAft>
               <a:buNone/>
             </a:pPr>
-            <a:r>
-              <a:t/>
-            </a:r>
             <a:endParaRPr/>
           </a:p>
         </p:txBody>
@@ -1326,11 +1384,11 @@
 </file>
 
 <file path=ppt/notesSlides/notesSlide15.xml><?xml version="1.0" encoding="utf-8"?>
-<p:notes xmlns:a="http://schemas.openxmlformats.org/drawingml/2006/main" xmlns:r="http://schemas.openxmlformats.org/officeDocument/2006/relationships" xmlns:mc="http://schemas.openxmlformats.org/markup-compatibility/2006" xmlns:mv="urn:schemas-microsoft-com:mac:vml" xmlns:p="http://schemas.openxmlformats.org/presentationml/2006/main" xmlns:c="http://schemas.openxmlformats.org/drawingml/2006/chart" xmlns:dgm="http://schemas.openxmlformats.org/drawingml/2006/diagram" xmlns:o="urn:schemas-microsoft-com:office:office" xmlns:v="urn:schemas-microsoft-com:vml" xmlns:pvml="urn:schemas-microsoft-com:office:powerpoint" xmlns:com="http://schemas.openxmlformats.org/drawingml/2006/compatibility" xmlns:p14="http://schemas.microsoft.com/office/powerpoint/2010/main" xmlns:p15="http://schemas.microsoft.com/office/powerpoint/2012/main" showMasterPhAnim="0" showMasterSp="0">
+<p:notes xmlns:a="http://schemas.openxmlformats.org/drawingml/2006/main" xmlns:r="http://schemas.openxmlformats.org/officeDocument/2006/relationships" xmlns:p="http://schemas.openxmlformats.org/presentationml/2006/main" showMasterSp="0" showMasterPhAnim="0">
   <p:cSld>
     <p:spTree>
       <p:nvGrpSpPr>
-        <p:cNvPr id="153" name="Shape 153"/>
+        <p:cNvPr id="1" name="Shape 153"/>
         <p:cNvGrpSpPr/>
         <p:nvPr/>
       </p:nvGrpSpPr>
@@ -1345,9 +1403,11 @@
       <p:sp>
         <p:nvSpPr>
           <p:cNvPr id="154" name="Shape 154"/>
-          <p:cNvSpPr/>
+          <p:cNvSpPr>
+            <a:spLocks noGrp="1" noRot="1" noChangeAspect="1"/>
+          </p:cNvSpPr>
           <p:nvPr>
-            <p:ph idx="2" type="sldImg"/>
+            <p:ph type="sldImg" idx="2"/>
           </p:nvPr>
         </p:nvSpPr>
         <p:spPr>
@@ -1356,8 +1416,13 @@
             <a:ext cx="6096000" cy="3429000"/>
           </a:xfrm>
           <a:custGeom>
+            <a:avLst/>
+            <a:gdLst/>
+            <a:ahLst/>
+            <a:cxnLst/>
+            <a:rect l="0" t="0" r="0" b="0"/>
             <a:pathLst>
-              <a:path extrusionOk="0" h="120000" w="120000">
+              <a:path w="120000" h="120000" extrusionOk="0">
                 <a:moveTo>
                   <a:pt x="0" y="0"/>
                 </a:moveTo>
@@ -1379,9 +1444,11 @@
       <p:sp>
         <p:nvSpPr>
           <p:cNvPr id="155" name="Shape 155"/>
-          <p:cNvSpPr txBox="1"/>
+          <p:cNvSpPr txBox="1">
+            <a:spLocks noGrp="1"/>
+          </p:cNvSpPr>
           <p:nvPr>
-            <p:ph idx="1" type="body"/>
+            <p:ph type="body" idx="1"/>
           </p:nvPr>
         </p:nvSpPr>
         <p:spPr>
@@ -1394,12 +1461,12 @@
           </a:prstGeom>
         </p:spPr>
         <p:txBody>
-          <a:bodyPr anchorCtr="0" anchor="t" bIns="91425" lIns="91425" spcFirstLastPara="1" rIns="91425" wrap="square" tIns="91425">
+          <a:bodyPr spcFirstLastPara="1" wrap="square" lIns="91425" tIns="91425" rIns="91425" bIns="91425" anchor="t" anchorCtr="0">
             <a:noAutofit/>
           </a:bodyPr>
           <a:lstStyle/>
           <a:p>
-            <a:pPr indent="0" lvl="0" marL="0">
+            <a:pPr marL="0" lvl="0" indent="0">
               <a:spcBef>
                 <a:spcPts val="0"/>
               </a:spcBef>
@@ -1408,9 +1475,6 @@
               </a:spcAft>
               <a:buNone/>
             </a:pPr>
-            <a:r>
-              <a:t/>
-            </a:r>
             <a:endParaRPr/>
           </a:p>
         </p:txBody>
@@ -1424,11 +1488,11 @@
 </file>
 
 <file path=ppt/notesSlides/notesSlide16.xml><?xml version="1.0" encoding="utf-8"?>
-<p:notes xmlns:a="http://schemas.openxmlformats.org/drawingml/2006/main" xmlns:r="http://schemas.openxmlformats.org/officeDocument/2006/relationships" xmlns:mc="http://schemas.openxmlformats.org/markup-compatibility/2006" xmlns:mv="urn:schemas-microsoft-com:mac:vml" xmlns:p="http://schemas.openxmlformats.org/presentationml/2006/main" xmlns:c="http://schemas.openxmlformats.org/drawingml/2006/chart" xmlns:dgm="http://schemas.openxmlformats.org/drawingml/2006/diagram" xmlns:o="urn:schemas-microsoft-com:office:office" xmlns:v="urn:schemas-microsoft-com:vml" xmlns:pvml="urn:schemas-microsoft-com:office:powerpoint" xmlns:com="http://schemas.openxmlformats.org/drawingml/2006/compatibility" xmlns:p14="http://schemas.microsoft.com/office/powerpoint/2010/main" xmlns:p15="http://schemas.microsoft.com/office/powerpoint/2012/main" showMasterPhAnim="0" showMasterSp="0">
+<p:notes xmlns:a="http://schemas.openxmlformats.org/drawingml/2006/main" xmlns:r="http://schemas.openxmlformats.org/officeDocument/2006/relationships" xmlns:p="http://schemas.openxmlformats.org/presentationml/2006/main" showMasterSp="0" showMasterPhAnim="0">
   <p:cSld>
     <p:spTree>
       <p:nvGrpSpPr>
-        <p:cNvPr id="159" name="Shape 159"/>
+        <p:cNvPr id="1" name="Shape 159"/>
         <p:cNvGrpSpPr/>
         <p:nvPr/>
       </p:nvGrpSpPr>
@@ -1443,9 +1507,11 @@
       <p:sp>
         <p:nvSpPr>
           <p:cNvPr id="160" name="Shape 160"/>
-          <p:cNvSpPr/>
+          <p:cNvSpPr>
+            <a:spLocks noGrp="1" noRot="1" noChangeAspect="1"/>
+          </p:cNvSpPr>
           <p:nvPr>
-            <p:ph idx="2" type="sldImg"/>
+            <p:ph type="sldImg" idx="2"/>
           </p:nvPr>
         </p:nvSpPr>
         <p:spPr>
@@ -1454,8 +1520,13 @@
             <a:ext cx="6096000" cy="3429000"/>
           </a:xfrm>
           <a:custGeom>
+            <a:avLst/>
+            <a:gdLst/>
+            <a:ahLst/>
+            <a:cxnLst/>
+            <a:rect l="0" t="0" r="0" b="0"/>
             <a:pathLst>
-              <a:path extrusionOk="0" h="120000" w="120000">
+              <a:path w="120000" h="120000" extrusionOk="0">
                 <a:moveTo>
                   <a:pt x="0" y="0"/>
                 </a:moveTo>
@@ -1477,9 +1548,11 @@
       <p:sp>
         <p:nvSpPr>
           <p:cNvPr id="161" name="Shape 161"/>
-          <p:cNvSpPr txBox="1"/>
+          <p:cNvSpPr txBox="1">
+            <a:spLocks noGrp="1"/>
+          </p:cNvSpPr>
           <p:nvPr>
-            <p:ph idx="1" type="body"/>
+            <p:ph type="body" idx="1"/>
           </p:nvPr>
         </p:nvSpPr>
         <p:spPr>
@@ -1492,12 +1565,12 @@
           </a:prstGeom>
         </p:spPr>
         <p:txBody>
-          <a:bodyPr anchorCtr="0" anchor="t" bIns="91425" lIns="91425" spcFirstLastPara="1" rIns="91425" wrap="square" tIns="91425">
+          <a:bodyPr spcFirstLastPara="1" wrap="square" lIns="91425" tIns="91425" rIns="91425" bIns="91425" anchor="t" anchorCtr="0">
             <a:noAutofit/>
           </a:bodyPr>
           <a:lstStyle/>
           <a:p>
-            <a:pPr indent="0" lvl="0" marL="0">
+            <a:pPr marL="0" lvl="0" indent="0">
               <a:spcBef>
                 <a:spcPts val="0"/>
               </a:spcBef>
@@ -1506,9 +1579,6 @@
               </a:spcAft>
               <a:buNone/>
             </a:pPr>
-            <a:r>
-              <a:t/>
-            </a:r>
             <a:endParaRPr/>
           </a:p>
         </p:txBody>
@@ -1522,11 +1592,11 @@
 </file>
 
 <file path=ppt/notesSlides/notesSlide2.xml><?xml version="1.0" encoding="utf-8"?>
-<p:notes xmlns:a="http://schemas.openxmlformats.org/drawingml/2006/main" xmlns:r="http://schemas.openxmlformats.org/officeDocument/2006/relationships" xmlns:mc="http://schemas.openxmlformats.org/markup-compatibility/2006" xmlns:mv="urn:schemas-microsoft-com:mac:vml" xmlns:p="http://schemas.openxmlformats.org/presentationml/2006/main" xmlns:c="http://schemas.openxmlformats.org/drawingml/2006/chart" xmlns:dgm="http://schemas.openxmlformats.org/drawingml/2006/diagram" xmlns:o="urn:schemas-microsoft-com:office:office" xmlns:v="urn:schemas-microsoft-com:vml" xmlns:pvml="urn:schemas-microsoft-com:office:powerpoint" xmlns:com="http://schemas.openxmlformats.org/drawingml/2006/compatibility" xmlns:p14="http://schemas.microsoft.com/office/powerpoint/2010/main" xmlns:p15="http://schemas.microsoft.com/office/powerpoint/2012/main" showMasterPhAnim="0" showMasterSp="0">
+<p:notes xmlns:a="http://schemas.openxmlformats.org/drawingml/2006/main" xmlns:r="http://schemas.openxmlformats.org/officeDocument/2006/relationships" xmlns:p="http://schemas.openxmlformats.org/presentationml/2006/main" showMasterSp="0" showMasterPhAnim="0">
   <p:cSld>
     <p:spTree>
       <p:nvGrpSpPr>
-        <p:cNvPr id="55" name="Shape 55"/>
+        <p:cNvPr id="1" name="Shape 55"/>
         <p:cNvGrpSpPr/>
         <p:nvPr/>
       </p:nvGrpSpPr>
@@ -1541,9 +1611,11 @@
       <p:sp>
         <p:nvSpPr>
           <p:cNvPr id="56" name="Shape 56"/>
-          <p:cNvSpPr/>
+          <p:cNvSpPr>
+            <a:spLocks noGrp="1" noRot="1" noChangeAspect="1"/>
+          </p:cNvSpPr>
           <p:nvPr>
-            <p:ph idx="2" type="sldImg"/>
+            <p:ph type="sldImg" idx="2"/>
           </p:nvPr>
         </p:nvSpPr>
         <p:spPr>
@@ -1552,8 +1624,13 @@
             <a:ext cx="6096075" cy="3429000"/>
           </a:xfrm>
           <a:custGeom>
+            <a:avLst/>
+            <a:gdLst/>
+            <a:ahLst/>
+            <a:cxnLst/>
+            <a:rect l="0" t="0" r="0" b="0"/>
             <a:pathLst>
-              <a:path extrusionOk="0" h="120000" w="120000">
+              <a:path w="120000" h="120000" extrusionOk="0">
                 <a:moveTo>
                   <a:pt x="0" y="0"/>
                 </a:moveTo>
@@ -1575,9 +1652,11 @@
       <p:sp>
         <p:nvSpPr>
           <p:cNvPr id="57" name="Shape 57"/>
-          <p:cNvSpPr txBox="1"/>
+          <p:cNvSpPr txBox="1">
+            <a:spLocks noGrp="1"/>
+          </p:cNvSpPr>
           <p:nvPr>
-            <p:ph idx="1" type="body"/>
+            <p:ph type="body" idx="1"/>
           </p:nvPr>
         </p:nvSpPr>
         <p:spPr>
@@ -1590,12 +1669,12 @@
           </a:prstGeom>
         </p:spPr>
         <p:txBody>
-          <a:bodyPr anchorCtr="0" anchor="t" bIns="91425" lIns="91425" spcFirstLastPara="1" rIns="91425" wrap="square" tIns="91425">
+          <a:bodyPr spcFirstLastPara="1" wrap="square" lIns="91425" tIns="91425" rIns="91425" bIns="91425" anchor="t" anchorCtr="0">
             <a:noAutofit/>
           </a:bodyPr>
           <a:lstStyle/>
           <a:p>
-            <a:pPr indent="0" lvl="0" marL="0">
+            <a:pPr marL="0" lvl="0" indent="0">
               <a:spcBef>
                 <a:spcPts val="0"/>
               </a:spcBef>
@@ -1604,9 +1683,6 @@
               </a:spcAft>
               <a:buNone/>
             </a:pPr>
-            <a:r>
-              <a:t/>
-            </a:r>
             <a:endParaRPr/>
           </a:p>
         </p:txBody>
@@ -1620,11 +1696,11 @@
 </file>
 
 <file path=ppt/notesSlides/notesSlide3.xml><?xml version="1.0" encoding="utf-8"?>
-<p:notes xmlns:a="http://schemas.openxmlformats.org/drawingml/2006/main" xmlns:r="http://schemas.openxmlformats.org/officeDocument/2006/relationships" xmlns:mc="http://schemas.openxmlformats.org/markup-compatibility/2006" xmlns:mv="urn:schemas-microsoft-com:mac:vml" xmlns:p="http://schemas.openxmlformats.org/presentationml/2006/main" xmlns:c="http://schemas.openxmlformats.org/drawingml/2006/chart" xmlns:dgm="http://schemas.openxmlformats.org/drawingml/2006/diagram" xmlns:o="urn:schemas-microsoft-com:office:office" xmlns:v="urn:schemas-microsoft-com:vml" xmlns:pvml="urn:schemas-microsoft-com:office:powerpoint" xmlns:com="http://schemas.openxmlformats.org/drawingml/2006/compatibility" xmlns:p14="http://schemas.microsoft.com/office/powerpoint/2010/main" xmlns:p15="http://schemas.microsoft.com/office/powerpoint/2012/main" showMasterPhAnim="0" showMasterSp="0">
+<p:notes xmlns:a="http://schemas.openxmlformats.org/drawingml/2006/main" xmlns:r="http://schemas.openxmlformats.org/officeDocument/2006/relationships" xmlns:p="http://schemas.openxmlformats.org/presentationml/2006/main" showMasterSp="0" showMasterPhAnim="0">
   <p:cSld>
     <p:spTree>
       <p:nvGrpSpPr>
-        <p:cNvPr id="61" name="Shape 61"/>
+        <p:cNvPr id="1" name="Shape 61"/>
         <p:cNvGrpSpPr/>
         <p:nvPr/>
       </p:nvGrpSpPr>
@@ -1639,9 +1715,11 @@
       <p:sp>
         <p:nvSpPr>
           <p:cNvPr id="62" name="Shape 62"/>
-          <p:cNvSpPr/>
+          <p:cNvSpPr>
+            <a:spLocks noGrp="1" noRot="1" noChangeAspect="1"/>
+          </p:cNvSpPr>
           <p:nvPr>
-            <p:ph idx="2" type="sldImg"/>
+            <p:ph type="sldImg" idx="2"/>
           </p:nvPr>
         </p:nvSpPr>
         <p:spPr>
@@ -1650,8 +1728,13 @@
             <a:ext cx="6096000" cy="3429000"/>
           </a:xfrm>
           <a:custGeom>
+            <a:avLst/>
+            <a:gdLst/>
+            <a:ahLst/>
+            <a:cxnLst/>
+            <a:rect l="0" t="0" r="0" b="0"/>
             <a:pathLst>
-              <a:path extrusionOk="0" h="120000" w="120000">
+              <a:path w="120000" h="120000" extrusionOk="0">
                 <a:moveTo>
                   <a:pt x="0" y="0"/>
                 </a:moveTo>
@@ -1673,9 +1756,11 @@
       <p:sp>
         <p:nvSpPr>
           <p:cNvPr id="63" name="Shape 63"/>
-          <p:cNvSpPr txBox="1"/>
+          <p:cNvSpPr txBox="1">
+            <a:spLocks noGrp="1"/>
+          </p:cNvSpPr>
           <p:nvPr>
-            <p:ph idx="1" type="body"/>
+            <p:ph type="body" idx="1"/>
           </p:nvPr>
         </p:nvSpPr>
         <p:spPr>
@@ -1688,12 +1773,12 @@
           </a:prstGeom>
         </p:spPr>
         <p:txBody>
-          <a:bodyPr anchorCtr="0" anchor="t" bIns="91425" lIns="91425" spcFirstLastPara="1" rIns="91425" wrap="square" tIns="91425">
+          <a:bodyPr spcFirstLastPara="1" wrap="square" lIns="91425" tIns="91425" rIns="91425" bIns="91425" anchor="t" anchorCtr="0">
             <a:noAutofit/>
           </a:bodyPr>
           <a:lstStyle/>
           <a:p>
-            <a:pPr indent="0" lvl="0" marL="0">
+            <a:pPr marL="0" lvl="0" indent="0">
               <a:spcBef>
                 <a:spcPts val="0"/>
               </a:spcBef>
@@ -1702,9 +1787,6 @@
               </a:spcAft>
               <a:buNone/>
             </a:pPr>
-            <a:r>
-              <a:t/>
-            </a:r>
             <a:endParaRPr/>
           </a:p>
         </p:txBody>
@@ -1718,11 +1800,11 @@
 </file>
 
 <file path=ppt/notesSlides/notesSlide4.xml><?xml version="1.0" encoding="utf-8"?>
-<p:notes xmlns:a="http://schemas.openxmlformats.org/drawingml/2006/main" xmlns:r="http://schemas.openxmlformats.org/officeDocument/2006/relationships" xmlns:mc="http://schemas.openxmlformats.org/markup-compatibility/2006" xmlns:mv="urn:schemas-microsoft-com:mac:vml" xmlns:p="http://schemas.openxmlformats.org/presentationml/2006/main" xmlns:c="http://schemas.openxmlformats.org/drawingml/2006/chart" xmlns:dgm="http://schemas.openxmlformats.org/drawingml/2006/diagram" xmlns:o="urn:schemas-microsoft-com:office:office" xmlns:v="urn:schemas-microsoft-com:vml" xmlns:pvml="urn:schemas-microsoft-com:office:powerpoint" xmlns:com="http://schemas.openxmlformats.org/drawingml/2006/compatibility" xmlns:p14="http://schemas.microsoft.com/office/powerpoint/2010/main" xmlns:p15="http://schemas.microsoft.com/office/powerpoint/2012/main" showMasterPhAnim="0" showMasterSp="0">
+<p:notes xmlns:a="http://schemas.openxmlformats.org/drawingml/2006/main" xmlns:r="http://schemas.openxmlformats.org/officeDocument/2006/relationships" xmlns:p="http://schemas.openxmlformats.org/presentationml/2006/main" showMasterSp="0" showMasterPhAnim="0">
   <p:cSld>
     <p:spTree>
       <p:nvGrpSpPr>
-        <p:cNvPr id="66" name="Shape 66"/>
+        <p:cNvPr id="1" name="Shape 66"/>
         <p:cNvGrpSpPr/>
         <p:nvPr/>
       </p:nvGrpSpPr>
@@ -1737,9 +1819,11 @@
       <p:sp>
         <p:nvSpPr>
           <p:cNvPr id="67" name="Shape 67"/>
-          <p:cNvSpPr/>
+          <p:cNvSpPr>
+            <a:spLocks noGrp="1" noRot="1" noChangeAspect="1"/>
+          </p:cNvSpPr>
           <p:nvPr>
-            <p:ph idx="2" type="sldImg"/>
+            <p:ph type="sldImg" idx="2"/>
           </p:nvPr>
         </p:nvSpPr>
         <p:spPr>
@@ -1748,8 +1832,13 @@
             <a:ext cx="6096000" cy="3429000"/>
           </a:xfrm>
           <a:custGeom>
+            <a:avLst/>
+            <a:gdLst/>
+            <a:ahLst/>
+            <a:cxnLst/>
+            <a:rect l="0" t="0" r="0" b="0"/>
             <a:pathLst>
-              <a:path extrusionOk="0" h="120000" w="120000">
+              <a:path w="120000" h="120000" extrusionOk="0">
                 <a:moveTo>
                   <a:pt x="0" y="0"/>
                 </a:moveTo>
@@ -1771,9 +1860,11 @@
       <p:sp>
         <p:nvSpPr>
           <p:cNvPr id="68" name="Shape 68"/>
-          <p:cNvSpPr txBox="1"/>
+          <p:cNvSpPr txBox="1">
+            <a:spLocks noGrp="1"/>
+          </p:cNvSpPr>
           <p:nvPr>
-            <p:ph idx="1" type="body"/>
+            <p:ph type="body" idx="1"/>
           </p:nvPr>
         </p:nvSpPr>
         <p:spPr>
@@ -1786,12 +1877,12 @@
           </a:prstGeom>
         </p:spPr>
         <p:txBody>
-          <a:bodyPr anchorCtr="0" anchor="t" bIns="91425" lIns="91425" spcFirstLastPara="1" rIns="91425" wrap="square" tIns="91425">
+          <a:bodyPr spcFirstLastPara="1" wrap="square" lIns="91425" tIns="91425" rIns="91425" bIns="91425" anchor="t" anchorCtr="0">
             <a:noAutofit/>
           </a:bodyPr>
           <a:lstStyle/>
           <a:p>
-            <a:pPr indent="0" lvl="0" marL="0" rtl="0">
+            <a:pPr marL="0" lvl="0" indent="0" rtl="0">
               <a:spcBef>
                 <a:spcPts val="0"/>
               </a:spcBef>
@@ -1800,9 +1891,6 @@
               </a:spcAft>
               <a:buNone/>
             </a:pPr>
-            <a:r>
-              <a:t/>
-            </a:r>
             <a:endParaRPr/>
           </a:p>
         </p:txBody>
@@ -1816,11 +1904,11 @@
 </file>
 
 <file path=ppt/notesSlides/notesSlide5.xml><?xml version="1.0" encoding="utf-8"?>
-<p:notes xmlns:a="http://schemas.openxmlformats.org/drawingml/2006/main" xmlns:r="http://schemas.openxmlformats.org/officeDocument/2006/relationships" xmlns:mc="http://schemas.openxmlformats.org/markup-compatibility/2006" xmlns:mv="urn:schemas-microsoft-com:mac:vml" xmlns:p="http://schemas.openxmlformats.org/presentationml/2006/main" xmlns:c="http://schemas.openxmlformats.org/drawingml/2006/chart" xmlns:dgm="http://schemas.openxmlformats.org/drawingml/2006/diagram" xmlns:o="urn:schemas-microsoft-com:office:office" xmlns:v="urn:schemas-microsoft-com:vml" xmlns:pvml="urn:schemas-microsoft-com:office:powerpoint" xmlns:com="http://schemas.openxmlformats.org/drawingml/2006/compatibility" xmlns:p14="http://schemas.microsoft.com/office/powerpoint/2010/main" xmlns:p15="http://schemas.microsoft.com/office/powerpoint/2012/main" showMasterPhAnim="0" showMasterSp="0">
+<p:notes xmlns:a="http://schemas.openxmlformats.org/drawingml/2006/main" xmlns:r="http://schemas.openxmlformats.org/officeDocument/2006/relationships" xmlns:p="http://schemas.openxmlformats.org/presentationml/2006/main" showMasterSp="0" showMasterPhAnim="0">
   <p:cSld>
     <p:spTree>
       <p:nvGrpSpPr>
-        <p:cNvPr id="72" name="Shape 72"/>
+        <p:cNvPr id="1" name="Shape 72"/>
         <p:cNvGrpSpPr/>
         <p:nvPr/>
       </p:nvGrpSpPr>
@@ -1835,9 +1923,11 @@
       <p:sp>
         <p:nvSpPr>
           <p:cNvPr id="73" name="Shape 73"/>
-          <p:cNvSpPr/>
+          <p:cNvSpPr>
+            <a:spLocks noGrp="1" noRot="1" noChangeAspect="1"/>
+          </p:cNvSpPr>
           <p:nvPr>
-            <p:ph idx="2" type="sldImg"/>
+            <p:ph type="sldImg" idx="2"/>
           </p:nvPr>
         </p:nvSpPr>
         <p:spPr>
@@ -1846,8 +1936,13 @@
             <a:ext cx="6096000" cy="3429000"/>
           </a:xfrm>
           <a:custGeom>
+            <a:avLst/>
+            <a:gdLst/>
+            <a:ahLst/>
+            <a:cxnLst/>
+            <a:rect l="0" t="0" r="0" b="0"/>
             <a:pathLst>
-              <a:path extrusionOk="0" h="120000" w="120000">
+              <a:path w="120000" h="120000" extrusionOk="0">
                 <a:moveTo>
                   <a:pt x="0" y="0"/>
                 </a:moveTo>
@@ -1869,9 +1964,11 @@
       <p:sp>
         <p:nvSpPr>
           <p:cNvPr id="74" name="Shape 74"/>
-          <p:cNvSpPr txBox="1"/>
+          <p:cNvSpPr txBox="1">
+            <a:spLocks noGrp="1"/>
+          </p:cNvSpPr>
           <p:nvPr>
-            <p:ph idx="1" type="body"/>
+            <p:ph type="body" idx="1"/>
           </p:nvPr>
         </p:nvSpPr>
         <p:spPr>
@@ -1884,12 +1981,12 @@
           </a:prstGeom>
         </p:spPr>
         <p:txBody>
-          <a:bodyPr anchorCtr="0" anchor="t" bIns="91425" lIns="91425" spcFirstLastPara="1" rIns="91425" wrap="square" tIns="91425">
+          <a:bodyPr spcFirstLastPara="1" wrap="square" lIns="91425" tIns="91425" rIns="91425" bIns="91425" anchor="t" anchorCtr="0">
             <a:noAutofit/>
           </a:bodyPr>
           <a:lstStyle/>
           <a:p>
-            <a:pPr indent="0" lvl="0" marL="0" rtl="0">
+            <a:pPr marL="0" lvl="0" indent="0" rtl="0">
               <a:spcBef>
                 <a:spcPts val="0"/>
               </a:spcBef>
@@ -1898,9 +1995,6 @@
               </a:spcAft>
               <a:buNone/>
             </a:pPr>
-            <a:r>
-              <a:t/>
-            </a:r>
             <a:endParaRPr/>
           </a:p>
         </p:txBody>
@@ -1914,11 +2008,11 @@
 </file>
 
 <file path=ppt/notesSlides/notesSlide6.xml><?xml version="1.0" encoding="utf-8"?>
-<p:notes xmlns:a="http://schemas.openxmlformats.org/drawingml/2006/main" xmlns:r="http://schemas.openxmlformats.org/officeDocument/2006/relationships" xmlns:mc="http://schemas.openxmlformats.org/markup-compatibility/2006" xmlns:mv="urn:schemas-microsoft-com:mac:vml" xmlns:p="http://schemas.openxmlformats.org/presentationml/2006/main" xmlns:c="http://schemas.openxmlformats.org/drawingml/2006/chart" xmlns:dgm="http://schemas.openxmlformats.org/drawingml/2006/diagram" xmlns:o="urn:schemas-microsoft-com:office:office" xmlns:v="urn:schemas-microsoft-com:vml" xmlns:pvml="urn:schemas-microsoft-com:office:powerpoint" xmlns:com="http://schemas.openxmlformats.org/drawingml/2006/compatibility" xmlns:p14="http://schemas.microsoft.com/office/powerpoint/2010/main" xmlns:p15="http://schemas.microsoft.com/office/powerpoint/2012/main" showMasterPhAnim="0" showMasterSp="0">
+<p:notes xmlns:a="http://schemas.openxmlformats.org/drawingml/2006/main" xmlns:r="http://schemas.openxmlformats.org/officeDocument/2006/relationships" xmlns:p="http://schemas.openxmlformats.org/presentationml/2006/main" showMasterSp="0" showMasterPhAnim="0">
   <p:cSld>
     <p:spTree>
       <p:nvGrpSpPr>
-        <p:cNvPr id="79" name="Shape 79"/>
+        <p:cNvPr id="1" name="Shape 79"/>
         <p:cNvGrpSpPr/>
         <p:nvPr/>
       </p:nvGrpSpPr>
@@ -1933,9 +2027,11 @@
       <p:sp>
         <p:nvSpPr>
           <p:cNvPr id="80" name="Shape 80"/>
-          <p:cNvSpPr/>
+          <p:cNvSpPr>
+            <a:spLocks noGrp="1" noRot="1" noChangeAspect="1"/>
+          </p:cNvSpPr>
           <p:nvPr>
-            <p:ph idx="2" type="sldImg"/>
+            <p:ph type="sldImg" idx="2"/>
           </p:nvPr>
         </p:nvSpPr>
         <p:spPr>
@@ -1944,8 +2040,13 @@
             <a:ext cx="6096000" cy="3429000"/>
           </a:xfrm>
           <a:custGeom>
+            <a:avLst/>
+            <a:gdLst/>
+            <a:ahLst/>
+            <a:cxnLst/>
+            <a:rect l="0" t="0" r="0" b="0"/>
             <a:pathLst>
-              <a:path extrusionOk="0" h="120000" w="120000">
+              <a:path w="120000" h="120000" extrusionOk="0">
                 <a:moveTo>
                   <a:pt x="0" y="0"/>
                 </a:moveTo>
@@ -1967,9 +2068,11 @@
       <p:sp>
         <p:nvSpPr>
           <p:cNvPr id="81" name="Shape 81"/>
-          <p:cNvSpPr txBox="1"/>
+          <p:cNvSpPr txBox="1">
+            <a:spLocks noGrp="1"/>
+          </p:cNvSpPr>
           <p:nvPr>
-            <p:ph idx="1" type="body"/>
+            <p:ph type="body" idx="1"/>
           </p:nvPr>
         </p:nvSpPr>
         <p:spPr>
@@ -1982,12 +2085,12 @@
           </a:prstGeom>
         </p:spPr>
         <p:txBody>
-          <a:bodyPr anchorCtr="0" anchor="t" bIns="91425" lIns="91425" spcFirstLastPara="1" rIns="91425" wrap="square" tIns="91425">
+          <a:bodyPr spcFirstLastPara="1" wrap="square" lIns="91425" tIns="91425" rIns="91425" bIns="91425" anchor="t" anchorCtr="0">
             <a:noAutofit/>
           </a:bodyPr>
           <a:lstStyle/>
           <a:p>
-            <a:pPr indent="0" lvl="0" marL="0">
+            <a:pPr marL="0" lvl="0" indent="0">
               <a:spcBef>
                 <a:spcPts val="0"/>
               </a:spcBef>
@@ -1996,9 +2099,6 @@
               </a:spcAft>
               <a:buNone/>
             </a:pPr>
-            <a:r>
-              <a:t/>
-            </a:r>
             <a:endParaRPr/>
           </a:p>
         </p:txBody>
@@ -2012,11 +2112,11 @@
 </file>
 
 <file path=ppt/notesSlides/notesSlide7.xml><?xml version="1.0" encoding="utf-8"?>
-<p:notes xmlns:a="http://schemas.openxmlformats.org/drawingml/2006/main" xmlns:r="http://schemas.openxmlformats.org/officeDocument/2006/relationships" xmlns:mc="http://schemas.openxmlformats.org/markup-compatibility/2006" xmlns:mv="urn:schemas-microsoft-com:mac:vml" xmlns:p="http://schemas.openxmlformats.org/presentationml/2006/main" xmlns:c="http://schemas.openxmlformats.org/drawingml/2006/chart" xmlns:dgm="http://schemas.openxmlformats.org/drawingml/2006/diagram" xmlns:o="urn:schemas-microsoft-com:office:office" xmlns:v="urn:schemas-microsoft-com:vml" xmlns:pvml="urn:schemas-microsoft-com:office:powerpoint" xmlns:com="http://schemas.openxmlformats.org/drawingml/2006/compatibility" xmlns:p14="http://schemas.microsoft.com/office/powerpoint/2010/main" xmlns:p15="http://schemas.microsoft.com/office/powerpoint/2012/main" showMasterPhAnim="0" showMasterSp="0">
+<p:notes xmlns:a="http://schemas.openxmlformats.org/drawingml/2006/main" xmlns:r="http://schemas.openxmlformats.org/officeDocument/2006/relationships" xmlns:p="http://schemas.openxmlformats.org/presentationml/2006/main" showMasterSp="0" showMasterPhAnim="0">
   <p:cSld>
     <p:spTree>
       <p:nvGrpSpPr>
-        <p:cNvPr id="84" name="Shape 84"/>
+        <p:cNvPr id="1" name="Shape 84"/>
         <p:cNvGrpSpPr/>
         <p:nvPr/>
       </p:nvGrpSpPr>
@@ -2031,9 +2131,11 @@
       <p:sp>
         <p:nvSpPr>
           <p:cNvPr id="85" name="Shape 85"/>
-          <p:cNvSpPr/>
+          <p:cNvSpPr>
+            <a:spLocks noGrp="1" noRot="1" noChangeAspect="1"/>
+          </p:cNvSpPr>
           <p:nvPr>
-            <p:ph idx="2" type="sldImg"/>
+            <p:ph type="sldImg" idx="2"/>
           </p:nvPr>
         </p:nvSpPr>
         <p:spPr>
@@ -2042,8 +2144,13 @@
             <a:ext cx="6096000" cy="3429000"/>
           </a:xfrm>
           <a:custGeom>
+            <a:avLst/>
+            <a:gdLst/>
+            <a:ahLst/>
+            <a:cxnLst/>
+            <a:rect l="0" t="0" r="0" b="0"/>
             <a:pathLst>
-              <a:path extrusionOk="0" h="120000" w="120000">
+              <a:path w="120000" h="120000" extrusionOk="0">
                 <a:moveTo>
                   <a:pt x="0" y="0"/>
                 </a:moveTo>
@@ -2065,9 +2172,11 @@
       <p:sp>
         <p:nvSpPr>
           <p:cNvPr id="86" name="Shape 86"/>
-          <p:cNvSpPr txBox="1"/>
+          <p:cNvSpPr txBox="1">
+            <a:spLocks noGrp="1"/>
+          </p:cNvSpPr>
           <p:nvPr>
-            <p:ph idx="1" type="body"/>
+            <p:ph type="body" idx="1"/>
           </p:nvPr>
         </p:nvSpPr>
         <p:spPr>
@@ -2080,12 +2189,12 @@
           </a:prstGeom>
         </p:spPr>
         <p:txBody>
-          <a:bodyPr anchorCtr="0" anchor="t" bIns="91425" lIns="91425" spcFirstLastPara="1" rIns="91425" wrap="square" tIns="91425">
+          <a:bodyPr spcFirstLastPara="1" wrap="square" lIns="91425" tIns="91425" rIns="91425" bIns="91425" anchor="t" anchorCtr="0">
             <a:noAutofit/>
           </a:bodyPr>
           <a:lstStyle/>
           <a:p>
-            <a:pPr indent="0" lvl="0" marL="0">
+            <a:pPr marL="0" lvl="0" indent="0">
               <a:spcBef>
                 <a:spcPts val="0"/>
               </a:spcBef>
@@ -2094,9 +2203,6 @@
               </a:spcAft>
               <a:buNone/>
             </a:pPr>
-            <a:r>
-              <a:t/>
-            </a:r>
             <a:endParaRPr/>
           </a:p>
         </p:txBody>
@@ -2110,11 +2216,11 @@
 </file>
 
 <file path=ppt/notesSlides/notesSlide8.xml><?xml version="1.0" encoding="utf-8"?>
-<p:notes xmlns:a="http://schemas.openxmlformats.org/drawingml/2006/main" xmlns:r="http://schemas.openxmlformats.org/officeDocument/2006/relationships" xmlns:mc="http://schemas.openxmlformats.org/markup-compatibility/2006" xmlns:mv="urn:schemas-microsoft-com:mac:vml" xmlns:p="http://schemas.openxmlformats.org/presentationml/2006/main" xmlns:c="http://schemas.openxmlformats.org/drawingml/2006/chart" xmlns:dgm="http://schemas.openxmlformats.org/drawingml/2006/diagram" xmlns:o="urn:schemas-microsoft-com:office:office" xmlns:v="urn:schemas-microsoft-com:vml" xmlns:pvml="urn:schemas-microsoft-com:office:powerpoint" xmlns:com="http://schemas.openxmlformats.org/drawingml/2006/compatibility" xmlns:p14="http://schemas.microsoft.com/office/powerpoint/2010/main" xmlns:p15="http://schemas.microsoft.com/office/powerpoint/2012/main" showMasterPhAnim="0" showMasterSp="0">
+<p:notes xmlns:a="http://schemas.openxmlformats.org/drawingml/2006/main" xmlns:r="http://schemas.openxmlformats.org/officeDocument/2006/relationships" xmlns:p="http://schemas.openxmlformats.org/presentationml/2006/main" showMasterSp="0" showMasterPhAnim="0">
   <p:cSld>
     <p:spTree>
       <p:nvGrpSpPr>
-        <p:cNvPr id="89" name="Shape 89"/>
+        <p:cNvPr id="1" name="Shape 89"/>
         <p:cNvGrpSpPr/>
         <p:nvPr/>
       </p:nvGrpSpPr>
@@ -2129,9 +2235,11 @@
       <p:sp>
         <p:nvSpPr>
           <p:cNvPr id="90" name="Shape 90"/>
-          <p:cNvSpPr/>
+          <p:cNvSpPr>
+            <a:spLocks noGrp="1" noRot="1" noChangeAspect="1"/>
+          </p:cNvSpPr>
           <p:nvPr>
-            <p:ph idx="2" type="sldImg"/>
+            <p:ph type="sldImg" idx="2"/>
           </p:nvPr>
         </p:nvSpPr>
         <p:spPr>
@@ -2140,8 +2248,13 @@
             <a:ext cx="6096000" cy="3429000"/>
           </a:xfrm>
           <a:custGeom>
+            <a:avLst/>
+            <a:gdLst/>
+            <a:ahLst/>
+            <a:cxnLst/>
+            <a:rect l="0" t="0" r="0" b="0"/>
             <a:pathLst>
-              <a:path extrusionOk="0" h="120000" w="120000">
+              <a:path w="120000" h="120000" extrusionOk="0">
                 <a:moveTo>
                   <a:pt x="0" y="0"/>
                 </a:moveTo>
@@ -2163,9 +2276,11 @@
       <p:sp>
         <p:nvSpPr>
           <p:cNvPr id="91" name="Shape 91"/>
-          <p:cNvSpPr txBox="1"/>
+          <p:cNvSpPr txBox="1">
+            <a:spLocks noGrp="1"/>
+          </p:cNvSpPr>
           <p:nvPr>
-            <p:ph idx="1" type="body"/>
+            <p:ph type="body" idx="1"/>
           </p:nvPr>
         </p:nvSpPr>
         <p:spPr>
@@ -2178,12 +2293,12 @@
           </a:prstGeom>
         </p:spPr>
         <p:txBody>
-          <a:bodyPr anchorCtr="0" anchor="t" bIns="91425" lIns="91425" spcFirstLastPara="1" rIns="91425" wrap="square" tIns="91425">
+          <a:bodyPr spcFirstLastPara="1" wrap="square" lIns="91425" tIns="91425" rIns="91425" bIns="91425" anchor="t" anchorCtr="0">
             <a:noAutofit/>
           </a:bodyPr>
           <a:lstStyle/>
           <a:p>
-            <a:pPr indent="0" lvl="0" marL="0" rtl="0">
+            <a:pPr marL="0" lvl="0" indent="0" rtl="0">
               <a:spcBef>
                 <a:spcPts val="0"/>
               </a:spcBef>
@@ -2192,9 +2307,6 @@
               </a:spcAft>
               <a:buNone/>
             </a:pPr>
-            <a:r>
-              <a:t/>
-            </a:r>
             <a:endParaRPr/>
           </a:p>
         </p:txBody>
@@ -2208,11 +2320,11 @@
 </file>
 
 <file path=ppt/notesSlides/notesSlide9.xml><?xml version="1.0" encoding="utf-8"?>
-<p:notes xmlns:a="http://schemas.openxmlformats.org/drawingml/2006/main" xmlns:r="http://schemas.openxmlformats.org/officeDocument/2006/relationships" xmlns:mc="http://schemas.openxmlformats.org/markup-compatibility/2006" xmlns:mv="urn:schemas-microsoft-com:mac:vml" xmlns:p="http://schemas.openxmlformats.org/presentationml/2006/main" xmlns:c="http://schemas.openxmlformats.org/drawingml/2006/chart" xmlns:dgm="http://schemas.openxmlformats.org/drawingml/2006/diagram" xmlns:o="urn:schemas-microsoft-com:office:office" xmlns:v="urn:schemas-microsoft-com:vml" xmlns:pvml="urn:schemas-microsoft-com:office:powerpoint" xmlns:com="http://schemas.openxmlformats.org/drawingml/2006/compatibility" xmlns:p14="http://schemas.microsoft.com/office/powerpoint/2010/main" xmlns:p15="http://schemas.microsoft.com/office/powerpoint/2012/main" showMasterPhAnim="0" showMasterSp="0">
+<p:notes xmlns:a="http://schemas.openxmlformats.org/drawingml/2006/main" xmlns:r="http://schemas.openxmlformats.org/officeDocument/2006/relationships" xmlns:p="http://schemas.openxmlformats.org/presentationml/2006/main" showMasterSp="0" showMasterPhAnim="0">
   <p:cSld>
     <p:spTree>
       <p:nvGrpSpPr>
-        <p:cNvPr id="97" name="Shape 97"/>
+        <p:cNvPr id="1" name="Shape 97"/>
         <p:cNvGrpSpPr/>
         <p:nvPr/>
       </p:nvGrpSpPr>
@@ -2227,9 +2339,11 @@
       <p:sp>
         <p:nvSpPr>
           <p:cNvPr id="98" name="Shape 98"/>
-          <p:cNvSpPr/>
+          <p:cNvSpPr>
+            <a:spLocks noGrp="1" noRot="1" noChangeAspect="1"/>
+          </p:cNvSpPr>
           <p:nvPr>
-            <p:ph idx="2" type="sldImg"/>
+            <p:ph type="sldImg" idx="2"/>
           </p:nvPr>
         </p:nvSpPr>
         <p:spPr>
@@ -2238,8 +2352,13 @@
             <a:ext cx="6096000" cy="3429000"/>
           </a:xfrm>
           <a:custGeom>
+            <a:avLst/>
+            <a:gdLst/>
+            <a:ahLst/>
+            <a:cxnLst/>
+            <a:rect l="0" t="0" r="0" b="0"/>
             <a:pathLst>
-              <a:path extrusionOk="0" h="120000" w="120000">
+              <a:path w="120000" h="120000" extrusionOk="0">
                 <a:moveTo>
                   <a:pt x="0" y="0"/>
                 </a:moveTo>
@@ -2261,9 +2380,11 @@
       <p:sp>
         <p:nvSpPr>
           <p:cNvPr id="99" name="Shape 99"/>
-          <p:cNvSpPr txBox="1"/>
+          <p:cNvSpPr txBox="1">
+            <a:spLocks noGrp="1"/>
+          </p:cNvSpPr>
           <p:nvPr>
-            <p:ph idx="1" type="body"/>
+            <p:ph type="body" idx="1"/>
           </p:nvPr>
         </p:nvSpPr>
         <p:spPr>
@@ -2276,12 +2397,12 @@
           </a:prstGeom>
         </p:spPr>
         <p:txBody>
-          <a:bodyPr anchorCtr="0" anchor="t" bIns="91425" lIns="91425" spcFirstLastPara="1" rIns="91425" wrap="square" tIns="91425">
+          <a:bodyPr spcFirstLastPara="1" wrap="square" lIns="91425" tIns="91425" rIns="91425" bIns="91425" anchor="t" anchorCtr="0">
             <a:noAutofit/>
           </a:bodyPr>
           <a:lstStyle/>
           <a:p>
-            <a:pPr indent="0" lvl="0" marL="0" rtl="0">
+            <a:pPr marL="0" lvl="0" indent="0" rtl="0">
               <a:spcBef>
                 <a:spcPts val="0"/>
               </a:spcBef>
@@ -2290,9 +2411,6 @@
               </a:spcAft>
               <a:buNone/>
             </a:pPr>
-            <a:r>
-              <a:t/>
-            </a:r>
             <a:endParaRPr/>
           </a:p>
         </p:txBody>
@@ -2306,11 +2424,11 @@
 </file>
 
 <file path=ppt/slideLayouts/slideLayout1.xml><?xml version="1.0" encoding="utf-8"?>
-<p:sldLayout xmlns:a="http://schemas.openxmlformats.org/drawingml/2006/main" xmlns:r="http://schemas.openxmlformats.org/officeDocument/2006/relationships" xmlns:mc="http://schemas.openxmlformats.org/markup-compatibility/2006" xmlns:mv="urn:schemas-microsoft-com:mac:vml" xmlns:p="http://schemas.openxmlformats.org/presentationml/2006/main" xmlns:c="http://schemas.openxmlformats.org/drawingml/2006/chart" xmlns:dgm="http://schemas.openxmlformats.org/drawingml/2006/diagram" xmlns:o="urn:schemas-microsoft-com:office:office" xmlns:v="urn:schemas-microsoft-com:vml" xmlns:pvml="urn:schemas-microsoft-com:office:powerpoint" xmlns:com="http://schemas.openxmlformats.org/drawingml/2006/compatibility" xmlns:p14="http://schemas.microsoft.com/office/powerpoint/2010/main" xmlns:p15="http://schemas.microsoft.com/office/powerpoint/2012/main" matchingName="Title slide" type="title">
+<p:sldLayout xmlns:a="http://schemas.openxmlformats.org/drawingml/2006/main" xmlns:r="http://schemas.openxmlformats.org/officeDocument/2006/relationships" xmlns:p="http://schemas.openxmlformats.org/presentationml/2006/main" matchingName="Title slide" type="title">
   <p:cSld name="TITLE">
     <p:spTree>
       <p:nvGrpSpPr>
-        <p:cNvPr id="9" name="Shape 9"/>
+        <p:cNvPr id="1" name="Shape 9"/>
         <p:cNvGrpSpPr/>
         <p:nvPr/>
       </p:nvGrpSpPr>
@@ -2325,7 +2443,9 @@
       <p:sp>
         <p:nvSpPr>
           <p:cNvPr id="10" name="Shape 10"/>
-          <p:cNvSpPr txBox="1"/>
+          <p:cNvSpPr txBox="1">
+            <a:spLocks noGrp="1"/>
+          </p:cNvSpPr>
           <p:nvPr>
             <p:ph type="ctrTitle"/>
           </p:nvPr>
@@ -2340,7 +2460,7 @@
           </a:prstGeom>
         </p:spPr>
         <p:txBody>
-          <a:bodyPr anchorCtr="0" anchor="b" bIns="91425" lIns="91425" spcFirstLastPara="1" rIns="91425" wrap="square" tIns="91425"/>
+          <a:bodyPr spcFirstLastPara="1" wrap="square" lIns="91425" tIns="91425" rIns="91425" bIns="91425" anchor="b" anchorCtr="0"/>
           <a:lstStyle>
             <a:lvl1pPr lvl="0" algn="ctr">
               <a:spcBef>
@@ -2442,15 +2562,19 @@
               <a:defRPr sz="5200"/>
             </a:lvl9pPr>
           </a:lstStyle>
-          <a:p/>
+          <a:p>
+            <a:endParaRPr/>
+          </a:p>
         </p:txBody>
       </p:sp>
       <p:sp>
         <p:nvSpPr>
           <p:cNvPr id="11" name="Shape 11"/>
-          <p:cNvSpPr txBox="1"/>
+          <p:cNvSpPr txBox="1">
+            <a:spLocks noGrp="1"/>
+          </p:cNvSpPr>
           <p:nvPr>
-            <p:ph idx="1" type="subTitle"/>
+            <p:ph type="subTitle" idx="1"/>
           </p:nvPr>
         </p:nvSpPr>
         <p:spPr>
@@ -2463,7 +2587,7 @@
           </a:prstGeom>
         </p:spPr>
         <p:txBody>
-          <a:bodyPr anchorCtr="0" anchor="t" bIns="91425" lIns="91425" spcFirstLastPara="1" rIns="91425" wrap="square" tIns="91425"/>
+          <a:bodyPr spcFirstLastPara="1" wrap="square" lIns="91425" tIns="91425" rIns="91425" bIns="91425" anchor="t" anchorCtr="0"/>
           <a:lstStyle>
             <a:lvl1pPr lvl="0" algn="ctr">
               <a:lnSpc>
@@ -2592,15 +2716,19 @@
               <a:defRPr sz="2800"/>
             </a:lvl9pPr>
           </a:lstStyle>
-          <a:p/>
+          <a:p>
+            <a:endParaRPr/>
+          </a:p>
         </p:txBody>
       </p:sp>
       <p:sp>
         <p:nvSpPr>
           <p:cNvPr id="12" name="Shape 12"/>
-          <p:cNvSpPr txBox="1"/>
+          <p:cNvSpPr txBox="1">
+            <a:spLocks noGrp="1"/>
+          </p:cNvSpPr>
           <p:nvPr>
-            <p:ph idx="12" type="sldNum"/>
+            <p:ph type="sldNum" idx="12"/>
           </p:nvPr>
         </p:nvSpPr>
         <p:spPr>
@@ -2613,7 +2741,7 @@
           </a:prstGeom>
         </p:spPr>
         <p:txBody>
-          <a:bodyPr anchorCtr="0" anchor="ctr" bIns="91425" lIns="91425" spcFirstLastPara="1" rIns="91425" wrap="square" tIns="91425">
+          <a:bodyPr spcFirstLastPara="1" wrap="square" lIns="91425" tIns="91425" rIns="91425" bIns="91425" anchor="ctr" anchorCtr="0">
             <a:noAutofit/>
           </a:bodyPr>
           <a:lstStyle>
@@ -2655,7 +2783,7 @@
             </a:lvl9pPr>
           </a:lstStyle>
           <a:p>
-            <a:pPr indent="0" lvl="0" marL="0">
+            <a:pPr marL="0" lvl="0" indent="0">
               <a:spcBef>
                 <a:spcPts val="0"/>
               </a:spcBef>
@@ -2681,11 +2809,11 @@
 </file>
 
 <file path=ppt/slideLayouts/slideLayout10.xml><?xml version="1.0" encoding="utf-8"?>
-<p:sldLayout xmlns:a="http://schemas.openxmlformats.org/drawingml/2006/main" xmlns:r="http://schemas.openxmlformats.org/officeDocument/2006/relationships" xmlns:mc="http://schemas.openxmlformats.org/markup-compatibility/2006" xmlns:mv="urn:schemas-microsoft-com:mac:vml" xmlns:p="http://schemas.openxmlformats.org/presentationml/2006/main" xmlns:c="http://schemas.openxmlformats.org/drawingml/2006/chart" xmlns:dgm="http://schemas.openxmlformats.org/drawingml/2006/diagram" xmlns:o="urn:schemas-microsoft-com:office:office" xmlns:v="urn:schemas-microsoft-com:vml" xmlns:pvml="urn:schemas-microsoft-com:office:powerpoint" xmlns:com="http://schemas.openxmlformats.org/drawingml/2006/compatibility" xmlns:p14="http://schemas.microsoft.com/office/powerpoint/2010/main" xmlns:p15="http://schemas.microsoft.com/office/powerpoint/2012/main" matchingName="Big number">
+<p:sldLayout xmlns:a="http://schemas.openxmlformats.org/drawingml/2006/main" xmlns:r="http://schemas.openxmlformats.org/officeDocument/2006/relationships" xmlns:p="http://schemas.openxmlformats.org/presentationml/2006/main" matchingName="Big number">
   <p:cSld name="BIG_NUMBER">
     <p:spTree>
       <p:nvGrpSpPr>
-        <p:cNvPr id="44" name="Shape 44"/>
+        <p:cNvPr id="1" name="Shape 44"/>
         <p:cNvGrpSpPr/>
         <p:nvPr/>
       </p:nvGrpSpPr>
@@ -2700,9 +2828,11 @@
       <p:sp>
         <p:nvSpPr>
           <p:cNvPr id="45" name="Shape 45"/>
-          <p:cNvSpPr txBox="1"/>
+          <p:cNvSpPr txBox="1">
+            <a:spLocks noGrp="1"/>
+          </p:cNvSpPr>
           <p:nvPr>
-            <p:ph hasCustomPrompt="1" type="title"/>
+            <p:ph type="title" hasCustomPrompt="1"/>
           </p:nvPr>
         </p:nvSpPr>
         <p:spPr>
@@ -2715,7 +2845,7 @@
           </a:prstGeom>
         </p:spPr>
         <p:txBody>
-          <a:bodyPr anchorCtr="0" anchor="b" bIns="91425" lIns="91425" spcFirstLastPara="1" rIns="91425" wrap="square" tIns="91425"/>
+          <a:bodyPr spcFirstLastPara="1" wrap="square" lIns="91425" tIns="91425" rIns="91425" bIns="91425" anchor="b" anchorCtr="0"/>
           <a:lstStyle>
             <a:lvl1pPr lvl="0" algn="ctr">
               <a:spcBef>
@@ -2827,9 +2957,11 @@
       <p:sp>
         <p:nvSpPr>
           <p:cNvPr id="46" name="Shape 46"/>
-          <p:cNvSpPr txBox="1"/>
+          <p:cNvSpPr txBox="1">
+            <a:spLocks noGrp="1"/>
+          </p:cNvSpPr>
           <p:nvPr>
-            <p:ph idx="1" type="body"/>
+            <p:ph type="body" idx="1"/>
           </p:nvPr>
         </p:nvSpPr>
         <p:spPr>
@@ -2842,9 +2974,9 @@
           </a:prstGeom>
         </p:spPr>
         <p:txBody>
-          <a:bodyPr anchorCtr="0" anchor="t" bIns="91425" lIns="91425" spcFirstLastPara="1" rIns="91425" wrap="square" tIns="91425"/>
+          <a:bodyPr spcFirstLastPara="1" wrap="square" lIns="91425" tIns="91425" rIns="91425" bIns="91425" anchor="t" anchorCtr="0"/>
           <a:lstStyle>
-            <a:lvl1pPr indent="-342900" lvl="0" marL="457200" algn="ctr">
+            <a:lvl1pPr marL="457200" lvl="0" indent="-342900" algn="ctr">
               <a:spcBef>
                 <a:spcPts val="0"/>
               </a:spcBef>
@@ -2855,7 +2987,7 @@
               <a:buChar char="●"/>
               <a:defRPr/>
             </a:lvl1pPr>
-            <a:lvl2pPr indent="-317500" lvl="1" marL="914400" algn="ctr">
+            <a:lvl2pPr marL="914400" lvl="1" indent="-317500" algn="ctr">
               <a:spcBef>
                 <a:spcPts val="1600"/>
               </a:spcBef>
@@ -2866,7 +2998,7 @@
               <a:buChar char="○"/>
               <a:defRPr/>
             </a:lvl2pPr>
-            <a:lvl3pPr indent="-317500" lvl="2" marL="1371600" algn="ctr">
+            <a:lvl3pPr marL="1371600" lvl="2" indent="-317500" algn="ctr">
               <a:spcBef>
                 <a:spcPts val="1600"/>
               </a:spcBef>
@@ -2877,7 +3009,7 @@
               <a:buChar char="■"/>
               <a:defRPr/>
             </a:lvl3pPr>
-            <a:lvl4pPr indent="-317500" lvl="3" marL="1828800" algn="ctr">
+            <a:lvl4pPr marL="1828800" lvl="3" indent="-317500" algn="ctr">
               <a:spcBef>
                 <a:spcPts val="1600"/>
               </a:spcBef>
@@ -2888,7 +3020,7 @@
               <a:buChar char="●"/>
               <a:defRPr/>
             </a:lvl4pPr>
-            <a:lvl5pPr indent="-317500" lvl="4" marL="2286000" algn="ctr">
+            <a:lvl5pPr marL="2286000" lvl="4" indent="-317500" algn="ctr">
               <a:spcBef>
                 <a:spcPts val="1600"/>
               </a:spcBef>
@@ -2899,7 +3031,7 @@
               <a:buChar char="○"/>
               <a:defRPr/>
             </a:lvl5pPr>
-            <a:lvl6pPr indent="-317500" lvl="5" marL="2743200" algn="ctr">
+            <a:lvl6pPr marL="2743200" lvl="5" indent="-317500" algn="ctr">
               <a:spcBef>
                 <a:spcPts val="1600"/>
               </a:spcBef>
@@ -2910,7 +3042,7 @@
               <a:buChar char="■"/>
               <a:defRPr/>
             </a:lvl6pPr>
-            <a:lvl7pPr indent="-317500" lvl="6" marL="3200400" algn="ctr">
+            <a:lvl7pPr marL="3200400" lvl="6" indent="-317500" algn="ctr">
               <a:spcBef>
                 <a:spcPts val="1600"/>
               </a:spcBef>
@@ -2921,7 +3053,7 @@
               <a:buChar char="●"/>
               <a:defRPr/>
             </a:lvl7pPr>
-            <a:lvl8pPr indent="-317500" lvl="7" marL="3657600" algn="ctr">
+            <a:lvl8pPr marL="3657600" lvl="7" indent="-317500" algn="ctr">
               <a:spcBef>
                 <a:spcPts val="1600"/>
               </a:spcBef>
@@ -2932,7 +3064,7 @@
               <a:buChar char="○"/>
               <a:defRPr/>
             </a:lvl8pPr>
-            <a:lvl9pPr indent="-317500" lvl="8" marL="4114800" algn="ctr">
+            <a:lvl9pPr marL="4114800" lvl="8" indent="-317500" algn="ctr">
               <a:spcBef>
                 <a:spcPts val="1600"/>
               </a:spcBef>
@@ -2944,15 +3076,19 @@
               <a:defRPr/>
             </a:lvl9pPr>
           </a:lstStyle>
-          <a:p/>
+          <a:p>
+            <a:endParaRPr/>
+          </a:p>
         </p:txBody>
       </p:sp>
       <p:sp>
         <p:nvSpPr>
           <p:cNvPr id="47" name="Shape 47"/>
-          <p:cNvSpPr txBox="1"/>
+          <p:cNvSpPr txBox="1">
+            <a:spLocks noGrp="1"/>
+          </p:cNvSpPr>
           <p:nvPr>
-            <p:ph idx="12" type="sldNum"/>
+            <p:ph type="sldNum" idx="12"/>
           </p:nvPr>
         </p:nvSpPr>
         <p:spPr>
@@ -2965,7 +3101,7 @@
           </a:prstGeom>
         </p:spPr>
         <p:txBody>
-          <a:bodyPr anchorCtr="0" anchor="ctr" bIns="91425" lIns="91425" spcFirstLastPara="1" rIns="91425" wrap="square" tIns="91425">
+          <a:bodyPr spcFirstLastPara="1" wrap="square" lIns="91425" tIns="91425" rIns="91425" bIns="91425" anchor="ctr" anchorCtr="0">
             <a:noAutofit/>
           </a:bodyPr>
           <a:lstStyle>
@@ -3007,7 +3143,7 @@
             </a:lvl9pPr>
           </a:lstStyle>
           <a:p>
-            <a:pPr indent="0" lvl="0" marL="0">
+            <a:pPr marL="0" lvl="0" indent="0">
               <a:spcBef>
                 <a:spcPts val="0"/>
               </a:spcBef>
@@ -3033,11 +3169,11 @@
 </file>
 
 <file path=ppt/slideLayouts/slideLayout11.xml><?xml version="1.0" encoding="utf-8"?>
-<p:sldLayout xmlns:a="http://schemas.openxmlformats.org/drawingml/2006/main" xmlns:r="http://schemas.openxmlformats.org/officeDocument/2006/relationships" xmlns:mc="http://schemas.openxmlformats.org/markup-compatibility/2006" xmlns:mv="urn:schemas-microsoft-com:mac:vml" xmlns:p="http://schemas.openxmlformats.org/presentationml/2006/main" xmlns:c="http://schemas.openxmlformats.org/drawingml/2006/chart" xmlns:dgm="http://schemas.openxmlformats.org/drawingml/2006/diagram" xmlns:o="urn:schemas-microsoft-com:office:office" xmlns:v="urn:schemas-microsoft-com:vml" xmlns:pvml="urn:schemas-microsoft-com:office:powerpoint" xmlns:com="http://schemas.openxmlformats.org/drawingml/2006/compatibility" xmlns:p14="http://schemas.microsoft.com/office/powerpoint/2010/main" xmlns:p15="http://schemas.microsoft.com/office/powerpoint/2012/main" matchingName="Blank" type="blank">
+<p:sldLayout xmlns:a="http://schemas.openxmlformats.org/drawingml/2006/main" xmlns:r="http://schemas.openxmlformats.org/officeDocument/2006/relationships" xmlns:p="http://schemas.openxmlformats.org/presentationml/2006/main" matchingName="Blank" type="blank">
   <p:cSld name="BLANK">
     <p:spTree>
       <p:nvGrpSpPr>
-        <p:cNvPr id="48" name="Shape 48"/>
+        <p:cNvPr id="1" name="Shape 48"/>
         <p:cNvGrpSpPr/>
         <p:nvPr/>
       </p:nvGrpSpPr>
@@ -3052,9 +3188,11 @@
       <p:sp>
         <p:nvSpPr>
           <p:cNvPr id="49" name="Shape 49"/>
-          <p:cNvSpPr txBox="1"/>
+          <p:cNvSpPr txBox="1">
+            <a:spLocks noGrp="1"/>
+          </p:cNvSpPr>
           <p:nvPr>
-            <p:ph idx="12" type="sldNum"/>
+            <p:ph type="sldNum" idx="12"/>
           </p:nvPr>
         </p:nvSpPr>
         <p:spPr>
@@ -3067,7 +3205,7 @@
           </a:prstGeom>
         </p:spPr>
         <p:txBody>
-          <a:bodyPr anchorCtr="0" anchor="ctr" bIns="91425" lIns="91425" spcFirstLastPara="1" rIns="91425" wrap="square" tIns="91425">
+          <a:bodyPr spcFirstLastPara="1" wrap="square" lIns="91425" tIns="91425" rIns="91425" bIns="91425" anchor="ctr" anchorCtr="0">
             <a:noAutofit/>
           </a:bodyPr>
           <a:lstStyle>
@@ -3109,7 +3247,7 @@
             </a:lvl9pPr>
           </a:lstStyle>
           <a:p>
-            <a:pPr indent="0" lvl="0" marL="0">
+            <a:pPr marL="0" lvl="0" indent="0">
               <a:spcBef>
                 <a:spcPts val="0"/>
               </a:spcBef>
@@ -3135,11 +3273,11 @@
 </file>
 
 <file path=ppt/slideLayouts/slideLayout2.xml><?xml version="1.0" encoding="utf-8"?>
-<p:sldLayout xmlns:a="http://schemas.openxmlformats.org/drawingml/2006/main" xmlns:r="http://schemas.openxmlformats.org/officeDocument/2006/relationships" xmlns:mc="http://schemas.openxmlformats.org/markup-compatibility/2006" xmlns:mv="urn:schemas-microsoft-com:mac:vml" xmlns:p="http://schemas.openxmlformats.org/presentationml/2006/main" xmlns:c="http://schemas.openxmlformats.org/drawingml/2006/chart" xmlns:dgm="http://schemas.openxmlformats.org/drawingml/2006/diagram" xmlns:o="urn:schemas-microsoft-com:office:office" xmlns:v="urn:schemas-microsoft-com:vml" xmlns:pvml="urn:schemas-microsoft-com:office:powerpoint" xmlns:com="http://schemas.openxmlformats.org/drawingml/2006/compatibility" xmlns:p14="http://schemas.microsoft.com/office/powerpoint/2010/main" xmlns:p15="http://schemas.microsoft.com/office/powerpoint/2012/main" matchingName="Section header" type="secHead">
+<p:sldLayout xmlns:a="http://schemas.openxmlformats.org/drawingml/2006/main" xmlns:r="http://schemas.openxmlformats.org/officeDocument/2006/relationships" xmlns:p="http://schemas.openxmlformats.org/presentationml/2006/main" matchingName="Section header" type="secHead">
   <p:cSld name="SECTION_HEADER">
     <p:spTree>
       <p:nvGrpSpPr>
-        <p:cNvPr id="13" name="Shape 13"/>
+        <p:cNvPr id="1" name="Shape 13"/>
         <p:cNvGrpSpPr/>
         <p:nvPr/>
       </p:nvGrpSpPr>
@@ -3154,7 +3292,9 @@
       <p:sp>
         <p:nvSpPr>
           <p:cNvPr id="14" name="Shape 14"/>
-          <p:cNvSpPr txBox="1"/>
+          <p:cNvSpPr txBox="1">
+            <a:spLocks noGrp="1"/>
+          </p:cNvSpPr>
           <p:nvPr>
             <p:ph type="title"/>
           </p:nvPr>
@@ -3169,7 +3309,7 @@
           </a:prstGeom>
         </p:spPr>
         <p:txBody>
-          <a:bodyPr anchorCtr="0" anchor="ctr" bIns="91425" lIns="91425" spcFirstLastPara="1" rIns="91425" wrap="square" tIns="91425"/>
+          <a:bodyPr spcFirstLastPara="1" wrap="square" lIns="91425" tIns="91425" rIns="91425" bIns="91425" anchor="ctr" anchorCtr="0"/>
           <a:lstStyle>
             <a:lvl1pPr lvl="0" algn="ctr">
               <a:spcBef>
@@ -3271,15 +3411,19 @@
               <a:defRPr sz="3600"/>
             </a:lvl9pPr>
           </a:lstStyle>
-          <a:p/>
+          <a:p>
+            <a:endParaRPr/>
+          </a:p>
         </p:txBody>
       </p:sp>
       <p:sp>
         <p:nvSpPr>
           <p:cNvPr id="15" name="Shape 15"/>
-          <p:cNvSpPr txBox="1"/>
+          <p:cNvSpPr txBox="1">
+            <a:spLocks noGrp="1"/>
+          </p:cNvSpPr>
           <p:nvPr>
-            <p:ph idx="12" type="sldNum"/>
+            <p:ph type="sldNum" idx="12"/>
           </p:nvPr>
         </p:nvSpPr>
         <p:spPr>
@@ -3292,7 +3436,7 @@
           </a:prstGeom>
         </p:spPr>
         <p:txBody>
-          <a:bodyPr anchorCtr="0" anchor="ctr" bIns="91425" lIns="91425" spcFirstLastPara="1" rIns="91425" wrap="square" tIns="91425">
+          <a:bodyPr spcFirstLastPara="1" wrap="square" lIns="91425" tIns="91425" rIns="91425" bIns="91425" anchor="ctr" anchorCtr="0">
             <a:noAutofit/>
           </a:bodyPr>
           <a:lstStyle>
@@ -3334,7 +3478,7 @@
             </a:lvl9pPr>
           </a:lstStyle>
           <a:p>
-            <a:pPr indent="0" lvl="0" marL="0">
+            <a:pPr marL="0" lvl="0" indent="0">
               <a:spcBef>
                 <a:spcPts val="0"/>
               </a:spcBef>
@@ -3360,11 +3504,11 @@
 </file>
 
 <file path=ppt/slideLayouts/slideLayout3.xml><?xml version="1.0" encoding="utf-8"?>
-<p:sldLayout xmlns:a="http://schemas.openxmlformats.org/drawingml/2006/main" xmlns:r="http://schemas.openxmlformats.org/officeDocument/2006/relationships" xmlns:mc="http://schemas.openxmlformats.org/markup-compatibility/2006" xmlns:mv="urn:schemas-microsoft-com:mac:vml" xmlns:p="http://schemas.openxmlformats.org/presentationml/2006/main" xmlns:c="http://schemas.openxmlformats.org/drawingml/2006/chart" xmlns:dgm="http://schemas.openxmlformats.org/drawingml/2006/diagram" xmlns:o="urn:schemas-microsoft-com:office:office" xmlns:v="urn:schemas-microsoft-com:vml" xmlns:pvml="urn:schemas-microsoft-com:office:powerpoint" xmlns:com="http://schemas.openxmlformats.org/drawingml/2006/compatibility" xmlns:p14="http://schemas.microsoft.com/office/powerpoint/2010/main" xmlns:p15="http://schemas.microsoft.com/office/powerpoint/2012/main" matchingName="Title and body" type="tx">
+<p:sldLayout xmlns:a="http://schemas.openxmlformats.org/drawingml/2006/main" xmlns:r="http://schemas.openxmlformats.org/officeDocument/2006/relationships" xmlns:p="http://schemas.openxmlformats.org/presentationml/2006/main" matchingName="Title and body" type="tx">
   <p:cSld name="TITLE_AND_BODY">
     <p:spTree>
       <p:nvGrpSpPr>
-        <p:cNvPr id="16" name="Shape 16"/>
+        <p:cNvPr id="1" name="Shape 16"/>
         <p:cNvGrpSpPr/>
         <p:nvPr/>
       </p:nvGrpSpPr>
@@ -3379,7 +3523,9 @@
       <p:sp>
         <p:nvSpPr>
           <p:cNvPr id="17" name="Shape 17"/>
-          <p:cNvSpPr txBox="1"/>
+          <p:cNvSpPr txBox="1">
+            <a:spLocks noGrp="1"/>
+          </p:cNvSpPr>
           <p:nvPr>
             <p:ph type="title"/>
           </p:nvPr>
@@ -3394,7 +3540,7 @@
           </a:prstGeom>
         </p:spPr>
         <p:txBody>
-          <a:bodyPr anchorCtr="0" anchor="t" bIns="91425" lIns="91425" spcFirstLastPara="1" rIns="91425" wrap="square" tIns="91425"/>
+          <a:bodyPr spcFirstLastPara="1" wrap="square" lIns="91425" tIns="91425" rIns="91425" bIns="91425" anchor="t" anchorCtr="0"/>
           <a:lstStyle>
             <a:lvl1pPr lvl="0">
               <a:spcBef>
@@ -3496,15 +3642,19 @@
               <a:defRPr/>
             </a:lvl9pPr>
           </a:lstStyle>
-          <a:p/>
+          <a:p>
+            <a:endParaRPr/>
+          </a:p>
         </p:txBody>
       </p:sp>
       <p:sp>
         <p:nvSpPr>
           <p:cNvPr id="18" name="Shape 18"/>
-          <p:cNvSpPr txBox="1"/>
+          <p:cNvSpPr txBox="1">
+            <a:spLocks noGrp="1"/>
+          </p:cNvSpPr>
           <p:nvPr>
-            <p:ph idx="1" type="body"/>
+            <p:ph type="body" idx="1"/>
           </p:nvPr>
         </p:nvSpPr>
         <p:spPr>
@@ -3517,9 +3667,9 @@
           </a:prstGeom>
         </p:spPr>
         <p:txBody>
-          <a:bodyPr anchorCtr="0" anchor="t" bIns="91425" lIns="91425" spcFirstLastPara="1" rIns="91425" wrap="square" tIns="91425"/>
+          <a:bodyPr spcFirstLastPara="1" wrap="square" lIns="91425" tIns="91425" rIns="91425" bIns="91425" anchor="t" anchorCtr="0"/>
           <a:lstStyle>
-            <a:lvl1pPr indent="-342900" lvl="0" marL="457200">
+            <a:lvl1pPr marL="457200" lvl="0" indent="-342900">
               <a:spcBef>
                 <a:spcPts val="0"/>
               </a:spcBef>
@@ -3530,7 +3680,7 @@
               <a:buChar char="●"/>
               <a:defRPr/>
             </a:lvl1pPr>
-            <a:lvl2pPr indent="-317500" lvl="1" marL="914400">
+            <a:lvl2pPr marL="914400" lvl="1" indent="-317500">
               <a:spcBef>
                 <a:spcPts val="1600"/>
               </a:spcBef>
@@ -3541,7 +3691,7 @@
               <a:buChar char="○"/>
               <a:defRPr/>
             </a:lvl2pPr>
-            <a:lvl3pPr indent="-317500" lvl="2" marL="1371600">
+            <a:lvl3pPr marL="1371600" lvl="2" indent="-317500">
               <a:spcBef>
                 <a:spcPts val="1600"/>
               </a:spcBef>
@@ -3552,7 +3702,7 @@
               <a:buChar char="■"/>
               <a:defRPr/>
             </a:lvl3pPr>
-            <a:lvl4pPr indent="-317500" lvl="3" marL="1828800">
+            <a:lvl4pPr marL="1828800" lvl="3" indent="-317500">
               <a:spcBef>
                 <a:spcPts val="1600"/>
               </a:spcBef>
@@ -3563,7 +3713,7 @@
               <a:buChar char="●"/>
               <a:defRPr/>
             </a:lvl4pPr>
-            <a:lvl5pPr indent="-317500" lvl="4" marL="2286000">
+            <a:lvl5pPr marL="2286000" lvl="4" indent="-317500">
               <a:spcBef>
                 <a:spcPts val="1600"/>
               </a:spcBef>
@@ -3574,7 +3724,7 @@
               <a:buChar char="○"/>
               <a:defRPr/>
             </a:lvl5pPr>
-            <a:lvl6pPr indent="-317500" lvl="5" marL="2743200">
+            <a:lvl6pPr marL="2743200" lvl="5" indent="-317500">
               <a:spcBef>
                 <a:spcPts val="1600"/>
               </a:spcBef>
@@ -3585,7 +3735,7 @@
               <a:buChar char="■"/>
               <a:defRPr/>
             </a:lvl6pPr>
-            <a:lvl7pPr indent="-317500" lvl="6" marL="3200400">
+            <a:lvl7pPr marL="3200400" lvl="6" indent="-317500">
               <a:spcBef>
                 <a:spcPts val="1600"/>
               </a:spcBef>
@@ -3596,7 +3746,7 @@
               <a:buChar char="●"/>
               <a:defRPr/>
             </a:lvl7pPr>
-            <a:lvl8pPr indent="-317500" lvl="7" marL="3657600">
+            <a:lvl8pPr marL="3657600" lvl="7" indent="-317500">
               <a:spcBef>
                 <a:spcPts val="1600"/>
               </a:spcBef>
@@ -3607,7 +3757,7 @@
               <a:buChar char="○"/>
               <a:defRPr/>
             </a:lvl8pPr>
-            <a:lvl9pPr indent="-317500" lvl="8" marL="4114800">
+            <a:lvl9pPr marL="4114800" lvl="8" indent="-317500">
               <a:spcBef>
                 <a:spcPts val="1600"/>
               </a:spcBef>
@@ -3619,15 +3769,19 @@
               <a:defRPr/>
             </a:lvl9pPr>
           </a:lstStyle>
-          <a:p/>
+          <a:p>
+            <a:endParaRPr/>
+          </a:p>
         </p:txBody>
       </p:sp>
       <p:sp>
         <p:nvSpPr>
           <p:cNvPr id="19" name="Shape 19"/>
-          <p:cNvSpPr txBox="1"/>
+          <p:cNvSpPr txBox="1">
+            <a:spLocks noGrp="1"/>
+          </p:cNvSpPr>
           <p:nvPr>
-            <p:ph idx="12" type="sldNum"/>
+            <p:ph type="sldNum" idx="12"/>
           </p:nvPr>
         </p:nvSpPr>
         <p:spPr>
@@ -3640,7 +3794,7 @@
           </a:prstGeom>
         </p:spPr>
         <p:txBody>
-          <a:bodyPr anchorCtr="0" anchor="ctr" bIns="91425" lIns="91425" spcFirstLastPara="1" rIns="91425" wrap="square" tIns="91425">
+          <a:bodyPr spcFirstLastPara="1" wrap="square" lIns="91425" tIns="91425" rIns="91425" bIns="91425" anchor="ctr" anchorCtr="0">
             <a:noAutofit/>
           </a:bodyPr>
           <a:lstStyle>
@@ -3682,7 +3836,7 @@
             </a:lvl9pPr>
           </a:lstStyle>
           <a:p>
-            <a:pPr indent="0" lvl="0" marL="0">
+            <a:pPr marL="0" lvl="0" indent="0">
               <a:spcBef>
                 <a:spcPts val="0"/>
               </a:spcBef>
@@ -3708,11 +3862,11 @@
 </file>
 
 <file path=ppt/slideLayouts/slideLayout4.xml><?xml version="1.0" encoding="utf-8"?>
-<p:sldLayout xmlns:a="http://schemas.openxmlformats.org/drawingml/2006/main" xmlns:r="http://schemas.openxmlformats.org/officeDocument/2006/relationships" xmlns:mc="http://schemas.openxmlformats.org/markup-compatibility/2006" xmlns:mv="urn:schemas-microsoft-com:mac:vml" xmlns:p="http://schemas.openxmlformats.org/presentationml/2006/main" xmlns:c="http://schemas.openxmlformats.org/drawingml/2006/chart" xmlns:dgm="http://schemas.openxmlformats.org/drawingml/2006/diagram" xmlns:o="urn:schemas-microsoft-com:office:office" xmlns:v="urn:schemas-microsoft-com:vml" xmlns:pvml="urn:schemas-microsoft-com:office:powerpoint" xmlns:com="http://schemas.openxmlformats.org/drawingml/2006/compatibility" xmlns:p14="http://schemas.microsoft.com/office/powerpoint/2010/main" xmlns:p15="http://schemas.microsoft.com/office/powerpoint/2012/main" matchingName="Title and two columns" type="twoColTx">
+<p:sldLayout xmlns:a="http://schemas.openxmlformats.org/drawingml/2006/main" xmlns:r="http://schemas.openxmlformats.org/officeDocument/2006/relationships" xmlns:p="http://schemas.openxmlformats.org/presentationml/2006/main" matchingName="Title and two columns" type="twoColTx">
   <p:cSld name="TITLE_AND_TWO_COLUMNS">
     <p:spTree>
       <p:nvGrpSpPr>
-        <p:cNvPr id="20" name="Shape 20"/>
+        <p:cNvPr id="1" name="Shape 20"/>
         <p:cNvGrpSpPr/>
         <p:nvPr/>
       </p:nvGrpSpPr>
@@ -3727,7 +3881,9 @@
       <p:sp>
         <p:nvSpPr>
           <p:cNvPr id="21" name="Shape 21"/>
-          <p:cNvSpPr txBox="1"/>
+          <p:cNvSpPr txBox="1">
+            <a:spLocks noGrp="1"/>
+          </p:cNvSpPr>
           <p:nvPr>
             <p:ph type="title"/>
           </p:nvPr>
@@ -3742,7 +3898,7 @@
           </a:prstGeom>
         </p:spPr>
         <p:txBody>
-          <a:bodyPr anchorCtr="0" anchor="t" bIns="91425" lIns="91425" spcFirstLastPara="1" rIns="91425" wrap="square" tIns="91425"/>
+          <a:bodyPr spcFirstLastPara="1" wrap="square" lIns="91425" tIns="91425" rIns="91425" bIns="91425" anchor="t" anchorCtr="0"/>
           <a:lstStyle>
             <a:lvl1pPr lvl="0">
               <a:spcBef>
@@ -3844,15 +4000,19 @@
               <a:defRPr/>
             </a:lvl9pPr>
           </a:lstStyle>
-          <a:p/>
+          <a:p>
+            <a:endParaRPr/>
+          </a:p>
         </p:txBody>
       </p:sp>
       <p:sp>
         <p:nvSpPr>
           <p:cNvPr id="22" name="Shape 22"/>
-          <p:cNvSpPr txBox="1"/>
+          <p:cNvSpPr txBox="1">
+            <a:spLocks noGrp="1"/>
+          </p:cNvSpPr>
           <p:nvPr>
-            <p:ph idx="1" type="body"/>
+            <p:ph type="body" idx="1"/>
           </p:nvPr>
         </p:nvSpPr>
         <p:spPr>
@@ -3865,9 +4025,9 @@
           </a:prstGeom>
         </p:spPr>
         <p:txBody>
-          <a:bodyPr anchorCtr="0" anchor="t" bIns="91425" lIns="91425" spcFirstLastPara="1" rIns="91425" wrap="square" tIns="91425"/>
+          <a:bodyPr spcFirstLastPara="1" wrap="square" lIns="91425" tIns="91425" rIns="91425" bIns="91425" anchor="t" anchorCtr="0"/>
           <a:lstStyle>
-            <a:lvl1pPr indent="-317500" lvl="0" marL="457200">
+            <a:lvl1pPr marL="457200" lvl="0" indent="-317500">
               <a:spcBef>
                 <a:spcPts val="0"/>
               </a:spcBef>
@@ -3878,7 +4038,7 @@
               <a:buChar char="●"/>
               <a:defRPr sz="1400"/>
             </a:lvl1pPr>
-            <a:lvl2pPr indent="-304800" lvl="1" marL="914400">
+            <a:lvl2pPr marL="914400" lvl="1" indent="-304800">
               <a:spcBef>
                 <a:spcPts val="1600"/>
               </a:spcBef>
@@ -3889,7 +4049,7 @@
               <a:buChar char="○"/>
               <a:defRPr sz="1200"/>
             </a:lvl2pPr>
-            <a:lvl3pPr indent="-304800" lvl="2" marL="1371600">
+            <a:lvl3pPr marL="1371600" lvl="2" indent="-304800">
               <a:spcBef>
                 <a:spcPts val="1600"/>
               </a:spcBef>
@@ -3900,7 +4060,7 @@
               <a:buChar char="■"/>
               <a:defRPr sz="1200"/>
             </a:lvl3pPr>
-            <a:lvl4pPr indent="-304800" lvl="3" marL="1828800">
+            <a:lvl4pPr marL="1828800" lvl="3" indent="-304800">
               <a:spcBef>
                 <a:spcPts val="1600"/>
               </a:spcBef>
@@ -3911,7 +4071,7 @@
               <a:buChar char="●"/>
               <a:defRPr sz="1200"/>
             </a:lvl4pPr>
-            <a:lvl5pPr indent="-304800" lvl="4" marL="2286000">
+            <a:lvl5pPr marL="2286000" lvl="4" indent="-304800">
               <a:spcBef>
                 <a:spcPts val="1600"/>
               </a:spcBef>
@@ -3922,7 +4082,7 @@
               <a:buChar char="○"/>
               <a:defRPr sz="1200"/>
             </a:lvl5pPr>
-            <a:lvl6pPr indent="-304800" lvl="5" marL="2743200">
+            <a:lvl6pPr marL="2743200" lvl="5" indent="-304800">
               <a:spcBef>
                 <a:spcPts val="1600"/>
               </a:spcBef>
@@ -3933,7 +4093,7 @@
               <a:buChar char="■"/>
               <a:defRPr sz="1200"/>
             </a:lvl6pPr>
-            <a:lvl7pPr indent="-304800" lvl="6" marL="3200400">
+            <a:lvl7pPr marL="3200400" lvl="6" indent="-304800">
               <a:spcBef>
                 <a:spcPts val="1600"/>
               </a:spcBef>
@@ -3944,7 +4104,7 @@
               <a:buChar char="●"/>
               <a:defRPr sz="1200"/>
             </a:lvl7pPr>
-            <a:lvl8pPr indent="-304800" lvl="7" marL="3657600">
+            <a:lvl8pPr marL="3657600" lvl="7" indent="-304800">
               <a:spcBef>
                 <a:spcPts val="1600"/>
               </a:spcBef>
@@ -3955,7 +4115,7 @@
               <a:buChar char="○"/>
               <a:defRPr sz="1200"/>
             </a:lvl8pPr>
-            <a:lvl9pPr indent="-304800" lvl="8" marL="4114800">
+            <a:lvl9pPr marL="4114800" lvl="8" indent="-304800">
               <a:spcBef>
                 <a:spcPts val="1600"/>
               </a:spcBef>
@@ -3967,15 +4127,19 @@
               <a:defRPr sz="1200"/>
             </a:lvl9pPr>
           </a:lstStyle>
-          <a:p/>
+          <a:p>
+            <a:endParaRPr/>
+          </a:p>
         </p:txBody>
       </p:sp>
       <p:sp>
         <p:nvSpPr>
           <p:cNvPr id="23" name="Shape 23"/>
-          <p:cNvSpPr txBox="1"/>
+          <p:cNvSpPr txBox="1">
+            <a:spLocks noGrp="1"/>
+          </p:cNvSpPr>
           <p:nvPr>
-            <p:ph idx="2" type="body"/>
+            <p:ph type="body" idx="2"/>
           </p:nvPr>
         </p:nvSpPr>
         <p:spPr>
@@ -3988,9 +4152,9 @@
           </a:prstGeom>
         </p:spPr>
         <p:txBody>
-          <a:bodyPr anchorCtr="0" anchor="t" bIns="91425" lIns="91425" spcFirstLastPara="1" rIns="91425" wrap="square" tIns="91425"/>
+          <a:bodyPr spcFirstLastPara="1" wrap="square" lIns="91425" tIns="91425" rIns="91425" bIns="91425" anchor="t" anchorCtr="0"/>
           <a:lstStyle>
-            <a:lvl1pPr indent="-317500" lvl="0" marL="457200">
+            <a:lvl1pPr marL="457200" lvl="0" indent="-317500">
               <a:spcBef>
                 <a:spcPts val="0"/>
               </a:spcBef>
@@ -4001,7 +4165,7 @@
               <a:buChar char="●"/>
               <a:defRPr sz="1400"/>
             </a:lvl1pPr>
-            <a:lvl2pPr indent="-304800" lvl="1" marL="914400">
+            <a:lvl2pPr marL="914400" lvl="1" indent="-304800">
               <a:spcBef>
                 <a:spcPts val="1600"/>
               </a:spcBef>
@@ -4012,7 +4176,7 @@
               <a:buChar char="○"/>
               <a:defRPr sz="1200"/>
             </a:lvl2pPr>
-            <a:lvl3pPr indent="-304800" lvl="2" marL="1371600">
+            <a:lvl3pPr marL="1371600" lvl="2" indent="-304800">
               <a:spcBef>
                 <a:spcPts val="1600"/>
               </a:spcBef>
@@ -4023,7 +4187,7 @@
               <a:buChar char="■"/>
               <a:defRPr sz="1200"/>
             </a:lvl3pPr>
-            <a:lvl4pPr indent="-304800" lvl="3" marL="1828800">
+            <a:lvl4pPr marL="1828800" lvl="3" indent="-304800">
               <a:spcBef>
                 <a:spcPts val="1600"/>
               </a:spcBef>
@@ -4034,7 +4198,7 @@
               <a:buChar char="●"/>
               <a:defRPr sz="1200"/>
             </a:lvl4pPr>
-            <a:lvl5pPr indent="-304800" lvl="4" marL="2286000">
+            <a:lvl5pPr marL="2286000" lvl="4" indent="-304800">
               <a:spcBef>
                 <a:spcPts val="1600"/>
               </a:spcBef>
@@ -4045,7 +4209,7 @@
               <a:buChar char="○"/>
               <a:defRPr sz="1200"/>
             </a:lvl5pPr>
-            <a:lvl6pPr indent="-304800" lvl="5" marL="2743200">
+            <a:lvl6pPr marL="2743200" lvl="5" indent="-304800">
               <a:spcBef>
                 <a:spcPts val="1600"/>
               </a:spcBef>
@@ -4056,7 +4220,7 @@
               <a:buChar char="■"/>
               <a:defRPr sz="1200"/>
             </a:lvl6pPr>
-            <a:lvl7pPr indent="-304800" lvl="6" marL="3200400">
+            <a:lvl7pPr marL="3200400" lvl="6" indent="-304800">
               <a:spcBef>
                 <a:spcPts val="1600"/>
               </a:spcBef>
@@ -4067,7 +4231,7 @@
               <a:buChar char="●"/>
               <a:defRPr sz="1200"/>
             </a:lvl7pPr>
-            <a:lvl8pPr indent="-304800" lvl="7" marL="3657600">
+            <a:lvl8pPr marL="3657600" lvl="7" indent="-304800">
               <a:spcBef>
                 <a:spcPts val="1600"/>
               </a:spcBef>
@@ -4078,7 +4242,7 @@
               <a:buChar char="○"/>
               <a:defRPr sz="1200"/>
             </a:lvl8pPr>
-            <a:lvl9pPr indent="-304800" lvl="8" marL="4114800">
+            <a:lvl9pPr marL="4114800" lvl="8" indent="-304800">
               <a:spcBef>
                 <a:spcPts val="1600"/>
               </a:spcBef>
@@ -4090,15 +4254,19 @@
               <a:defRPr sz="1200"/>
             </a:lvl9pPr>
           </a:lstStyle>
-          <a:p/>
+          <a:p>
+            <a:endParaRPr/>
+          </a:p>
         </p:txBody>
       </p:sp>
       <p:sp>
         <p:nvSpPr>
           <p:cNvPr id="24" name="Shape 24"/>
-          <p:cNvSpPr txBox="1"/>
+          <p:cNvSpPr txBox="1">
+            <a:spLocks noGrp="1"/>
+          </p:cNvSpPr>
           <p:nvPr>
-            <p:ph idx="12" type="sldNum"/>
+            <p:ph type="sldNum" idx="12"/>
           </p:nvPr>
         </p:nvSpPr>
         <p:spPr>
@@ -4111,7 +4279,7 @@
           </a:prstGeom>
         </p:spPr>
         <p:txBody>
-          <a:bodyPr anchorCtr="0" anchor="ctr" bIns="91425" lIns="91425" spcFirstLastPara="1" rIns="91425" wrap="square" tIns="91425">
+          <a:bodyPr spcFirstLastPara="1" wrap="square" lIns="91425" tIns="91425" rIns="91425" bIns="91425" anchor="ctr" anchorCtr="0">
             <a:noAutofit/>
           </a:bodyPr>
           <a:lstStyle>
@@ -4153,7 +4321,7 @@
             </a:lvl9pPr>
           </a:lstStyle>
           <a:p>
-            <a:pPr indent="0" lvl="0" marL="0">
+            <a:pPr marL="0" lvl="0" indent="0">
               <a:spcBef>
                 <a:spcPts val="0"/>
               </a:spcBef>
@@ -4179,11 +4347,11 @@
 </file>
 
 <file path=ppt/slideLayouts/slideLayout5.xml><?xml version="1.0" encoding="utf-8"?>
-<p:sldLayout xmlns:a="http://schemas.openxmlformats.org/drawingml/2006/main" xmlns:r="http://schemas.openxmlformats.org/officeDocument/2006/relationships" xmlns:mc="http://schemas.openxmlformats.org/markup-compatibility/2006" xmlns:mv="urn:schemas-microsoft-com:mac:vml" xmlns:p="http://schemas.openxmlformats.org/presentationml/2006/main" xmlns:c="http://schemas.openxmlformats.org/drawingml/2006/chart" xmlns:dgm="http://schemas.openxmlformats.org/drawingml/2006/diagram" xmlns:o="urn:schemas-microsoft-com:office:office" xmlns:v="urn:schemas-microsoft-com:vml" xmlns:pvml="urn:schemas-microsoft-com:office:powerpoint" xmlns:com="http://schemas.openxmlformats.org/drawingml/2006/compatibility" xmlns:p14="http://schemas.microsoft.com/office/powerpoint/2010/main" xmlns:p15="http://schemas.microsoft.com/office/powerpoint/2012/main" matchingName="Title only" type="titleOnly">
+<p:sldLayout xmlns:a="http://schemas.openxmlformats.org/drawingml/2006/main" xmlns:r="http://schemas.openxmlformats.org/officeDocument/2006/relationships" xmlns:p="http://schemas.openxmlformats.org/presentationml/2006/main" matchingName="Title only" type="titleOnly">
   <p:cSld name="TITLE_ONLY">
     <p:spTree>
       <p:nvGrpSpPr>
-        <p:cNvPr id="25" name="Shape 25"/>
+        <p:cNvPr id="1" name="Shape 25"/>
         <p:cNvGrpSpPr/>
         <p:nvPr/>
       </p:nvGrpSpPr>
@@ -4198,7 +4366,9 @@
       <p:sp>
         <p:nvSpPr>
           <p:cNvPr id="26" name="Shape 26"/>
-          <p:cNvSpPr txBox="1"/>
+          <p:cNvSpPr txBox="1">
+            <a:spLocks noGrp="1"/>
+          </p:cNvSpPr>
           <p:nvPr>
             <p:ph type="title"/>
           </p:nvPr>
@@ -4213,7 +4383,7 @@
           </a:prstGeom>
         </p:spPr>
         <p:txBody>
-          <a:bodyPr anchorCtr="0" anchor="t" bIns="91425" lIns="91425" spcFirstLastPara="1" rIns="91425" wrap="square" tIns="91425"/>
+          <a:bodyPr spcFirstLastPara="1" wrap="square" lIns="91425" tIns="91425" rIns="91425" bIns="91425" anchor="t" anchorCtr="0"/>
           <a:lstStyle>
             <a:lvl1pPr lvl="0">
               <a:spcBef>
@@ -4315,15 +4485,19 @@
               <a:defRPr/>
             </a:lvl9pPr>
           </a:lstStyle>
-          <a:p/>
+          <a:p>
+            <a:endParaRPr/>
+          </a:p>
         </p:txBody>
       </p:sp>
       <p:sp>
         <p:nvSpPr>
           <p:cNvPr id="27" name="Shape 27"/>
-          <p:cNvSpPr txBox="1"/>
+          <p:cNvSpPr txBox="1">
+            <a:spLocks noGrp="1"/>
+          </p:cNvSpPr>
           <p:nvPr>
-            <p:ph idx="12" type="sldNum"/>
+            <p:ph type="sldNum" idx="12"/>
           </p:nvPr>
         </p:nvSpPr>
         <p:spPr>
@@ -4336,7 +4510,7 @@
           </a:prstGeom>
         </p:spPr>
         <p:txBody>
-          <a:bodyPr anchorCtr="0" anchor="ctr" bIns="91425" lIns="91425" spcFirstLastPara="1" rIns="91425" wrap="square" tIns="91425">
+          <a:bodyPr spcFirstLastPara="1" wrap="square" lIns="91425" tIns="91425" rIns="91425" bIns="91425" anchor="ctr" anchorCtr="0">
             <a:noAutofit/>
           </a:bodyPr>
           <a:lstStyle>
@@ -4378,7 +4552,7 @@
             </a:lvl9pPr>
           </a:lstStyle>
           <a:p>
-            <a:pPr indent="0" lvl="0" marL="0">
+            <a:pPr marL="0" lvl="0" indent="0">
               <a:spcBef>
                 <a:spcPts val="0"/>
               </a:spcBef>
@@ -4404,11 +4578,11 @@
 </file>
 
 <file path=ppt/slideLayouts/slideLayout6.xml><?xml version="1.0" encoding="utf-8"?>
-<p:sldLayout xmlns:a="http://schemas.openxmlformats.org/drawingml/2006/main" xmlns:r="http://schemas.openxmlformats.org/officeDocument/2006/relationships" xmlns:mc="http://schemas.openxmlformats.org/markup-compatibility/2006" xmlns:mv="urn:schemas-microsoft-com:mac:vml" xmlns:p="http://schemas.openxmlformats.org/presentationml/2006/main" xmlns:c="http://schemas.openxmlformats.org/drawingml/2006/chart" xmlns:dgm="http://schemas.openxmlformats.org/drawingml/2006/diagram" xmlns:o="urn:schemas-microsoft-com:office:office" xmlns:v="urn:schemas-microsoft-com:vml" xmlns:pvml="urn:schemas-microsoft-com:office:powerpoint" xmlns:com="http://schemas.openxmlformats.org/drawingml/2006/compatibility" xmlns:p14="http://schemas.microsoft.com/office/powerpoint/2010/main" xmlns:p15="http://schemas.microsoft.com/office/powerpoint/2012/main" matchingName="One column text">
+<p:sldLayout xmlns:a="http://schemas.openxmlformats.org/drawingml/2006/main" xmlns:r="http://schemas.openxmlformats.org/officeDocument/2006/relationships" xmlns:p="http://schemas.openxmlformats.org/presentationml/2006/main" matchingName="One column text">
   <p:cSld name="ONE_COLUMN_TEXT">
     <p:spTree>
       <p:nvGrpSpPr>
-        <p:cNvPr id="28" name="Shape 28"/>
+        <p:cNvPr id="1" name="Shape 28"/>
         <p:cNvGrpSpPr/>
         <p:nvPr/>
       </p:nvGrpSpPr>
@@ -4423,7 +4597,9 @@
       <p:sp>
         <p:nvSpPr>
           <p:cNvPr id="29" name="Shape 29"/>
-          <p:cNvSpPr txBox="1"/>
+          <p:cNvSpPr txBox="1">
+            <a:spLocks noGrp="1"/>
+          </p:cNvSpPr>
           <p:nvPr>
             <p:ph type="title"/>
           </p:nvPr>
@@ -4438,7 +4614,7 @@
           </a:prstGeom>
         </p:spPr>
         <p:txBody>
-          <a:bodyPr anchorCtr="0" anchor="b" bIns="91425" lIns="91425" spcFirstLastPara="1" rIns="91425" wrap="square" tIns="91425"/>
+          <a:bodyPr spcFirstLastPara="1" wrap="square" lIns="91425" tIns="91425" rIns="91425" bIns="91425" anchor="b" anchorCtr="0"/>
           <a:lstStyle>
             <a:lvl1pPr lvl="0">
               <a:spcBef>
@@ -4540,15 +4716,19 @@
               <a:defRPr sz="2400"/>
             </a:lvl9pPr>
           </a:lstStyle>
-          <a:p/>
+          <a:p>
+            <a:endParaRPr/>
+          </a:p>
         </p:txBody>
       </p:sp>
       <p:sp>
         <p:nvSpPr>
           <p:cNvPr id="30" name="Shape 30"/>
-          <p:cNvSpPr txBox="1"/>
+          <p:cNvSpPr txBox="1">
+            <a:spLocks noGrp="1"/>
+          </p:cNvSpPr>
           <p:nvPr>
-            <p:ph idx="1" type="body"/>
+            <p:ph type="body" idx="1"/>
           </p:nvPr>
         </p:nvSpPr>
         <p:spPr>
@@ -4561,9 +4741,9 @@
           </a:prstGeom>
         </p:spPr>
         <p:txBody>
-          <a:bodyPr anchorCtr="0" anchor="t" bIns="91425" lIns="91425" spcFirstLastPara="1" rIns="91425" wrap="square" tIns="91425"/>
+          <a:bodyPr spcFirstLastPara="1" wrap="square" lIns="91425" tIns="91425" rIns="91425" bIns="91425" anchor="t" anchorCtr="0"/>
           <a:lstStyle>
-            <a:lvl1pPr indent="-304800" lvl="0" marL="457200">
+            <a:lvl1pPr marL="457200" lvl="0" indent="-304800">
               <a:spcBef>
                 <a:spcPts val="0"/>
               </a:spcBef>
@@ -4574,7 +4754,7 @@
               <a:buChar char="●"/>
               <a:defRPr sz="1200"/>
             </a:lvl1pPr>
-            <a:lvl2pPr indent="-304800" lvl="1" marL="914400">
+            <a:lvl2pPr marL="914400" lvl="1" indent="-304800">
               <a:spcBef>
                 <a:spcPts val="1600"/>
               </a:spcBef>
@@ -4585,7 +4765,7 @@
               <a:buChar char="○"/>
               <a:defRPr sz="1200"/>
             </a:lvl2pPr>
-            <a:lvl3pPr indent="-304800" lvl="2" marL="1371600">
+            <a:lvl3pPr marL="1371600" lvl="2" indent="-304800">
               <a:spcBef>
                 <a:spcPts val="1600"/>
               </a:spcBef>
@@ -4596,7 +4776,7 @@
               <a:buChar char="■"/>
               <a:defRPr sz="1200"/>
             </a:lvl3pPr>
-            <a:lvl4pPr indent="-304800" lvl="3" marL="1828800">
+            <a:lvl4pPr marL="1828800" lvl="3" indent="-304800">
               <a:spcBef>
                 <a:spcPts val="1600"/>
               </a:spcBef>
@@ -4607,7 +4787,7 @@
               <a:buChar char="●"/>
               <a:defRPr sz="1200"/>
             </a:lvl4pPr>
-            <a:lvl5pPr indent="-304800" lvl="4" marL="2286000">
+            <a:lvl5pPr marL="2286000" lvl="4" indent="-304800">
               <a:spcBef>
                 <a:spcPts val="1600"/>
               </a:spcBef>
@@ -4618,7 +4798,7 @@
               <a:buChar char="○"/>
               <a:defRPr sz="1200"/>
             </a:lvl5pPr>
-            <a:lvl6pPr indent="-304800" lvl="5" marL="2743200">
+            <a:lvl6pPr marL="2743200" lvl="5" indent="-304800">
               <a:spcBef>
                 <a:spcPts val="1600"/>
               </a:spcBef>
@@ -4629,7 +4809,7 @@
               <a:buChar char="■"/>
               <a:defRPr sz="1200"/>
             </a:lvl6pPr>
-            <a:lvl7pPr indent="-304800" lvl="6" marL="3200400">
+            <a:lvl7pPr marL="3200400" lvl="6" indent="-304800">
               <a:spcBef>
                 <a:spcPts val="1600"/>
               </a:spcBef>
@@ -4640,7 +4820,7 @@
               <a:buChar char="●"/>
               <a:defRPr sz="1200"/>
             </a:lvl7pPr>
-            <a:lvl8pPr indent="-304800" lvl="7" marL="3657600">
+            <a:lvl8pPr marL="3657600" lvl="7" indent="-304800">
               <a:spcBef>
                 <a:spcPts val="1600"/>
               </a:spcBef>
@@ -4651,7 +4831,7 @@
               <a:buChar char="○"/>
               <a:defRPr sz="1200"/>
             </a:lvl8pPr>
-            <a:lvl9pPr indent="-304800" lvl="8" marL="4114800">
+            <a:lvl9pPr marL="4114800" lvl="8" indent="-304800">
               <a:spcBef>
                 <a:spcPts val="1600"/>
               </a:spcBef>
@@ -4663,15 +4843,19 @@
               <a:defRPr sz="1200"/>
             </a:lvl9pPr>
           </a:lstStyle>
-          <a:p/>
+          <a:p>
+            <a:endParaRPr/>
+          </a:p>
         </p:txBody>
       </p:sp>
       <p:sp>
         <p:nvSpPr>
           <p:cNvPr id="31" name="Shape 31"/>
-          <p:cNvSpPr txBox="1"/>
+          <p:cNvSpPr txBox="1">
+            <a:spLocks noGrp="1"/>
+          </p:cNvSpPr>
           <p:nvPr>
-            <p:ph idx="12" type="sldNum"/>
+            <p:ph type="sldNum" idx="12"/>
           </p:nvPr>
         </p:nvSpPr>
         <p:spPr>
@@ -4684,7 +4868,7 @@
           </a:prstGeom>
         </p:spPr>
         <p:txBody>
-          <a:bodyPr anchorCtr="0" anchor="ctr" bIns="91425" lIns="91425" spcFirstLastPara="1" rIns="91425" wrap="square" tIns="91425">
+          <a:bodyPr spcFirstLastPara="1" wrap="square" lIns="91425" tIns="91425" rIns="91425" bIns="91425" anchor="ctr" anchorCtr="0">
             <a:noAutofit/>
           </a:bodyPr>
           <a:lstStyle>
@@ -4726,7 +4910,7 @@
             </a:lvl9pPr>
           </a:lstStyle>
           <a:p>
-            <a:pPr indent="0" lvl="0" marL="0">
+            <a:pPr marL="0" lvl="0" indent="0">
               <a:spcBef>
                 <a:spcPts val="0"/>
               </a:spcBef>
@@ -4752,11 +4936,11 @@
 </file>
 
 <file path=ppt/slideLayouts/slideLayout7.xml><?xml version="1.0" encoding="utf-8"?>
-<p:sldLayout xmlns:a="http://schemas.openxmlformats.org/drawingml/2006/main" xmlns:r="http://schemas.openxmlformats.org/officeDocument/2006/relationships" xmlns:mc="http://schemas.openxmlformats.org/markup-compatibility/2006" xmlns:mv="urn:schemas-microsoft-com:mac:vml" xmlns:p="http://schemas.openxmlformats.org/presentationml/2006/main" xmlns:c="http://schemas.openxmlformats.org/drawingml/2006/chart" xmlns:dgm="http://schemas.openxmlformats.org/drawingml/2006/diagram" xmlns:o="urn:schemas-microsoft-com:office:office" xmlns:v="urn:schemas-microsoft-com:vml" xmlns:pvml="urn:schemas-microsoft-com:office:powerpoint" xmlns:com="http://schemas.openxmlformats.org/drawingml/2006/compatibility" xmlns:p14="http://schemas.microsoft.com/office/powerpoint/2010/main" xmlns:p15="http://schemas.microsoft.com/office/powerpoint/2012/main" matchingName="Main point">
+<p:sldLayout xmlns:a="http://schemas.openxmlformats.org/drawingml/2006/main" xmlns:r="http://schemas.openxmlformats.org/officeDocument/2006/relationships" xmlns:p="http://schemas.openxmlformats.org/presentationml/2006/main" matchingName="Main point">
   <p:cSld name="MAIN_POINT">
     <p:spTree>
       <p:nvGrpSpPr>
-        <p:cNvPr id="32" name="Shape 32"/>
+        <p:cNvPr id="1" name="Shape 32"/>
         <p:cNvGrpSpPr/>
         <p:nvPr/>
       </p:nvGrpSpPr>
@@ -4771,7 +4955,9 @@
       <p:sp>
         <p:nvSpPr>
           <p:cNvPr id="33" name="Shape 33"/>
-          <p:cNvSpPr txBox="1"/>
+          <p:cNvSpPr txBox="1">
+            <a:spLocks noGrp="1"/>
+          </p:cNvSpPr>
           <p:nvPr>
             <p:ph type="title"/>
           </p:nvPr>
@@ -4786,7 +4972,7 @@
           </a:prstGeom>
         </p:spPr>
         <p:txBody>
-          <a:bodyPr anchorCtr="0" anchor="ctr" bIns="91425" lIns="91425" spcFirstLastPara="1" rIns="91425" wrap="square" tIns="91425"/>
+          <a:bodyPr spcFirstLastPara="1" wrap="square" lIns="91425" tIns="91425" rIns="91425" bIns="91425" anchor="ctr" anchorCtr="0"/>
           <a:lstStyle>
             <a:lvl1pPr lvl="0">
               <a:spcBef>
@@ -4888,15 +5074,19 @@
               <a:defRPr sz="4800"/>
             </a:lvl9pPr>
           </a:lstStyle>
-          <a:p/>
+          <a:p>
+            <a:endParaRPr/>
+          </a:p>
         </p:txBody>
       </p:sp>
       <p:sp>
         <p:nvSpPr>
           <p:cNvPr id="34" name="Shape 34"/>
-          <p:cNvSpPr txBox="1"/>
+          <p:cNvSpPr txBox="1">
+            <a:spLocks noGrp="1"/>
+          </p:cNvSpPr>
           <p:nvPr>
-            <p:ph idx="12" type="sldNum"/>
+            <p:ph type="sldNum" idx="12"/>
           </p:nvPr>
         </p:nvSpPr>
         <p:spPr>
@@ -4909,7 +5099,7 @@
           </a:prstGeom>
         </p:spPr>
         <p:txBody>
-          <a:bodyPr anchorCtr="0" anchor="ctr" bIns="91425" lIns="91425" spcFirstLastPara="1" rIns="91425" wrap="square" tIns="91425">
+          <a:bodyPr spcFirstLastPara="1" wrap="square" lIns="91425" tIns="91425" rIns="91425" bIns="91425" anchor="ctr" anchorCtr="0">
             <a:noAutofit/>
           </a:bodyPr>
           <a:lstStyle>
@@ -4951,7 +5141,7 @@
             </a:lvl9pPr>
           </a:lstStyle>
           <a:p>
-            <a:pPr indent="0" lvl="0" marL="0">
+            <a:pPr marL="0" lvl="0" indent="0">
               <a:spcBef>
                 <a:spcPts val="0"/>
               </a:spcBef>
@@ -4977,11 +5167,11 @@
 </file>
 
 <file path=ppt/slideLayouts/slideLayout8.xml><?xml version="1.0" encoding="utf-8"?>
-<p:sldLayout xmlns:a="http://schemas.openxmlformats.org/drawingml/2006/main" xmlns:r="http://schemas.openxmlformats.org/officeDocument/2006/relationships" xmlns:mc="http://schemas.openxmlformats.org/markup-compatibility/2006" xmlns:mv="urn:schemas-microsoft-com:mac:vml" xmlns:p="http://schemas.openxmlformats.org/presentationml/2006/main" xmlns:c="http://schemas.openxmlformats.org/drawingml/2006/chart" xmlns:dgm="http://schemas.openxmlformats.org/drawingml/2006/diagram" xmlns:o="urn:schemas-microsoft-com:office:office" xmlns:v="urn:schemas-microsoft-com:vml" xmlns:pvml="urn:schemas-microsoft-com:office:powerpoint" xmlns:com="http://schemas.openxmlformats.org/drawingml/2006/compatibility" xmlns:p14="http://schemas.microsoft.com/office/powerpoint/2010/main" xmlns:p15="http://schemas.microsoft.com/office/powerpoint/2012/main" matchingName="Section title and description">
+<p:sldLayout xmlns:a="http://schemas.openxmlformats.org/drawingml/2006/main" xmlns:r="http://schemas.openxmlformats.org/officeDocument/2006/relationships" xmlns:p="http://schemas.openxmlformats.org/presentationml/2006/main" matchingName="Section title and description">
   <p:cSld name="SECTION_TITLE_AND_DESCRIPTION">
     <p:spTree>
       <p:nvGrpSpPr>
-        <p:cNvPr id="35" name="Shape 35"/>
+        <p:cNvPr id="1" name="Shape 35"/>
         <p:cNvGrpSpPr/>
         <p:nvPr/>
       </p:nvGrpSpPr>
@@ -5015,12 +5205,12 @@
           </a:ln>
         </p:spPr>
         <p:txBody>
-          <a:bodyPr anchorCtr="0" anchor="ctr" bIns="91425" lIns="91425" spcFirstLastPara="1" rIns="91425" wrap="square" tIns="91425">
+          <a:bodyPr spcFirstLastPara="1" wrap="square" lIns="91425" tIns="91425" rIns="91425" bIns="91425" anchor="ctr" anchorCtr="0">
             <a:noAutofit/>
           </a:bodyPr>
           <a:lstStyle/>
           <a:p>
-            <a:pPr indent="0" lvl="0" marL="0">
+            <a:pPr marL="0" lvl="0" indent="0">
               <a:spcBef>
                 <a:spcPts val="0"/>
               </a:spcBef>
@@ -5029,9 +5219,6 @@
               </a:spcAft>
               <a:buNone/>
             </a:pPr>
-            <a:r>
-              <a:t/>
-            </a:r>
             <a:endParaRPr/>
           </a:p>
         </p:txBody>
@@ -5039,7 +5226,9 @@
       <p:sp>
         <p:nvSpPr>
           <p:cNvPr id="37" name="Shape 37"/>
-          <p:cNvSpPr txBox="1"/>
+          <p:cNvSpPr txBox="1">
+            <a:spLocks noGrp="1"/>
+          </p:cNvSpPr>
           <p:nvPr>
             <p:ph type="title"/>
           </p:nvPr>
@@ -5054,7 +5243,7 @@
           </a:prstGeom>
         </p:spPr>
         <p:txBody>
-          <a:bodyPr anchorCtr="0" anchor="b" bIns="91425" lIns="91425" spcFirstLastPara="1" rIns="91425" wrap="square" tIns="91425"/>
+          <a:bodyPr spcFirstLastPara="1" wrap="square" lIns="91425" tIns="91425" rIns="91425" bIns="91425" anchor="b" anchorCtr="0"/>
           <a:lstStyle>
             <a:lvl1pPr lvl="0" algn="ctr">
               <a:spcBef>
@@ -5156,15 +5345,19 @@
               <a:defRPr sz="4200"/>
             </a:lvl9pPr>
           </a:lstStyle>
-          <a:p/>
+          <a:p>
+            <a:endParaRPr/>
+          </a:p>
         </p:txBody>
       </p:sp>
       <p:sp>
         <p:nvSpPr>
           <p:cNvPr id="38" name="Shape 38"/>
-          <p:cNvSpPr txBox="1"/>
+          <p:cNvSpPr txBox="1">
+            <a:spLocks noGrp="1"/>
+          </p:cNvSpPr>
           <p:nvPr>
-            <p:ph idx="1" type="subTitle"/>
+            <p:ph type="subTitle" idx="1"/>
           </p:nvPr>
         </p:nvSpPr>
         <p:spPr>
@@ -5177,7 +5370,7 @@
           </a:prstGeom>
         </p:spPr>
         <p:txBody>
-          <a:bodyPr anchorCtr="0" anchor="t" bIns="91425" lIns="91425" spcFirstLastPara="1" rIns="91425" wrap="square" tIns="91425"/>
+          <a:bodyPr spcFirstLastPara="1" wrap="square" lIns="91425" tIns="91425" rIns="91425" bIns="91425" anchor="t" anchorCtr="0"/>
           <a:lstStyle>
             <a:lvl1pPr lvl="0" algn="ctr">
               <a:lnSpc>
@@ -5306,15 +5499,19 @@
               <a:defRPr sz="2100"/>
             </a:lvl9pPr>
           </a:lstStyle>
-          <a:p/>
+          <a:p>
+            <a:endParaRPr/>
+          </a:p>
         </p:txBody>
       </p:sp>
       <p:sp>
         <p:nvSpPr>
           <p:cNvPr id="39" name="Shape 39"/>
-          <p:cNvSpPr txBox="1"/>
+          <p:cNvSpPr txBox="1">
+            <a:spLocks noGrp="1"/>
+          </p:cNvSpPr>
           <p:nvPr>
-            <p:ph idx="2" type="body"/>
+            <p:ph type="body" idx="2"/>
           </p:nvPr>
         </p:nvSpPr>
         <p:spPr>
@@ -5327,9 +5524,9 @@
           </a:prstGeom>
         </p:spPr>
         <p:txBody>
-          <a:bodyPr anchorCtr="0" anchor="ctr" bIns="91425" lIns="91425" spcFirstLastPara="1" rIns="91425" wrap="square" tIns="91425"/>
+          <a:bodyPr spcFirstLastPara="1" wrap="square" lIns="91425" tIns="91425" rIns="91425" bIns="91425" anchor="ctr" anchorCtr="0"/>
           <a:lstStyle>
-            <a:lvl1pPr indent="-342900" lvl="0" marL="457200">
+            <a:lvl1pPr marL="457200" lvl="0" indent="-342900">
               <a:spcBef>
                 <a:spcPts val="0"/>
               </a:spcBef>
@@ -5340,7 +5537,7 @@
               <a:buChar char="●"/>
               <a:defRPr/>
             </a:lvl1pPr>
-            <a:lvl2pPr indent="-317500" lvl="1" marL="914400">
+            <a:lvl2pPr marL="914400" lvl="1" indent="-317500">
               <a:spcBef>
                 <a:spcPts val="1600"/>
               </a:spcBef>
@@ -5351,7 +5548,7 @@
               <a:buChar char="○"/>
               <a:defRPr/>
             </a:lvl2pPr>
-            <a:lvl3pPr indent="-317500" lvl="2" marL="1371600">
+            <a:lvl3pPr marL="1371600" lvl="2" indent="-317500">
               <a:spcBef>
                 <a:spcPts val="1600"/>
               </a:spcBef>
@@ -5362,7 +5559,7 @@
               <a:buChar char="■"/>
               <a:defRPr/>
             </a:lvl3pPr>
-            <a:lvl4pPr indent="-317500" lvl="3" marL="1828800">
+            <a:lvl4pPr marL="1828800" lvl="3" indent="-317500">
               <a:spcBef>
                 <a:spcPts val="1600"/>
               </a:spcBef>
@@ -5373,7 +5570,7 @@
               <a:buChar char="●"/>
               <a:defRPr/>
             </a:lvl4pPr>
-            <a:lvl5pPr indent="-317500" lvl="4" marL="2286000">
+            <a:lvl5pPr marL="2286000" lvl="4" indent="-317500">
               <a:spcBef>
                 <a:spcPts val="1600"/>
               </a:spcBef>
@@ -5384,7 +5581,7 @@
               <a:buChar char="○"/>
               <a:defRPr/>
             </a:lvl5pPr>
-            <a:lvl6pPr indent="-317500" lvl="5" marL="2743200">
+            <a:lvl6pPr marL="2743200" lvl="5" indent="-317500">
               <a:spcBef>
                 <a:spcPts val="1600"/>
               </a:spcBef>
@@ -5395,7 +5592,7 @@
               <a:buChar char="■"/>
               <a:defRPr/>
             </a:lvl6pPr>
-            <a:lvl7pPr indent="-317500" lvl="6" marL="3200400">
+            <a:lvl7pPr marL="3200400" lvl="6" indent="-317500">
               <a:spcBef>
                 <a:spcPts val="1600"/>
               </a:spcBef>
@@ -5406,7 +5603,7 @@
               <a:buChar char="●"/>
               <a:defRPr/>
             </a:lvl7pPr>
-            <a:lvl8pPr indent="-317500" lvl="7" marL="3657600">
+            <a:lvl8pPr marL="3657600" lvl="7" indent="-317500">
               <a:spcBef>
                 <a:spcPts val="1600"/>
               </a:spcBef>
@@ -5417,7 +5614,7 @@
               <a:buChar char="○"/>
               <a:defRPr/>
             </a:lvl8pPr>
-            <a:lvl9pPr indent="-317500" lvl="8" marL="4114800">
+            <a:lvl9pPr marL="4114800" lvl="8" indent="-317500">
               <a:spcBef>
                 <a:spcPts val="1600"/>
               </a:spcBef>
@@ -5429,15 +5626,19 @@
               <a:defRPr/>
             </a:lvl9pPr>
           </a:lstStyle>
-          <a:p/>
+          <a:p>
+            <a:endParaRPr/>
+          </a:p>
         </p:txBody>
       </p:sp>
       <p:sp>
         <p:nvSpPr>
           <p:cNvPr id="40" name="Shape 40"/>
-          <p:cNvSpPr txBox="1"/>
+          <p:cNvSpPr txBox="1">
+            <a:spLocks noGrp="1"/>
+          </p:cNvSpPr>
           <p:nvPr>
-            <p:ph idx="12" type="sldNum"/>
+            <p:ph type="sldNum" idx="12"/>
           </p:nvPr>
         </p:nvSpPr>
         <p:spPr>
@@ -5450,7 +5651,7 @@
           </a:prstGeom>
         </p:spPr>
         <p:txBody>
-          <a:bodyPr anchorCtr="0" anchor="ctr" bIns="91425" lIns="91425" spcFirstLastPara="1" rIns="91425" wrap="square" tIns="91425">
+          <a:bodyPr spcFirstLastPara="1" wrap="square" lIns="91425" tIns="91425" rIns="91425" bIns="91425" anchor="ctr" anchorCtr="0">
             <a:noAutofit/>
           </a:bodyPr>
           <a:lstStyle>
@@ -5492,7 +5693,7 @@
             </a:lvl9pPr>
           </a:lstStyle>
           <a:p>
-            <a:pPr indent="0" lvl="0" marL="0">
+            <a:pPr marL="0" lvl="0" indent="0">
               <a:spcBef>
                 <a:spcPts val="0"/>
               </a:spcBef>
@@ -5518,11 +5719,11 @@
 </file>
 
 <file path=ppt/slideLayouts/slideLayout9.xml><?xml version="1.0" encoding="utf-8"?>
-<p:sldLayout xmlns:a="http://schemas.openxmlformats.org/drawingml/2006/main" xmlns:r="http://schemas.openxmlformats.org/officeDocument/2006/relationships" xmlns:mc="http://schemas.openxmlformats.org/markup-compatibility/2006" xmlns:mv="urn:schemas-microsoft-com:mac:vml" xmlns:p="http://schemas.openxmlformats.org/presentationml/2006/main" xmlns:c="http://schemas.openxmlformats.org/drawingml/2006/chart" xmlns:dgm="http://schemas.openxmlformats.org/drawingml/2006/diagram" xmlns:o="urn:schemas-microsoft-com:office:office" xmlns:v="urn:schemas-microsoft-com:vml" xmlns:pvml="urn:schemas-microsoft-com:office:powerpoint" xmlns:com="http://schemas.openxmlformats.org/drawingml/2006/compatibility" xmlns:p14="http://schemas.microsoft.com/office/powerpoint/2010/main" xmlns:p15="http://schemas.microsoft.com/office/powerpoint/2012/main" matchingName="Caption">
+<p:sldLayout xmlns:a="http://schemas.openxmlformats.org/drawingml/2006/main" xmlns:r="http://schemas.openxmlformats.org/officeDocument/2006/relationships" xmlns:p="http://schemas.openxmlformats.org/presentationml/2006/main" matchingName="Caption">
   <p:cSld name="CAPTION_ONLY">
     <p:spTree>
       <p:nvGrpSpPr>
-        <p:cNvPr id="41" name="Shape 41"/>
+        <p:cNvPr id="1" name="Shape 41"/>
         <p:cNvGrpSpPr/>
         <p:nvPr/>
       </p:nvGrpSpPr>
@@ -5537,9 +5738,11 @@
       <p:sp>
         <p:nvSpPr>
           <p:cNvPr id="42" name="Shape 42"/>
-          <p:cNvSpPr txBox="1"/>
+          <p:cNvSpPr txBox="1">
+            <a:spLocks noGrp="1"/>
+          </p:cNvSpPr>
           <p:nvPr>
-            <p:ph idx="1" type="body"/>
+            <p:ph type="body" idx="1"/>
           </p:nvPr>
         </p:nvSpPr>
         <p:spPr>
@@ -5552,9 +5755,9 @@
           </a:prstGeom>
         </p:spPr>
         <p:txBody>
-          <a:bodyPr anchorCtr="0" anchor="ctr" bIns="91425" lIns="91425" spcFirstLastPara="1" rIns="91425" wrap="square" tIns="91425"/>
+          <a:bodyPr spcFirstLastPara="1" wrap="square" lIns="91425" tIns="91425" rIns="91425" bIns="91425" anchor="ctr" anchorCtr="0"/>
           <a:lstStyle>
-            <a:lvl1pPr indent="-228600" lvl="0" marL="457200">
+            <a:lvl1pPr marL="457200" lvl="0" indent="-228600">
               <a:lnSpc>
                 <a:spcPct val="100000"/>
               </a:lnSpc>
@@ -5569,15 +5772,19 @@
               <a:defRPr/>
             </a:lvl1pPr>
           </a:lstStyle>
-          <a:p/>
+          <a:p>
+            <a:endParaRPr/>
+          </a:p>
         </p:txBody>
       </p:sp>
       <p:sp>
         <p:nvSpPr>
           <p:cNvPr id="43" name="Shape 43"/>
-          <p:cNvSpPr txBox="1"/>
+          <p:cNvSpPr txBox="1">
+            <a:spLocks noGrp="1"/>
+          </p:cNvSpPr>
           <p:nvPr>
-            <p:ph idx="12" type="sldNum"/>
+            <p:ph type="sldNum" idx="12"/>
           </p:nvPr>
         </p:nvSpPr>
         <p:spPr>
@@ -5590,7 +5797,7 @@
           </a:prstGeom>
         </p:spPr>
         <p:txBody>
-          <a:bodyPr anchorCtr="0" anchor="ctr" bIns="91425" lIns="91425" spcFirstLastPara="1" rIns="91425" wrap="square" tIns="91425">
+          <a:bodyPr spcFirstLastPara="1" wrap="square" lIns="91425" tIns="91425" rIns="91425" bIns="91425" anchor="ctr" anchorCtr="0">
             <a:noAutofit/>
           </a:bodyPr>
           <a:lstStyle>
@@ -5632,7 +5839,7 @@
             </a:lvl9pPr>
           </a:lstStyle>
           <a:p>
-            <a:pPr indent="0" lvl="0" marL="0">
+            <a:pPr marL="0" lvl="0" indent="0">
               <a:spcBef>
                 <a:spcPts val="0"/>
               </a:spcBef>
@@ -5658,18 +5865,19 @@
 </file>
 
 <file path=ppt/slideMasters/slideMaster1.xml><?xml version="1.0" encoding="utf-8"?>
-<p:sldMaster xmlns:a="http://schemas.openxmlformats.org/drawingml/2006/main" xmlns:r="http://schemas.openxmlformats.org/officeDocument/2006/relationships" xmlns:mc="http://schemas.openxmlformats.org/markup-compatibility/2006" xmlns:mv="urn:schemas-microsoft-com:mac:vml" xmlns:p="http://schemas.openxmlformats.org/presentationml/2006/main" xmlns:c="http://schemas.openxmlformats.org/drawingml/2006/chart" xmlns:dgm="http://schemas.openxmlformats.org/drawingml/2006/diagram" xmlns:o="urn:schemas-microsoft-com:office:office" xmlns:v="urn:schemas-microsoft-com:vml" xmlns:pvml="urn:schemas-microsoft-com:office:powerpoint" xmlns:com="http://schemas.openxmlformats.org/drawingml/2006/compatibility" xmlns:p14="http://schemas.microsoft.com/office/powerpoint/2010/main" xmlns:p15="http://schemas.microsoft.com/office/powerpoint/2012/main">
+<p:sldMaster xmlns:a="http://schemas.openxmlformats.org/drawingml/2006/main" xmlns:r="http://schemas.openxmlformats.org/officeDocument/2006/relationships" xmlns:p="http://schemas.openxmlformats.org/presentationml/2006/main">
   <p:cSld name="simple-light-2">
     <p:bg>
       <p:bgPr>
         <a:solidFill>
           <a:schemeClr val="lt1"/>
         </a:solidFill>
+        <a:effectLst/>
       </p:bgPr>
     </p:bg>
     <p:spTree>
       <p:nvGrpSpPr>
-        <p:cNvPr id="5" name="Shape 5"/>
+        <p:cNvPr id="1" name="Shape 5"/>
         <p:cNvGrpSpPr/>
         <p:nvPr/>
       </p:nvGrpSpPr>
@@ -5684,7 +5892,9 @@
       <p:sp>
         <p:nvSpPr>
           <p:cNvPr id="6" name="Shape 6"/>
-          <p:cNvSpPr txBox="1"/>
+          <p:cNvSpPr txBox="1">
+            <a:spLocks noGrp="1"/>
+          </p:cNvSpPr>
           <p:nvPr>
             <p:ph type="title"/>
           </p:nvPr>
@@ -5703,7 +5913,7 @@
           </a:ln>
         </p:spPr>
         <p:txBody>
-          <a:bodyPr anchorCtr="0" anchor="t" bIns="91425" lIns="91425" spcFirstLastPara="1" rIns="91425" wrap="square" tIns="91425"/>
+          <a:bodyPr spcFirstLastPara="1" wrap="square" lIns="91425" tIns="91425" rIns="91425" bIns="91425" anchor="t" anchorCtr="0"/>
           <a:lstStyle>
             <a:lvl1pPr lvl="0">
               <a:spcBef>
@@ -5868,15 +6078,19 @@
               </a:defRPr>
             </a:lvl9pPr>
           </a:lstStyle>
-          <a:p/>
+          <a:p>
+            <a:endParaRPr/>
+          </a:p>
         </p:txBody>
       </p:sp>
       <p:sp>
         <p:nvSpPr>
           <p:cNvPr id="7" name="Shape 7"/>
-          <p:cNvSpPr txBox="1"/>
+          <p:cNvSpPr txBox="1">
+            <a:spLocks noGrp="1"/>
+          </p:cNvSpPr>
           <p:nvPr>
-            <p:ph idx="1" type="body"/>
+            <p:ph type="body" idx="1"/>
           </p:nvPr>
         </p:nvSpPr>
         <p:spPr>
@@ -5893,9 +6107,9 @@
           </a:ln>
         </p:spPr>
         <p:txBody>
-          <a:bodyPr anchorCtr="0" anchor="t" bIns="91425" lIns="91425" spcFirstLastPara="1" rIns="91425" wrap="square" tIns="91425"/>
+          <a:bodyPr spcFirstLastPara="1" wrap="square" lIns="91425" tIns="91425" rIns="91425" bIns="91425" anchor="t" anchorCtr="0"/>
           <a:lstStyle>
-            <a:lvl1pPr indent="-342900" lvl="0" marL="457200">
+            <a:lvl1pPr marL="457200" lvl="0" indent="-342900">
               <a:lnSpc>
                 <a:spcPct val="115000"/>
               </a:lnSpc>
@@ -5916,7 +6130,7 @@
                 </a:solidFill>
               </a:defRPr>
             </a:lvl1pPr>
-            <a:lvl2pPr indent="-317500" lvl="1" marL="914400">
+            <a:lvl2pPr marL="914400" lvl="1" indent="-317500">
               <a:lnSpc>
                 <a:spcPct val="115000"/>
               </a:lnSpc>
@@ -5937,7 +6151,7 @@
                 </a:solidFill>
               </a:defRPr>
             </a:lvl2pPr>
-            <a:lvl3pPr indent="-317500" lvl="2" marL="1371600">
+            <a:lvl3pPr marL="1371600" lvl="2" indent="-317500">
               <a:lnSpc>
                 <a:spcPct val="115000"/>
               </a:lnSpc>
@@ -5958,7 +6172,7 @@
                 </a:solidFill>
               </a:defRPr>
             </a:lvl3pPr>
-            <a:lvl4pPr indent="-317500" lvl="3" marL="1828800">
+            <a:lvl4pPr marL="1828800" lvl="3" indent="-317500">
               <a:lnSpc>
                 <a:spcPct val="115000"/>
               </a:lnSpc>
@@ -5979,7 +6193,7 @@
                 </a:solidFill>
               </a:defRPr>
             </a:lvl4pPr>
-            <a:lvl5pPr indent="-317500" lvl="4" marL="2286000">
+            <a:lvl5pPr marL="2286000" lvl="4" indent="-317500">
               <a:lnSpc>
                 <a:spcPct val="115000"/>
               </a:lnSpc>
@@ -6000,7 +6214,7 @@
                 </a:solidFill>
               </a:defRPr>
             </a:lvl5pPr>
-            <a:lvl6pPr indent="-317500" lvl="5" marL="2743200">
+            <a:lvl6pPr marL="2743200" lvl="5" indent="-317500">
               <a:lnSpc>
                 <a:spcPct val="115000"/>
               </a:lnSpc>
@@ -6021,7 +6235,7 @@
                 </a:solidFill>
               </a:defRPr>
             </a:lvl6pPr>
-            <a:lvl7pPr indent="-317500" lvl="6" marL="3200400">
+            <a:lvl7pPr marL="3200400" lvl="6" indent="-317500">
               <a:lnSpc>
                 <a:spcPct val="115000"/>
               </a:lnSpc>
@@ -6042,7 +6256,7 @@
                 </a:solidFill>
               </a:defRPr>
             </a:lvl7pPr>
-            <a:lvl8pPr indent="-317500" lvl="7" marL="3657600">
+            <a:lvl8pPr marL="3657600" lvl="7" indent="-317500">
               <a:lnSpc>
                 <a:spcPct val="115000"/>
               </a:lnSpc>
@@ -6063,7 +6277,7 @@
                 </a:solidFill>
               </a:defRPr>
             </a:lvl8pPr>
-            <a:lvl9pPr indent="-317500" lvl="8" marL="4114800">
+            <a:lvl9pPr marL="4114800" lvl="8" indent="-317500">
               <a:lnSpc>
                 <a:spcPct val="115000"/>
               </a:lnSpc>
@@ -6085,15 +6299,19 @@
               </a:defRPr>
             </a:lvl9pPr>
           </a:lstStyle>
-          <a:p/>
+          <a:p>
+            <a:endParaRPr/>
+          </a:p>
         </p:txBody>
       </p:sp>
       <p:sp>
         <p:nvSpPr>
           <p:cNvPr id="8" name="Shape 8"/>
-          <p:cNvSpPr txBox="1"/>
+          <p:cNvSpPr txBox="1">
+            <a:spLocks noGrp="1"/>
+          </p:cNvSpPr>
           <p:nvPr>
-            <p:ph idx="12" type="sldNum"/>
+            <p:ph type="sldNum" idx="12"/>
           </p:nvPr>
         </p:nvSpPr>
         <p:spPr>
@@ -6110,7 +6328,7 @@
           </a:ln>
         </p:spPr>
         <p:txBody>
-          <a:bodyPr anchorCtr="0" anchor="ctr" bIns="91425" lIns="91425" spcFirstLastPara="1" rIns="91425" wrap="square" tIns="91425">
+          <a:bodyPr spcFirstLastPara="1" wrap="square" lIns="91425" tIns="91425" rIns="91425" bIns="91425" anchor="ctr" anchorCtr="0">
             <a:noAutofit/>
           </a:bodyPr>
           <a:lstStyle>
@@ -6188,7 +6406,7 @@
             </a:lvl9pPr>
           </a:lstStyle>
           <a:p>
-            <a:pPr indent="0" lvl="0" marL="0">
+            <a:pPr marL="0" lvl="0" indent="0">
               <a:spcBef>
                 <a:spcPts val="0"/>
               </a:spcBef>
@@ -6207,7 +6425,7 @@
       </p:sp>
     </p:spTree>
   </p:cSld>
-  <p:clrMap accent1="accent1" accent2="accent2" accent3="accent3" accent4="accent4" accent5="accent5" accent6="accent6" bg1="lt1" bg2="dk2" tx1="dk1" tx2="lt2" folHlink="folHlink" hlink="hlink"/>
+  <p:clrMap bg1="lt1" tx1="dk1" bg2="dk2" tx2="lt2" accent1="accent1" accent2="accent2" accent3="accent3" accent4="accent4" accent5="accent5" accent6="accent6" hlink="hlink" folHlink="folHlink"/>
   <p:sldLayoutIdLst>
     <p:sldLayoutId id="2147483648" r:id="rId1"/>
     <p:sldLayoutId id="2147483649" r:id="rId2"/>
@@ -6221,10 +6439,10 @@
     <p:sldLayoutId id="2147483657" r:id="rId10"/>
     <p:sldLayoutId id="2147483658" r:id="rId11"/>
   </p:sldLayoutIdLst>
-  <p:hf dt="0" ftr="0" hdr="0" sldNum="0"/>
+  <p:hf sldNum="0" hdr="0" ftr="0" dt="0"/>
   <p:txStyles>
     <p:titleStyle>
-      <a:defPPr lvl="0" marR="0" rtl="0" algn="l">
+      <a:defPPr marR="0" lvl="0" algn="l" rtl="0">
         <a:lnSpc>
           <a:spcPct val="100000"/>
         </a:lnSpc>
@@ -6235,7 +6453,7 @@
           <a:spcPts val="0"/>
         </a:spcAft>
       </a:defPPr>
-      <a:lvl1pPr lvl="0" marR="0" rtl="0" algn="l">
+      <a:lvl1pPr marR="0" lvl="0" algn="l" rtl="0">
         <a:lnSpc>
           <a:spcPct val="100000"/>
         </a:lnSpc>
@@ -6249,7 +6467,7 @@
           <a:srgbClr val="000000"/>
         </a:buClr>
         <a:buFont typeface="Arial"/>
-        <a:defRPr b="0" i="0" sz="1400" u="none" cap="none" strike="noStrike">
+        <a:defRPr sz="1400" b="0" i="0" u="none" strike="noStrike" cap="none">
           <a:solidFill>
             <a:srgbClr val="000000"/>
           </a:solidFill>
@@ -6259,7 +6477,7 @@
           <a:sym typeface="Arial"/>
         </a:defRPr>
       </a:lvl1pPr>
-      <a:lvl2pPr lvl="1" marR="0" rtl="0" algn="l">
+      <a:lvl2pPr marR="0" lvl="1" algn="l" rtl="0">
         <a:lnSpc>
           <a:spcPct val="100000"/>
         </a:lnSpc>
@@ -6273,7 +6491,7 @@
           <a:srgbClr val="000000"/>
         </a:buClr>
         <a:buFont typeface="Arial"/>
-        <a:defRPr b="0" i="0" sz="1400" u="none" cap="none" strike="noStrike">
+        <a:defRPr sz="1400" b="0" i="0" u="none" strike="noStrike" cap="none">
           <a:solidFill>
             <a:srgbClr val="000000"/>
           </a:solidFill>
@@ -6283,7 +6501,7 @@
           <a:sym typeface="Arial"/>
         </a:defRPr>
       </a:lvl2pPr>
-      <a:lvl3pPr lvl="2" marR="0" rtl="0" algn="l">
+      <a:lvl3pPr marR="0" lvl="2" algn="l" rtl="0">
         <a:lnSpc>
           <a:spcPct val="100000"/>
         </a:lnSpc>
@@ -6297,7 +6515,7 @@
           <a:srgbClr val="000000"/>
         </a:buClr>
         <a:buFont typeface="Arial"/>
-        <a:defRPr b="0" i="0" sz="1400" u="none" cap="none" strike="noStrike">
+        <a:defRPr sz="1400" b="0" i="0" u="none" strike="noStrike" cap="none">
           <a:solidFill>
             <a:srgbClr val="000000"/>
           </a:solidFill>
@@ -6307,7 +6525,7 @@
           <a:sym typeface="Arial"/>
         </a:defRPr>
       </a:lvl3pPr>
-      <a:lvl4pPr lvl="3" marR="0" rtl="0" algn="l">
+      <a:lvl4pPr marR="0" lvl="3" algn="l" rtl="0">
         <a:lnSpc>
           <a:spcPct val="100000"/>
         </a:lnSpc>
@@ -6321,7 +6539,7 @@
           <a:srgbClr val="000000"/>
         </a:buClr>
         <a:buFont typeface="Arial"/>
-        <a:defRPr b="0" i="0" sz="1400" u="none" cap="none" strike="noStrike">
+        <a:defRPr sz="1400" b="0" i="0" u="none" strike="noStrike" cap="none">
           <a:solidFill>
             <a:srgbClr val="000000"/>
           </a:solidFill>
@@ -6331,7 +6549,7 @@
           <a:sym typeface="Arial"/>
         </a:defRPr>
       </a:lvl4pPr>
-      <a:lvl5pPr lvl="4" marR="0" rtl="0" algn="l">
+      <a:lvl5pPr marR="0" lvl="4" algn="l" rtl="0">
         <a:lnSpc>
           <a:spcPct val="100000"/>
         </a:lnSpc>
@@ -6345,7 +6563,7 @@
           <a:srgbClr val="000000"/>
         </a:buClr>
         <a:buFont typeface="Arial"/>
-        <a:defRPr b="0" i="0" sz="1400" u="none" cap="none" strike="noStrike">
+        <a:defRPr sz="1400" b="0" i="0" u="none" strike="noStrike" cap="none">
           <a:solidFill>
             <a:srgbClr val="000000"/>
           </a:solidFill>
@@ -6355,7 +6573,7 @@
           <a:sym typeface="Arial"/>
         </a:defRPr>
       </a:lvl5pPr>
-      <a:lvl6pPr lvl="5" marR="0" rtl="0" algn="l">
+      <a:lvl6pPr marR="0" lvl="5" algn="l" rtl="0">
         <a:lnSpc>
           <a:spcPct val="100000"/>
         </a:lnSpc>
@@ -6369,7 +6587,7 @@
           <a:srgbClr val="000000"/>
         </a:buClr>
         <a:buFont typeface="Arial"/>
-        <a:defRPr b="0" i="0" sz="1400" u="none" cap="none" strike="noStrike">
+        <a:defRPr sz="1400" b="0" i="0" u="none" strike="noStrike" cap="none">
           <a:solidFill>
             <a:srgbClr val="000000"/>
           </a:solidFill>
@@ -6379,7 +6597,7 @@
           <a:sym typeface="Arial"/>
         </a:defRPr>
       </a:lvl6pPr>
-      <a:lvl7pPr lvl="6" marR="0" rtl="0" algn="l">
+      <a:lvl7pPr marR="0" lvl="6" algn="l" rtl="0">
         <a:lnSpc>
           <a:spcPct val="100000"/>
         </a:lnSpc>
@@ -6393,7 +6611,7 @@
           <a:srgbClr val="000000"/>
         </a:buClr>
         <a:buFont typeface="Arial"/>
-        <a:defRPr b="0" i="0" sz="1400" u="none" cap="none" strike="noStrike">
+        <a:defRPr sz="1400" b="0" i="0" u="none" strike="noStrike" cap="none">
           <a:solidFill>
             <a:srgbClr val="000000"/>
           </a:solidFill>
@@ -6403,7 +6621,7 @@
           <a:sym typeface="Arial"/>
         </a:defRPr>
       </a:lvl7pPr>
-      <a:lvl8pPr lvl="7" marR="0" rtl="0" algn="l">
+      <a:lvl8pPr marR="0" lvl="7" algn="l" rtl="0">
         <a:lnSpc>
           <a:spcPct val="100000"/>
         </a:lnSpc>
@@ -6417,7 +6635,7 @@
           <a:srgbClr val="000000"/>
         </a:buClr>
         <a:buFont typeface="Arial"/>
-        <a:defRPr b="0" i="0" sz="1400" u="none" cap="none" strike="noStrike">
+        <a:defRPr sz="1400" b="0" i="0" u="none" strike="noStrike" cap="none">
           <a:solidFill>
             <a:srgbClr val="000000"/>
           </a:solidFill>
@@ -6427,7 +6645,7 @@
           <a:sym typeface="Arial"/>
         </a:defRPr>
       </a:lvl8pPr>
-      <a:lvl9pPr lvl="8" marR="0" rtl="0" algn="l">
+      <a:lvl9pPr marR="0" lvl="8" algn="l" rtl="0">
         <a:lnSpc>
           <a:spcPct val="100000"/>
         </a:lnSpc>
@@ -6441,7 +6659,7 @@
           <a:srgbClr val="000000"/>
         </a:buClr>
         <a:buFont typeface="Arial"/>
-        <a:defRPr b="0" i="0" sz="1400" u="none" cap="none" strike="noStrike">
+        <a:defRPr sz="1400" b="0" i="0" u="none" strike="noStrike" cap="none">
           <a:solidFill>
             <a:srgbClr val="000000"/>
           </a:solidFill>
@@ -6453,7 +6671,7 @@
       </a:lvl9pPr>
     </p:titleStyle>
     <p:bodyStyle>
-      <a:defPPr lvl="0" marR="0" rtl="0" algn="l">
+      <a:defPPr marR="0" lvl="0" algn="l" rtl="0">
         <a:lnSpc>
           <a:spcPct val="100000"/>
         </a:lnSpc>
@@ -6464,7 +6682,7 @@
           <a:spcPts val="0"/>
         </a:spcAft>
       </a:defPPr>
-      <a:lvl1pPr lvl="0" marR="0" rtl="0" algn="l">
+      <a:lvl1pPr marR="0" lvl="0" algn="l" rtl="0">
         <a:lnSpc>
           <a:spcPct val="100000"/>
         </a:lnSpc>
@@ -6478,7 +6696,7 @@
           <a:srgbClr val="000000"/>
         </a:buClr>
         <a:buFont typeface="Arial"/>
-        <a:defRPr b="0" i="0" sz="1400" u="none" cap="none" strike="noStrike">
+        <a:defRPr sz="1400" b="0" i="0" u="none" strike="noStrike" cap="none">
           <a:solidFill>
             <a:srgbClr val="000000"/>
           </a:solidFill>
@@ -6488,7 +6706,7 @@
           <a:sym typeface="Arial"/>
         </a:defRPr>
       </a:lvl1pPr>
-      <a:lvl2pPr lvl="1" marR="0" rtl="0" algn="l">
+      <a:lvl2pPr marR="0" lvl="1" algn="l" rtl="0">
         <a:lnSpc>
           <a:spcPct val="100000"/>
         </a:lnSpc>
@@ -6502,7 +6720,7 @@
           <a:srgbClr val="000000"/>
         </a:buClr>
         <a:buFont typeface="Arial"/>
-        <a:defRPr b="0" i="0" sz="1400" u="none" cap="none" strike="noStrike">
+        <a:defRPr sz="1400" b="0" i="0" u="none" strike="noStrike" cap="none">
           <a:solidFill>
             <a:srgbClr val="000000"/>
           </a:solidFill>
@@ -6512,7 +6730,7 @@
           <a:sym typeface="Arial"/>
         </a:defRPr>
       </a:lvl2pPr>
-      <a:lvl3pPr lvl="2" marR="0" rtl="0" algn="l">
+      <a:lvl3pPr marR="0" lvl="2" algn="l" rtl="0">
         <a:lnSpc>
           <a:spcPct val="100000"/>
         </a:lnSpc>
@@ -6526,7 +6744,7 @@
           <a:srgbClr val="000000"/>
         </a:buClr>
         <a:buFont typeface="Arial"/>
-        <a:defRPr b="0" i="0" sz="1400" u="none" cap="none" strike="noStrike">
+        <a:defRPr sz="1400" b="0" i="0" u="none" strike="noStrike" cap="none">
           <a:solidFill>
             <a:srgbClr val="000000"/>
           </a:solidFill>
@@ -6536,7 +6754,7 @@
           <a:sym typeface="Arial"/>
         </a:defRPr>
       </a:lvl3pPr>
-      <a:lvl4pPr lvl="3" marR="0" rtl="0" algn="l">
+      <a:lvl4pPr marR="0" lvl="3" algn="l" rtl="0">
         <a:lnSpc>
           <a:spcPct val="100000"/>
         </a:lnSpc>
@@ -6550,7 +6768,7 @@
           <a:srgbClr val="000000"/>
         </a:buClr>
         <a:buFont typeface="Arial"/>
-        <a:defRPr b="0" i="0" sz="1400" u="none" cap="none" strike="noStrike">
+        <a:defRPr sz="1400" b="0" i="0" u="none" strike="noStrike" cap="none">
           <a:solidFill>
             <a:srgbClr val="000000"/>
           </a:solidFill>
@@ -6560,7 +6778,7 @@
           <a:sym typeface="Arial"/>
         </a:defRPr>
       </a:lvl4pPr>
-      <a:lvl5pPr lvl="4" marR="0" rtl="0" algn="l">
+      <a:lvl5pPr marR="0" lvl="4" algn="l" rtl="0">
         <a:lnSpc>
           <a:spcPct val="100000"/>
         </a:lnSpc>
@@ -6574,7 +6792,7 @@
           <a:srgbClr val="000000"/>
         </a:buClr>
         <a:buFont typeface="Arial"/>
-        <a:defRPr b="0" i="0" sz="1400" u="none" cap="none" strike="noStrike">
+        <a:defRPr sz="1400" b="0" i="0" u="none" strike="noStrike" cap="none">
           <a:solidFill>
             <a:srgbClr val="000000"/>
           </a:solidFill>
@@ -6584,7 +6802,7 @@
           <a:sym typeface="Arial"/>
         </a:defRPr>
       </a:lvl5pPr>
-      <a:lvl6pPr lvl="5" marR="0" rtl="0" algn="l">
+      <a:lvl6pPr marR="0" lvl="5" algn="l" rtl="0">
         <a:lnSpc>
           <a:spcPct val="100000"/>
         </a:lnSpc>
@@ -6598,7 +6816,7 @@
           <a:srgbClr val="000000"/>
         </a:buClr>
         <a:buFont typeface="Arial"/>
-        <a:defRPr b="0" i="0" sz="1400" u="none" cap="none" strike="noStrike">
+        <a:defRPr sz="1400" b="0" i="0" u="none" strike="noStrike" cap="none">
           <a:solidFill>
             <a:srgbClr val="000000"/>
           </a:solidFill>
@@ -6608,7 +6826,7 @@
           <a:sym typeface="Arial"/>
         </a:defRPr>
       </a:lvl6pPr>
-      <a:lvl7pPr lvl="6" marR="0" rtl="0" algn="l">
+      <a:lvl7pPr marR="0" lvl="6" algn="l" rtl="0">
         <a:lnSpc>
           <a:spcPct val="100000"/>
         </a:lnSpc>
@@ -6622,7 +6840,7 @@
           <a:srgbClr val="000000"/>
         </a:buClr>
         <a:buFont typeface="Arial"/>
-        <a:defRPr b="0" i="0" sz="1400" u="none" cap="none" strike="noStrike">
+        <a:defRPr sz="1400" b="0" i="0" u="none" strike="noStrike" cap="none">
           <a:solidFill>
             <a:srgbClr val="000000"/>
           </a:solidFill>
@@ -6632,7 +6850,7 @@
           <a:sym typeface="Arial"/>
         </a:defRPr>
       </a:lvl7pPr>
-      <a:lvl8pPr lvl="7" marR="0" rtl="0" algn="l">
+      <a:lvl8pPr marR="0" lvl="7" algn="l" rtl="0">
         <a:lnSpc>
           <a:spcPct val="100000"/>
         </a:lnSpc>
@@ -6646,7 +6864,7 @@
           <a:srgbClr val="000000"/>
         </a:buClr>
         <a:buFont typeface="Arial"/>
-        <a:defRPr b="0" i="0" sz="1400" u="none" cap="none" strike="noStrike">
+        <a:defRPr sz="1400" b="0" i="0" u="none" strike="noStrike" cap="none">
           <a:solidFill>
             <a:srgbClr val="000000"/>
           </a:solidFill>
@@ -6656,7 +6874,7 @@
           <a:sym typeface="Arial"/>
         </a:defRPr>
       </a:lvl8pPr>
-      <a:lvl9pPr lvl="8" marR="0" rtl="0" algn="l">
+      <a:lvl9pPr marR="0" lvl="8" algn="l" rtl="0">
         <a:lnSpc>
           <a:spcPct val="100000"/>
         </a:lnSpc>
@@ -6670,7 +6888,7 @@
           <a:srgbClr val="000000"/>
         </a:buClr>
         <a:buFont typeface="Arial"/>
-        <a:defRPr b="0" i="0" sz="1400" u="none" cap="none" strike="noStrike">
+        <a:defRPr sz="1400" b="0" i="0" u="none" strike="noStrike" cap="none">
           <a:solidFill>
             <a:srgbClr val="000000"/>
           </a:solidFill>
@@ -6682,7 +6900,7 @@
       </a:lvl9pPr>
     </p:bodyStyle>
     <p:otherStyle>
-      <a:defPPr lvl="0" marR="0" rtl="0" algn="l">
+      <a:defPPr marR="0" lvl="0" algn="l" rtl="0">
         <a:lnSpc>
           <a:spcPct val="100000"/>
         </a:lnSpc>
@@ -6693,7 +6911,7 @@
           <a:spcPts val="0"/>
         </a:spcAft>
       </a:defPPr>
-      <a:lvl1pPr lvl="0" marR="0" rtl="0" algn="l">
+      <a:lvl1pPr marR="0" lvl="0" algn="l" rtl="0">
         <a:lnSpc>
           <a:spcPct val="100000"/>
         </a:lnSpc>
@@ -6707,7 +6925,7 @@
           <a:srgbClr val="000000"/>
         </a:buClr>
         <a:buFont typeface="Arial"/>
-        <a:defRPr b="0" i="0" sz="1400" u="none" cap="none" strike="noStrike">
+        <a:defRPr sz="1400" b="0" i="0" u="none" strike="noStrike" cap="none">
           <a:solidFill>
             <a:srgbClr val="000000"/>
           </a:solidFill>
@@ -6717,7 +6935,7 @@
           <a:sym typeface="Arial"/>
         </a:defRPr>
       </a:lvl1pPr>
-      <a:lvl2pPr lvl="1" marR="0" rtl="0" algn="l">
+      <a:lvl2pPr marR="0" lvl="1" algn="l" rtl="0">
         <a:lnSpc>
           <a:spcPct val="100000"/>
         </a:lnSpc>
@@ -6731,7 +6949,7 @@
           <a:srgbClr val="000000"/>
         </a:buClr>
         <a:buFont typeface="Arial"/>
-        <a:defRPr b="0" i="0" sz="1400" u="none" cap="none" strike="noStrike">
+        <a:defRPr sz="1400" b="0" i="0" u="none" strike="noStrike" cap="none">
           <a:solidFill>
             <a:srgbClr val="000000"/>
           </a:solidFill>
@@ -6741,7 +6959,7 @@
           <a:sym typeface="Arial"/>
         </a:defRPr>
       </a:lvl2pPr>
-      <a:lvl3pPr lvl="2" marR="0" rtl="0" algn="l">
+      <a:lvl3pPr marR="0" lvl="2" algn="l" rtl="0">
         <a:lnSpc>
           <a:spcPct val="100000"/>
         </a:lnSpc>
@@ -6755,7 +6973,7 @@
           <a:srgbClr val="000000"/>
         </a:buClr>
         <a:buFont typeface="Arial"/>
-        <a:defRPr b="0" i="0" sz="1400" u="none" cap="none" strike="noStrike">
+        <a:defRPr sz="1400" b="0" i="0" u="none" strike="noStrike" cap="none">
           <a:solidFill>
             <a:srgbClr val="000000"/>
           </a:solidFill>
@@ -6765,7 +6983,7 @@
           <a:sym typeface="Arial"/>
         </a:defRPr>
       </a:lvl3pPr>
-      <a:lvl4pPr lvl="3" marR="0" rtl="0" algn="l">
+      <a:lvl4pPr marR="0" lvl="3" algn="l" rtl="0">
         <a:lnSpc>
           <a:spcPct val="100000"/>
         </a:lnSpc>
@@ -6779,7 +6997,7 @@
           <a:srgbClr val="000000"/>
         </a:buClr>
         <a:buFont typeface="Arial"/>
-        <a:defRPr b="0" i="0" sz="1400" u="none" cap="none" strike="noStrike">
+        <a:defRPr sz="1400" b="0" i="0" u="none" strike="noStrike" cap="none">
           <a:solidFill>
             <a:srgbClr val="000000"/>
           </a:solidFill>
@@ -6789,7 +7007,7 @@
           <a:sym typeface="Arial"/>
         </a:defRPr>
       </a:lvl4pPr>
-      <a:lvl5pPr lvl="4" marR="0" rtl="0" algn="l">
+      <a:lvl5pPr marR="0" lvl="4" algn="l" rtl="0">
         <a:lnSpc>
           <a:spcPct val="100000"/>
         </a:lnSpc>
@@ -6803,7 +7021,7 @@
           <a:srgbClr val="000000"/>
         </a:buClr>
         <a:buFont typeface="Arial"/>
-        <a:defRPr b="0" i="0" sz="1400" u="none" cap="none" strike="noStrike">
+        <a:defRPr sz="1400" b="0" i="0" u="none" strike="noStrike" cap="none">
           <a:solidFill>
             <a:srgbClr val="000000"/>
           </a:solidFill>
@@ -6813,7 +7031,7 @@
           <a:sym typeface="Arial"/>
         </a:defRPr>
       </a:lvl5pPr>
-      <a:lvl6pPr lvl="5" marR="0" rtl="0" algn="l">
+      <a:lvl6pPr marR="0" lvl="5" algn="l" rtl="0">
         <a:lnSpc>
           <a:spcPct val="100000"/>
         </a:lnSpc>
@@ -6827,7 +7045,7 @@
           <a:srgbClr val="000000"/>
         </a:buClr>
         <a:buFont typeface="Arial"/>
-        <a:defRPr b="0" i="0" sz="1400" u="none" cap="none" strike="noStrike">
+        <a:defRPr sz="1400" b="0" i="0" u="none" strike="noStrike" cap="none">
           <a:solidFill>
             <a:srgbClr val="000000"/>
           </a:solidFill>
@@ -6837,7 +7055,7 @@
           <a:sym typeface="Arial"/>
         </a:defRPr>
       </a:lvl6pPr>
-      <a:lvl7pPr lvl="6" marR="0" rtl="0" algn="l">
+      <a:lvl7pPr marR="0" lvl="6" algn="l" rtl="0">
         <a:lnSpc>
           <a:spcPct val="100000"/>
         </a:lnSpc>
@@ -6851,7 +7069,7 @@
           <a:srgbClr val="000000"/>
         </a:buClr>
         <a:buFont typeface="Arial"/>
-        <a:defRPr b="0" i="0" sz="1400" u="none" cap="none" strike="noStrike">
+        <a:defRPr sz="1400" b="0" i="0" u="none" strike="noStrike" cap="none">
           <a:solidFill>
             <a:srgbClr val="000000"/>
           </a:solidFill>
@@ -6861,7 +7079,7 @@
           <a:sym typeface="Arial"/>
         </a:defRPr>
       </a:lvl7pPr>
-      <a:lvl8pPr lvl="7" marR="0" rtl="0" algn="l">
+      <a:lvl8pPr marR="0" lvl="7" algn="l" rtl="0">
         <a:lnSpc>
           <a:spcPct val="100000"/>
         </a:lnSpc>
@@ -6875,7 +7093,7 @@
           <a:srgbClr val="000000"/>
         </a:buClr>
         <a:buFont typeface="Arial"/>
-        <a:defRPr b="0" i="0" sz="1400" u="none" cap="none" strike="noStrike">
+        <a:defRPr sz="1400" b="0" i="0" u="none" strike="noStrike" cap="none">
           <a:solidFill>
             <a:srgbClr val="000000"/>
           </a:solidFill>
@@ -6885,7 +7103,7 @@
           <a:sym typeface="Arial"/>
         </a:defRPr>
       </a:lvl8pPr>
-      <a:lvl9pPr lvl="8" marR="0" rtl="0" algn="l">
+      <a:lvl9pPr marR="0" lvl="8" algn="l" rtl="0">
         <a:lnSpc>
           <a:spcPct val="100000"/>
         </a:lnSpc>
@@ -6899,7 +7117,7 @@
           <a:srgbClr val="000000"/>
         </a:buClr>
         <a:buFont typeface="Arial"/>
-        <a:defRPr b="0" i="0" sz="1400" u="none" cap="none" strike="noStrike">
+        <a:defRPr sz="1400" b="0" i="0" u="none" strike="noStrike" cap="none">
           <a:solidFill>
             <a:srgbClr val="000000"/>
           </a:solidFill>
@@ -6915,11 +7133,11 @@
 </file>
 
 <file path=ppt/slides/slide1.xml><?xml version="1.0" encoding="utf-8"?>
-<p:sld xmlns:a="http://schemas.openxmlformats.org/drawingml/2006/main" xmlns:r="http://schemas.openxmlformats.org/officeDocument/2006/relationships" xmlns:mc="http://schemas.openxmlformats.org/markup-compatibility/2006" xmlns:mv="urn:schemas-microsoft-com:mac:vml" xmlns:p="http://schemas.openxmlformats.org/presentationml/2006/main" xmlns:c="http://schemas.openxmlformats.org/drawingml/2006/chart" xmlns:dgm="http://schemas.openxmlformats.org/drawingml/2006/diagram" xmlns:o="urn:schemas-microsoft-com:office:office" xmlns:v="urn:schemas-microsoft-com:vml" xmlns:pvml="urn:schemas-microsoft-com:office:powerpoint" xmlns:com="http://schemas.openxmlformats.org/drawingml/2006/compatibility" xmlns:p14="http://schemas.microsoft.com/office/powerpoint/2010/main" xmlns:p15="http://schemas.microsoft.com/office/powerpoint/2012/main">
+<p:sld xmlns:a="http://schemas.openxmlformats.org/drawingml/2006/main" xmlns:r="http://schemas.openxmlformats.org/officeDocument/2006/relationships" xmlns:p="http://schemas.openxmlformats.org/presentationml/2006/main">
   <p:cSld>
     <p:spTree>
       <p:nvGrpSpPr>
-        <p:cNvPr id="53" name="Shape 53"/>
+        <p:cNvPr id="1" name="Shape 53"/>
         <p:cNvGrpSpPr/>
         <p:nvPr/>
       </p:nvGrpSpPr>
@@ -6934,7 +7152,9 @@
       <p:sp>
         <p:nvSpPr>
           <p:cNvPr id="54" name="Shape 54"/>
-          <p:cNvSpPr txBox="1"/>
+          <p:cNvSpPr txBox="1">
+            <a:spLocks noGrp="1"/>
+          </p:cNvSpPr>
           <p:nvPr>
             <p:ph type="ctrTitle"/>
           </p:nvPr>
@@ -6949,12 +7169,12 @@
           </a:prstGeom>
         </p:spPr>
         <p:txBody>
-          <a:bodyPr anchorCtr="0" anchor="b" bIns="91425" lIns="91425" spcFirstLastPara="1" rIns="91425" wrap="square" tIns="91425">
+          <a:bodyPr spcFirstLastPara="1" wrap="square" lIns="91425" tIns="91425" rIns="91425" bIns="91425" anchor="b" anchorCtr="0">
             <a:noAutofit/>
           </a:bodyPr>
           <a:lstStyle/>
           <a:p>
-            <a:pPr indent="0" lvl="0" marL="0">
+            <a:pPr marL="0" lvl="0" indent="0">
               <a:spcBef>
                 <a:spcPts val="0"/>
               </a:spcBef>
@@ -6964,13 +7184,13 @@
               <a:buNone/>
             </a:pPr>
             <a:r>
-              <a:rPr b="1" lang="en" sz="3600" u="sng"/>
+              <a:rPr lang="en" sz="3600" b="1" u="sng"/>
               <a:t>Hands-On Reproducible Neuroimaging</a:t>
             </a:r>
-            <a:endParaRPr b="1" sz="3600" u="sng"/>
-          </a:p>
-          <a:p>
-            <a:pPr indent="0" lvl="0" marL="0">
+            <a:endParaRPr sz="3600" b="1" u="sng"/>
+          </a:p>
+          <a:p>
+            <a:pPr marL="0" lvl="0" indent="0">
               <a:spcBef>
                 <a:spcPts val="0"/>
               </a:spcBef>
@@ -6986,7 +7206,7 @@
             <a:endParaRPr sz="4000"/>
           </a:p>
           <a:p>
-            <a:pPr indent="0" lvl="0" marL="0">
+            <a:pPr marL="0" lvl="0" indent="0">
               <a:spcBef>
                 <a:spcPts val="0"/>
               </a:spcBef>
@@ -7002,7 +7222,7 @@
             <a:endParaRPr sz="4000"/>
           </a:p>
           <a:p>
-            <a:pPr indent="0" lvl="0" marL="0">
+            <a:pPr marL="0" lvl="0" indent="0">
               <a:spcBef>
                 <a:spcPts val="0"/>
               </a:spcBef>
@@ -7018,7 +7238,7 @@
             <a:endParaRPr sz="4000"/>
           </a:p>
           <a:p>
-            <a:pPr indent="0" lvl="0" marL="0">
+            <a:pPr marL="0" lvl="0" indent="0">
               <a:spcBef>
                 <a:spcPts val="0"/>
               </a:spcBef>
@@ -7034,7 +7254,7 @@
             <a:endParaRPr sz="4000"/>
           </a:p>
           <a:p>
-            <a:pPr indent="0" lvl="0" marL="0">
+            <a:pPr marL="0" lvl="0" indent="0">
               <a:spcBef>
                 <a:spcPts val="0"/>
               </a:spcBef>
@@ -7043,13 +7263,10 @@
               </a:spcAft>
               <a:buNone/>
             </a:pPr>
-            <a:r>
-              <a:t/>
-            </a:r>
             <a:endParaRPr sz="2400"/>
           </a:p>
           <a:p>
-            <a:pPr indent="0" lvl="0" marL="0">
+            <a:pPr marL="0" lvl="0" indent="0">
               <a:spcBef>
                 <a:spcPts val="0"/>
               </a:spcBef>
@@ -7065,7 +7282,7 @@
             <a:endParaRPr sz="2400"/>
           </a:p>
           <a:p>
-            <a:pPr indent="0" lvl="0" marL="0" rtl="0">
+            <a:pPr marL="0" lvl="0" indent="0" rtl="0">
               <a:spcBef>
                 <a:spcPts val="0"/>
               </a:spcBef>
@@ -7091,11 +7308,11 @@
 </file>
 
 <file path=ppt/slides/slide10.xml><?xml version="1.0" encoding="utf-8"?>
-<p:sld xmlns:a="http://schemas.openxmlformats.org/drawingml/2006/main" xmlns:r="http://schemas.openxmlformats.org/officeDocument/2006/relationships" xmlns:mc="http://schemas.openxmlformats.org/markup-compatibility/2006" xmlns:mv="urn:schemas-microsoft-com:mac:vml" xmlns:p="http://schemas.openxmlformats.org/presentationml/2006/main" xmlns:c="http://schemas.openxmlformats.org/drawingml/2006/chart" xmlns:dgm="http://schemas.openxmlformats.org/drawingml/2006/diagram" xmlns:o="urn:schemas-microsoft-com:office:office" xmlns:v="urn:schemas-microsoft-com:vml" xmlns:pvml="urn:schemas-microsoft-com:office:powerpoint" xmlns:com="http://schemas.openxmlformats.org/drawingml/2006/compatibility" xmlns:p14="http://schemas.microsoft.com/office/powerpoint/2010/main" xmlns:p15="http://schemas.microsoft.com/office/powerpoint/2012/main">
+<p:sld xmlns:a="http://schemas.openxmlformats.org/drawingml/2006/main" xmlns:r="http://schemas.openxmlformats.org/officeDocument/2006/relationships" xmlns:p="http://schemas.openxmlformats.org/presentationml/2006/main">
   <p:cSld>
     <p:spTree>
       <p:nvGrpSpPr>
-        <p:cNvPr id="117" name="Shape 117"/>
+        <p:cNvPr id="1" name="Shape 117"/>
         <p:cNvGrpSpPr/>
         <p:nvPr/>
       </p:nvGrpSpPr>
@@ -7110,7 +7327,9 @@
       <p:sp>
         <p:nvSpPr>
           <p:cNvPr id="118" name="Shape 118"/>
-          <p:cNvSpPr txBox="1"/>
+          <p:cNvSpPr txBox="1">
+            <a:spLocks noGrp="1"/>
+          </p:cNvSpPr>
           <p:nvPr>
             <p:ph type="title"/>
           </p:nvPr>
@@ -7125,12 +7344,12 @@
           </a:prstGeom>
         </p:spPr>
         <p:txBody>
-          <a:bodyPr anchorCtr="0" anchor="t" bIns="91425" lIns="91425" spcFirstLastPara="1" rIns="91425" wrap="square" tIns="91425">
+          <a:bodyPr spcFirstLastPara="1" wrap="square" lIns="91425" tIns="91425" rIns="91425" bIns="91425" anchor="t" anchorCtr="0">
             <a:noAutofit/>
           </a:bodyPr>
           <a:lstStyle/>
           <a:p>
-            <a:pPr indent="0" lvl="0" marL="0" rtl="0">
+            <a:pPr marL="0" lvl="0" indent="0" rtl="0">
               <a:spcBef>
                 <a:spcPts val="0"/>
               </a:spcBef>
@@ -7155,9 +7374,11 @@
       <p:sp>
         <p:nvSpPr>
           <p:cNvPr id="119" name="Shape 119"/>
-          <p:cNvSpPr txBox="1"/>
+          <p:cNvSpPr txBox="1">
+            <a:spLocks noGrp="1"/>
+          </p:cNvSpPr>
           <p:nvPr>
-            <p:ph idx="1" type="body"/>
+            <p:ph type="body" idx="1"/>
           </p:nvPr>
         </p:nvSpPr>
         <p:spPr>
@@ -7170,12 +7391,12 @@
           </a:prstGeom>
         </p:spPr>
         <p:txBody>
-          <a:bodyPr anchorCtr="0" anchor="t" bIns="91425" lIns="91425" spcFirstLastPara="1" rIns="91425" wrap="square" tIns="91425">
+          <a:bodyPr spcFirstLastPara="1" wrap="square" lIns="91425" tIns="91425" rIns="91425" bIns="91425" anchor="t" anchorCtr="0">
             <a:noAutofit/>
           </a:bodyPr>
           <a:lstStyle/>
           <a:p>
-            <a:pPr indent="0" lvl="0" marL="0" rtl="0">
+            <a:pPr marL="0" lvl="0" indent="0" rtl="0">
               <a:spcBef>
                 <a:spcPts val="0"/>
               </a:spcBef>
@@ -7184,9 +7405,6 @@
               </a:spcAft>
               <a:buNone/>
             </a:pPr>
-            <a:r>
-              <a:t/>
-            </a:r>
             <a:endParaRPr/>
           </a:p>
         </p:txBody>
@@ -7228,11 +7446,11 @@
 </file>
 
 <file path=ppt/slides/slide11.xml><?xml version="1.0" encoding="utf-8"?>
-<p:sld xmlns:a="http://schemas.openxmlformats.org/drawingml/2006/main" xmlns:r="http://schemas.openxmlformats.org/officeDocument/2006/relationships" xmlns:mc="http://schemas.openxmlformats.org/markup-compatibility/2006" xmlns:mv="urn:schemas-microsoft-com:mac:vml" xmlns:p="http://schemas.openxmlformats.org/presentationml/2006/main" xmlns:c="http://schemas.openxmlformats.org/drawingml/2006/chart" xmlns:dgm="http://schemas.openxmlformats.org/drawingml/2006/diagram" xmlns:o="urn:schemas-microsoft-com:office:office" xmlns:v="urn:schemas-microsoft-com:vml" xmlns:pvml="urn:schemas-microsoft-com:office:powerpoint" xmlns:com="http://schemas.openxmlformats.org/drawingml/2006/compatibility" xmlns:p14="http://schemas.microsoft.com/office/powerpoint/2010/main" xmlns:p15="http://schemas.microsoft.com/office/powerpoint/2012/main">
+<p:sld xmlns:a="http://schemas.openxmlformats.org/drawingml/2006/main" xmlns:r="http://schemas.openxmlformats.org/officeDocument/2006/relationships" xmlns:p="http://schemas.openxmlformats.org/presentationml/2006/main">
   <p:cSld>
     <p:spTree>
       <p:nvGrpSpPr>
-        <p:cNvPr id="124" name="Shape 124"/>
+        <p:cNvPr id="1" name="Shape 124"/>
         <p:cNvGrpSpPr/>
         <p:nvPr/>
       </p:nvGrpSpPr>
@@ -7251,8 +7469,13 @@
           <p:nvPr/>
         </p:nvPicPr>
         <p:blipFill>
-          <a:blip r:embed="rId3">
+          <a:blip r:embed="rId3" cstate="email">
             <a:alphaModFix/>
+            <a:extLst>
+              <a:ext uri="{28A0092B-C50C-407E-A947-70E740481C1C}">
+                <a14:useLocalDpi xmlns:a14="http://schemas.microsoft.com/office/drawing/2010/main"/>
+              </a:ext>
+            </a:extLst>
           </a:blip>
           <a:stretch>
             <a:fillRect/>
@@ -7275,7 +7498,9 @@
       <p:sp>
         <p:nvSpPr>
           <p:cNvPr id="126" name="Shape 126"/>
-          <p:cNvSpPr txBox="1"/>
+          <p:cNvSpPr txBox="1">
+            <a:spLocks noGrp="1"/>
+          </p:cNvSpPr>
           <p:nvPr>
             <p:ph type="title"/>
           </p:nvPr>
@@ -7290,12 +7515,12 @@
           </a:prstGeom>
         </p:spPr>
         <p:txBody>
-          <a:bodyPr anchorCtr="0" anchor="t" bIns="91425" lIns="91425" spcFirstLastPara="1" rIns="91425" wrap="square" tIns="91425">
+          <a:bodyPr spcFirstLastPara="1" wrap="square" lIns="91425" tIns="91425" rIns="91425" bIns="91425" anchor="t" anchorCtr="0">
             <a:noAutofit/>
           </a:bodyPr>
           <a:lstStyle/>
           <a:p>
-            <a:pPr indent="0" lvl="0" marL="0" rtl="0">
+            <a:pPr marL="0" lvl="0" indent="0" rtl="0">
               <a:spcBef>
                 <a:spcPts val="0"/>
               </a:spcBef>
@@ -7315,9 +7540,11 @@
       <p:sp>
         <p:nvSpPr>
           <p:cNvPr id="127" name="Shape 127"/>
-          <p:cNvSpPr txBox="1"/>
+          <p:cNvSpPr txBox="1">
+            <a:spLocks noGrp="1"/>
+          </p:cNvSpPr>
           <p:nvPr>
-            <p:ph idx="1" type="body"/>
+            <p:ph type="body" idx="1"/>
           </p:nvPr>
         </p:nvSpPr>
         <p:spPr>
@@ -7330,12 +7557,12 @@
           </a:prstGeom>
         </p:spPr>
         <p:txBody>
-          <a:bodyPr anchorCtr="0" anchor="t" bIns="91425" lIns="91425" spcFirstLastPara="1" rIns="91425" wrap="square" tIns="91425">
+          <a:bodyPr spcFirstLastPara="1" wrap="square" lIns="91425" tIns="91425" rIns="91425" bIns="91425" anchor="t" anchorCtr="0">
             <a:noAutofit/>
           </a:bodyPr>
           <a:lstStyle/>
           <a:p>
-            <a:pPr indent="-342900" lvl="0" marL="457200" rtl="0">
+            <a:pPr marL="457200" lvl="0" indent="-342900" rtl="0">
               <a:spcBef>
                 <a:spcPts val="0"/>
               </a:spcBef>
@@ -7360,8 +7587,13 @@
           <p:nvPr/>
         </p:nvPicPr>
         <p:blipFill>
-          <a:blip r:embed="rId4">
+          <a:blip r:embed="rId4" cstate="email">
             <a:alphaModFix/>
+            <a:extLst>
+              <a:ext uri="{28A0092B-C50C-407E-A947-70E740481C1C}">
+                <a14:useLocalDpi xmlns:a14="http://schemas.microsoft.com/office/drawing/2010/main"/>
+              </a:ext>
+            </a:extLst>
           </a:blip>
           <a:stretch>
             <a:fillRect/>
@@ -7384,9 +7616,11 @@
       <p:sp>
         <p:nvSpPr>
           <p:cNvPr id="129" name="Shape 129"/>
-          <p:cNvSpPr txBox="1"/>
+          <p:cNvSpPr txBox="1">
+            <a:spLocks noGrp="1"/>
+          </p:cNvSpPr>
           <p:nvPr>
-            <p:ph idx="1" type="body"/>
+            <p:ph type="body" idx="1"/>
           </p:nvPr>
         </p:nvSpPr>
         <p:spPr>
@@ -7399,12 +7633,12 @@
           </a:prstGeom>
         </p:spPr>
         <p:txBody>
-          <a:bodyPr anchorCtr="0" anchor="t" bIns="91425" lIns="91425" spcFirstLastPara="1" rIns="91425" wrap="square" tIns="91425">
+          <a:bodyPr spcFirstLastPara="1" wrap="square" lIns="91425" tIns="91425" rIns="91425" bIns="91425" anchor="t" anchorCtr="0">
             <a:noAutofit/>
           </a:bodyPr>
           <a:lstStyle/>
           <a:p>
-            <a:pPr indent="-342900" lvl="0" marL="457200" rtl="0">
+            <a:pPr marL="457200" lvl="0" indent="-342900" rtl="0">
               <a:spcBef>
                 <a:spcPts val="0"/>
               </a:spcBef>
@@ -7425,9 +7659,11 @@
       <p:sp>
         <p:nvSpPr>
           <p:cNvPr id="130" name="Shape 130"/>
-          <p:cNvSpPr txBox="1"/>
+          <p:cNvSpPr txBox="1">
+            <a:spLocks noGrp="1"/>
+          </p:cNvSpPr>
           <p:nvPr>
-            <p:ph idx="1" type="body"/>
+            <p:ph type="body" idx="1"/>
           </p:nvPr>
         </p:nvSpPr>
         <p:spPr>
@@ -7440,12 +7676,12 @@
           </a:prstGeom>
         </p:spPr>
         <p:txBody>
-          <a:bodyPr anchorCtr="0" anchor="t" bIns="91425" lIns="91425" spcFirstLastPara="1" rIns="91425" wrap="square" tIns="91425">
+          <a:bodyPr spcFirstLastPara="1" wrap="square" lIns="91425" tIns="91425" rIns="91425" bIns="91425" anchor="t" anchorCtr="0">
             <a:noAutofit/>
           </a:bodyPr>
           <a:lstStyle/>
           <a:p>
-            <a:pPr indent="-342900" lvl="0" marL="457200" rtl="0">
+            <a:pPr marL="457200" lvl="0" indent="-342900" rtl="0">
               <a:spcBef>
                 <a:spcPts val="0"/>
               </a:spcBef>
@@ -7470,8 +7706,13 @@
           <p:nvPr/>
         </p:nvPicPr>
         <p:blipFill>
-          <a:blip r:embed="rId5">
+          <a:blip r:embed="rId5" cstate="email">
             <a:alphaModFix/>
+            <a:extLst>
+              <a:ext uri="{28A0092B-C50C-407E-A947-70E740481C1C}">
+                <a14:useLocalDpi xmlns:a14="http://schemas.microsoft.com/office/drawing/2010/main"/>
+              </a:ext>
+            </a:extLst>
           </a:blip>
           <a:stretch>
             <a:fillRect/>
@@ -7499,32 +7740,32 @@
   <p:timing>
     <p:tnLst>
       <p:par>
-        <p:cTn dur="indefinite" nodeType="tmRoot" restart="never">
+        <p:cTn id="1" dur="indefinite" restart="never" nodeType="tmRoot">
           <p:childTnLst>
             <p:seq concurrent="1" nextAc="seek">
-              <p:cTn dur="indefinite" id="2" nodeType="mainSeq">
+              <p:cTn id="2" dur="indefinite" nodeType="mainSeq">
                 <p:childTnLst>
                   <p:par>
-                    <p:cTn fill="hold">
+                    <p:cTn id="3" fill="hold">
                       <p:stCondLst>
                         <p:cond delay="indefinite"/>
                       </p:stCondLst>
                       <p:childTnLst>
                         <p:par>
-                          <p:cTn fill="hold">
+                          <p:cTn id="4" fill="hold">
                             <p:stCondLst>
                               <p:cond delay="0"/>
                             </p:stCondLst>
                             <p:childTnLst>
                               <p:par>
-                                <p:cTn fill="hold" nodeType="clickEffect" presetClass="entr" presetID="10" presetSubtype="0">
+                                <p:cTn id="5" presetID="10" presetClass="entr" presetSubtype="0" fill="hold" nodeType="clickEffect">
                                   <p:stCondLst>
                                     <p:cond delay="0"/>
                                   </p:stCondLst>
                                   <p:childTnLst>
                                     <p:set>
                                       <p:cBhvr>
-                                        <p:cTn dur="1" fill="hold">
+                                        <p:cTn id="6" dur="1" fill="hold">
                                           <p:stCondLst>
                                             <p:cond delay="0"/>
                                           </p:stCondLst>
@@ -7540,9 +7781,9 @@
                                         <p:strVal val="visible"/>
                                       </p:to>
                                     </p:set>
-                                    <p:animEffect filter="fade" transition="in">
+                                    <p:animEffect transition="in" filter="fade">
                                       <p:cBhvr>
-                                        <p:cTn dur="1000"/>
+                                        <p:cTn id="7" dur="1000"/>
                                         <p:tgtEl>
                                           <p:spTgt spid="129"/>
                                         </p:tgtEl>
@@ -7558,26 +7799,26 @@
                     </p:cTn>
                   </p:par>
                   <p:par>
-                    <p:cTn fill="hold">
+                    <p:cTn id="8" fill="hold">
                       <p:stCondLst>
                         <p:cond delay="indefinite"/>
                       </p:stCondLst>
                       <p:childTnLst>
                         <p:par>
-                          <p:cTn fill="hold">
+                          <p:cTn id="9" fill="hold">
                             <p:stCondLst>
                               <p:cond delay="0"/>
                             </p:stCondLst>
                             <p:childTnLst>
                               <p:par>
-                                <p:cTn fill="hold" nodeType="clickEffect" presetClass="entr" presetID="10" presetSubtype="0">
+                                <p:cTn id="10" presetID="10" presetClass="entr" presetSubtype="0" fill="hold" nodeType="clickEffect">
                                   <p:stCondLst>
                                     <p:cond delay="0"/>
                                   </p:stCondLst>
                                   <p:childTnLst>
                                     <p:set>
                                       <p:cBhvr>
-                                        <p:cTn dur="1" fill="hold">
+                                        <p:cTn id="11" dur="1" fill="hold">
                                           <p:stCondLst>
                                             <p:cond delay="0"/>
                                           </p:stCondLst>
@@ -7593,9 +7834,9 @@
                                         <p:strVal val="visible"/>
                                       </p:to>
                                     </p:set>
-                                    <p:animEffect filter="fade" transition="in">
+                                    <p:animEffect transition="in" filter="fade">
                                       <p:cBhvr>
-                                        <p:cTn dur="1000"/>
+                                        <p:cTn id="12" dur="1000"/>
                                         <p:tgtEl>
                                           <p:spTgt spid="128"/>
                                         </p:tgtEl>
@@ -7611,26 +7852,26 @@
                     </p:cTn>
                   </p:par>
                   <p:par>
-                    <p:cTn fill="hold">
+                    <p:cTn id="13" fill="hold">
                       <p:stCondLst>
                         <p:cond delay="indefinite"/>
                       </p:stCondLst>
                       <p:childTnLst>
                         <p:par>
-                          <p:cTn fill="hold">
+                          <p:cTn id="14" fill="hold">
                             <p:stCondLst>
                               <p:cond delay="0"/>
                             </p:stCondLst>
                             <p:childTnLst>
                               <p:par>
-                                <p:cTn fill="hold" nodeType="clickEffect" presetClass="entr" presetID="10" presetSubtype="0">
+                                <p:cTn id="15" presetID="10" presetClass="entr" presetSubtype="0" fill="hold" nodeType="clickEffect">
                                   <p:stCondLst>
                                     <p:cond delay="0"/>
                                   </p:stCondLst>
                                   <p:childTnLst>
                                     <p:set>
                                       <p:cBhvr>
-                                        <p:cTn dur="1" fill="hold">
+                                        <p:cTn id="16" dur="1" fill="hold">
                                           <p:stCondLst>
                                             <p:cond delay="0"/>
                                           </p:stCondLst>
@@ -7646,9 +7887,9 @@
                                         <p:strVal val="visible"/>
                                       </p:to>
                                     </p:set>
-                                    <p:animEffect filter="fade" transition="in">
+                                    <p:animEffect transition="in" filter="fade">
                                       <p:cBhvr>
-                                        <p:cTn dur="1000"/>
+                                        <p:cTn id="17" dur="1000"/>
                                         <p:tgtEl>
                                           <p:spTgt spid="127"/>
                                         </p:tgtEl>
@@ -7664,26 +7905,26 @@
                     </p:cTn>
                   </p:par>
                   <p:par>
-                    <p:cTn fill="hold">
+                    <p:cTn id="18" fill="hold">
                       <p:stCondLst>
                         <p:cond delay="indefinite"/>
                       </p:stCondLst>
                       <p:childTnLst>
                         <p:par>
-                          <p:cTn fill="hold">
+                          <p:cTn id="19" fill="hold">
                             <p:stCondLst>
                               <p:cond delay="0"/>
                             </p:stCondLst>
                             <p:childTnLst>
                               <p:par>
-                                <p:cTn fill="hold" nodeType="clickEffect" presetClass="entr" presetID="10" presetSubtype="0">
+                                <p:cTn id="20" presetID="10" presetClass="entr" presetSubtype="0" fill="hold" nodeType="clickEffect">
                                   <p:stCondLst>
                                     <p:cond delay="0"/>
                                   </p:stCondLst>
                                   <p:childTnLst>
                                     <p:set>
                                       <p:cBhvr>
-                                        <p:cTn dur="1" fill="hold">
+                                        <p:cTn id="21" dur="1" fill="hold">
                                           <p:stCondLst>
                                             <p:cond delay="0"/>
                                           </p:stCondLst>
@@ -7699,9 +7940,9 @@
                                         <p:strVal val="visible"/>
                                       </p:to>
                                     </p:set>
-                                    <p:animEffect filter="fade" transition="in">
+                                    <p:animEffect transition="in" filter="fade">
                                       <p:cBhvr>
-                                        <p:cTn dur="1000"/>
+                                        <p:cTn id="22" dur="1000"/>
                                         <p:tgtEl>
                                           <p:spTgt spid="131"/>
                                         </p:tgtEl>
@@ -7717,26 +7958,26 @@
                     </p:cTn>
                   </p:par>
                   <p:par>
-                    <p:cTn fill="hold">
+                    <p:cTn id="23" fill="hold">
                       <p:stCondLst>
                         <p:cond delay="indefinite"/>
                       </p:stCondLst>
                       <p:childTnLst>
                         <p:par>
-                          <p:cTn fill="hold">
+                          <p:cTn id="24" fill="hold">
                             <p:stCondLst>
                               <p:cond delay="0"/>
                             </p:stCondLst>
                             <p:childTnLst>
                               <p:par>
-                                <p:cTn fill="hold" nodeType="clickEffect" presetClass="entr" presetID="10" presetSubtype="0">
+                                <p:cTn id="25" presetID="10" presetClass="entr" presetSubtype="0" fill="hold" nodeType="clickEffect">
                                   <p:stCondLst>
                                     <p:cond delay="0"/>
                                   </p:stCondLst>
                                   <p:childTnLst>
                                     <p:set>
                                       <p:cBhvr>
-                                        <p:cTn dur="1" fill="hold">
+                                        <p:cTn id="26" dur="1" fill="hold">
                                           <p:stCondLst>
                                             <p:cond delay="0"/>
                                           </p:stCondLst>
@@ -7752,9 +7993,9 @@
                                         <p:strVal val="visible"/>
                                       </p:to>
                                     </p:set>
-                                    <p:animEffect filter="fade" transition="in">
+                                    <p:animEffect transition="in" filter="fade">
                                       <p:cBhvr>
-                                        <p:cTn dur="1000"/>
+                                        <p:cTn id="27" dur="1000"/>
                                         <p:tgtEl>
                                           <p:spTgt spid="130"/>
                                         </p:tgtEl>
@@ -7770,26 +8011,26 @@
                     </p:cTn>
                   </p:par>
                   <p:par>
-                    <p:cTn fill="hold">
+                    <p:cTn id="28" fill="hold">
                       <p:stCondLst>
                         <p:cond delay="indefinite"/>
                       </p:stCondLst>
                       <p:childTnLst>
                         <p:par>
-                          <p:cTn fill="hold">
+                          <p:cTn id="29" fill="hold">
                             <p:stCondLst>
                               <p:cond delay="0"/>
                             </p:stCondLst>
                             <p:childTnLst>
                               <p:par>
-                                <p:cTn fill="hold" nodeType="clickEffect" presetClass="entr" presetID="10" presetSubtype="0">
+                                <p:cTn id="30" presetID="10" presetClass="entr" presetSubtype="0" fill="hold" nodeType="clickEffect">
                                   <p:stCondLst>
                                     <p:cond delay="0"/>
                                   </p:stCondLst>
                                   <p:childTnLst>
                                     <p:set>
                                       <p:cBhvr>
-                                        <p:cTn dur="1" fill="hold">
+                                        <p:cTn id="31" dur="1" fill="hold">
                                           <p:stCondLst>
                                             <p:cond delay="0"/>
                                           </p:stCondLst>
@@ -7805,9 +8046,9 @@
                                         <p:strVal val="visible"/>
                                       </p:to>
                                     </p:set>
-                                    <p:animEffect filter="fade" transition="in">
+                                    <p:animEffect transition="in" filter="fade">
                                       <p:cBhvr>
-                                        <p:cTn dur="1000"/>
+                                        <p:cTn id="32" dur="1000"/>
                                         <p:tgtEl>
                                           <p:spTgt spid="125"/>
                                         </p:tgtEl>
@@ -7825,14 +8066,14 @@
                 </p:childTnLst>
               </p:cTn>
               <p:prevCondLst>
-                <p:cond evt="onPrev">
+                <p:cond evt="onPrev" delay="0">
                   <p:tgtEl>
                     <p:sldTgt/>
                   </p:tgtEl>
                 </p:cond>
               </p:prevCondLst>
               <p:nextCondLst>
-                <p:cond evt="onNext">
+                <p:cond evt="onNext" delay="0">
                   <p:tgtEl>
                     <p:sldTgt/>
                   </p:tgtEl>
@@ -7848,11 +8089,11 @@
 </file>
 
 <file path=ppt/slides/slide12.xml><?xml version="1.0" encoding="utf-8"?>
-<p:sld xmlns:a="http://schemas.openxmlformats.org/drawingml/2006/main" xmlns:r="http://schemas.openxmlformats.org/officeDocument/2006/relationships" xmlns:mc="http://schemas.openxmlformats.org/markup-compatibility/2006" xmlns:mv="urn:schemas-microsoft-com:mac:vml" xmlns:p="http://schemas.openxmlformats.org/presentationml/2006/main" xmlns:c="http://schemas.openxmlformats.org/drawingml/2006/chart" xmlns:dgm="http://schemas.openxmlformats.org/drawingml/2006/diagram" xmlns:o="urn:schemas-microsoft-com:office:office" xmlns:v="urn:schemas-microsoft-com:vml" xmlns:pvml="urn:schemas-microsoft-com:office:powerpoint" xmlns:com="http://schemas.openxmlformats.org/drawingml/2006/compatibility" xmlns:p14="http://schemas.microsoft.com/office/powerpoint/2010/main" xmlns:p15="http://schemas.microsoft.com/office/powerpoint/2012/main">
+<p:sld xmlns:a="http://schemas.openxmlformats.org/drawingml/2006/main" xmlns:r="http://schemas.openxmlformats.org/officeDocument/2006/relationships" xmlns:p="http://schemas.openxmlformats.org/presentationml/2006/main">
   <p:cSld>
     <p:spTree>
       <p:nvGrpSpPr>
-        <p:cNvPr id="135" name="Shape 135"/>
+        <p:cNvPr id="1" name="Shape 135"/>
         <p:cNvGrpSpPr/>
         <p:nvPr/>
       </p:nvGrpSpPr>
@@ -7867,7 +8108,9 @@
       <p:sp>
         <p:nvSpPr>
           <p:cNvPr id="136" name="Shape 136"/>
-          <p:cNvSpPr txBox="1"/>
+          <p:cNvSpPr txBox="1">
+            <a:spLocks noGrp="1"/>
+          </p:cNvSpPr>
           <p:nvPr>
             <p:ph type="title"/>
           </p:nvPr>
@@ -7882,12 +8125,12 @@
           </a:prstGeom>
         </p:spPr>
         <p:txBody>
-          <a:bodyPr anchorCtr="0" anchor="t" bIns="91425" lIns="91425" spcFirstLastPara="1" rIns="91425" wrap="square" tIns="91425">
+          <a:bodyPr spcFirstLastPara="1" wrap="square" lIns="91425" tIns="91425" rIns="91425" bIns="91425" anchor="t" anchorCtr="0">
             <a:noAutofit/>
           </a:bodyPr>
           <a:lstStyle/>
           <a:p>
-            <a:pPr indent="0" lvl="0" marL="0" rtl="0">
+            <a:pPr marL="0" lvl="0" indent="0" rtl="0">
               <a:spcBef>
                 <a:spcPts val="0"/>
               </a:spcBef>
@@ -7897,7 +8140,7 @@
               <a:buNone/>
             </a:pPr>
             <a:r>
-              <a:rPr b="1" lang="en" sz="3200">
+              <a:rPr lang="en" sz="3200" b="1">
                 <a:latin typeface="Calibri"/>
                 <a:ea typeface="Calibri"/>
                 <a:cs typeface="Calibri"/>
@@ -7912,9 +8155,11 @@
       <p:sp>
         <p:nvSpPr>
           <p:cNvPr id="137" name="Shape 137"/>
-          <p:cNvSpPr txBox="1"/>
+          <p:cNvSpPr txBox="1">
+            <a:spLocks noGrp="1"/>
+          </p:cNvSpPr>
           <p:nvPr>
-            <p:ph idx="1" type="body"/>
+            <p:ph type="body" idx="1"/>
           </p:nvPr>
         </p:nvSpPr>
         <p:spPr>
@@ -7927,12 +8172,12 @@
           </a:prstGeom>
         </p:spPr>
         <p:txBody>
-          <a:bodyPr anchorCtr="0" anchor="t" bIns="91425" lIns="91425" spcFirstLastPara="1" rIns="91425" wrap="square" tIns="91425">
+          <a:bodyPr spcFirstLastPara="1" wrap="square" lIns="91425" tIns="91425" rIns="91425" bIns="91425" anchor="t" anchorCtr="0">
             <a:noAutofit/>
           </a:bodyPr>
           <a:lstStyle/>
           <a:p>
-            <a:pPr indent="0" lvl="0" marL="0" rtl="0">
+            <a:pPr marL="0" lvl="0" indent="0" rtl="0">
               <a:spcBef>
                 <a:spcPts val="0"/>
               </a:spcBef>
@@ -7969,7 +8214,7 @@
             </a:endParaRPr>
           </a:p>
           <a:p>
-            <a:pPr indent="-381000" lvl="0" marL="457200" rtl="0">
+            <a:pPr marL="457200" lvl="0" indent="-381000" rtl="0">
               <a:lnSpc>
                 <a:spcPct val="100000"/>
               </a:lnSpc>
@@ -8008,7 +8253,7 @@
             </a:endParaRPr>
           </a:p>
           <a:p>
-            <a:pPr indent="-381000" lvl="1" marL="914400" rtl="0">
+            <a:pPr marL="914400" lvl="1" indent="-381000" rtl="0">
               <a:lnSpc>
                 <a:spcPct val="100000"/>
               </a:lnSpc>
@@ -8047,7 +8292,7 @@
             </a:endParaRPr>
           </a:p>
           <a:p>
-            <a:pPr indent="-381000" lvl="1" marL="914400" rtl="0">
+            <a:pPr marL="914400" lvl="1" indent="-381000" rtl="0">
               <a:lnSpc>
                 <a:spcPct val="100000"/>
               </a:lnSpc>
@@ -8086,7 +8331,7 @@
             </a:endParaRPr>
           </a:p>
           <a:p>
-            <a:pPr indent="-381000" lvl="1" marL="914400" rtl="0">
+            <a:pPr marL="914400" lvl="1" indent="-381000" rtl="0">
               <a:lnSpc>
                 <a:spcPct val="100000"/>
               </a:lnSpc>
@@ -8125,7 +8370,7 @@
             </a:endParaRPr>
           </a:p>
           <a:p>
-            <a:pPr indent="-381000" lvl="1" marL="914400" rtl="0">
+            <a:pPr marL="914400" lvl="1" indent="-381000" rtl="0">
               <a:lnSpc>
                 <a:spcPct val="100000"/>
               </a:lnSpc>
@@ -8164,7 +8409,7 @@
             </a:endParaRPr>
           </a:p>
           <a:p>
-            <a:pPr indent="0" lvl="0" marL="0" rtl="0">
+            <a:pPr marL="0" lvl="0" indent="0" rtl="0">
               <a:spcBef>
                 <a:spcPts val="0"/>
               </a:spcBef>
@@ -8173,9 +8418,6 @@
               </a:spcAft>
               <a:buNone/>
             </a:pPr>
-            <a:r>
-              <a:t/>
-            </a:r>
             <a:endParaRPr/>
           </a:p>
         </p:txBody>
@@ -8200,12 +8442,12 @@
           </a:ln>
         </p:spPr>
         <p:txBody>
-          <a:bodyPr anchorCtr="0" anchor="t" bIns="91425" lIns="91425" spcFirstLastPara="1" rIns="91425" wrap="square" tIns="91425">
+          <a:bodyPr spcFirstLastPara="1" wrap="square" lIns="91425" tIns="91425" rIns="91425" bIns="91425" anchor="t" anchorCtr="0">
             <a:noAutofit/>
           </a:bodyPr>
           <a:lstStyle/>
           <a:p>
-            <a:pPr indent="0" lvl="0" marL="0" rtl="0">
+            <a:pPr marL="0" lvl="0" indent="0" rtl="0">
               <a:lnSpc>
                 <a:spcPct val="100000"/>
               </a:lnSpc>
@@ -8223,21 +8465,21 @@
               <a:buNone/>
             </a:pPr>
             <a:r>
-              <a:rPr b="1" lang="en" sz="1800">
+              <a:rPr lang="en" sz="1800" b="1">
                 <a:solidFill>
                   <a:schemeClr val="dk1"/>
                 </a:solidFill>
               </a:rPr>
               <a:t>In other words, given the data, workflow specification and execution environment specification, a third party can generate (and validate) the exact results independently.</a:t>
             </a:r>
-            <a:endParaRPr b="1" sz="1800">
+            <a:endParaRPr sz="1800" b="1">
               <a:solidFill>
                 <a:schemeClr val="dk1"/>
               </a:solidFill>
             </a:endParaRPr>
           </a:p>
           <a:p>
-            <a:pPr indent="0" lvl="0" marL="0" rtl="0">
+            <a:pPr marL="0" lvl="0" indent="0" rtl="0">
               <a:lnSpc>
                 <a:spcPct val="100000"/>
               </a:lnSpc>
@@ -8249,9 +8491,6 @@
               </a:spcAft>
               <a:buNone/>
             </a:pPr>
-            <a:r>
-              <a:t/>
-            </a:r>
             <a:endParaRPr sz="2400"/>
           </a:p>
         </p:txBody>
@@ -8304,12 +8543,12 @@
           </a:ln>
         </p:spPr>
         <p:txBody>
-          <a:bodyPr anchorCtr="0" anchor="t" bIns="91425" lIns="91425" spcFirstLastPara="1" rIns="91425" wrap="square" tIns="91425">
+          <a:bodyPr spcFirstLastPara="1" wrap="square" lIns="91425" tIns="91425" rIns="91425" bIns="91425" anchor="t" anchorCtr="0">
             <a:noAutofit/>
           </a:bodyPr>
           <a:lstStyle/>
           <a:p>
-            <a:pPr indent="0" lvl="0" marL="0" rtl="0">
+            <a:pPr marL="0" lvl="0" indent="0" rtl="0">
               <a:lnSpc>
                 <a:spcPct val="115000"/>
               </a:lnSpc>
@@ -8334,7 +8573,7 @@
               <a:t>Ghosh SS, Poline JB, Keator DB </a:t>
             </a:r>
             <a:r>
-              <a:rPr i="1" lang="en">
+              <a:rPr lang="en" i="1">
                 <a:solidFill>
                   <a:srgbClr val="000000"/>
                 </a:solidFill>
@@ -8358,7 +8597,7 @@
               <a:t> A very simple, re-executable neuroimaging publication. </a:t>
             </a:r>
             <a:r>
-              <a:rPr i="1" lang="en">
+              <a:rPr lang="en" i="1">
                 <a:solidFill>
                   <a:srgbClr val="000000"/>
                 </a:solidFill>
@@ -8418,32 +8657,32 @@
   <p:timing>
     <p:tnLst>
       <p:par>
-        <p:cTn dur="indefinite" nodeType="tmRoot" restart="never">
+        <p:cTn id="1" dur="indefinite" restart="never" nodeType="tmRoot">
           <p:childTnLst>
             <p:seq concurrent="1" nextAc="seek">
-              <p:cTn dur="indefinite" id="2" nodeType="mainSeq">
+              <p:cTn id="2" dur="indefinite" nodeType="mainSeq">
                 <p:childTnLst>
                   <p:par>
-                    <p:cTn fill="hold">
+                    <p:cTn id="3" fill="hold">
                       <p:stCondLst>
                         <p:cond delay="indefinite"/>
                       </p:stCondLst>
                       <p:childTnLst>
                         <p:par>
-                          <p:cTn fill="hold">
+                          <p:cTn id="4" fill="hold">
                             <p:stCondLst>
                               <p:cond delay="0"/>
                             </p:stCondLst>
                             <p:childTnLst>
                               <p:par>
-                                <p:cTn fill="hold" nodeType="clickEffect" presetClass="entr" presetID="10" presetSubtype="0">
+                                <p:cTn id="5" presetID="10" presetClass="entr" presetSubtype="0" fill="hold" nodeType="clickEffect">
                                   <p:stCondLst>
                                     <p:cond delay="0"/>
                                   </p:stCondLst>
                                   <p:childTnLst>
                                     <p:set>
                                       <p:cBhvr>
-                                        <p:cTn dur="1" fill="hold">
+                                        <p:cTn id="6" dur="1" fill="hold">
                                           <p:stCondLst>
                                             <p:cond delay="0"/>
                                           </p:stCondLst>
@@ -8459,9 +8698,9 @@
                                         <p:strVal val="visible"/>
                                       </p:to>
                                     </p:set>
-                                    <p:animEffect filter="fade" transition="in">
+                                    <p:animEffect transition="in" filter="fade">
                                       <p:cBhvr>
-                                        <p:cTn dur="1000"/>
+                                        <p:cTn id="7" dur="1000"/>
                                         <p:tgtEl>
                                           <p:spTgt spid="138"/>
                                         </p:tgtEl>
@@ -8479,14 +8718,14 @@
                 </p:childTnLst>
               </p:cTn>
               <p:prevCondLst>
-                <p:cond evt="onPrev">
+                <p:cond evt="onPrev" delay="0">
                   <p:tgtEl>
                     <p:sldTgt/>
                   </p:tgtEl>
                 </p:cond>
               </p:prevCondLst>
               <p:nextCondLst>
-                <p:cond evt="onNext">
+                <p:cond evt="onNext" delay="0">
                   <p:tgtEl>
                     <p:sldTgt/>
                   </p:tgtEl>
@@ -8502,11 +8741,11 @@
 </file>
 
 <file path=ppt/slides/slide13.xml><?xml version="1.0" encoding="utf-8"?>
-<p:sld xmlns:a="http://schemas.openxmlformats.org/drawingml/2006/main" xmlns:r="http://schemas.openxmlformats.org/officeDocument/2006/relationships" xmlns:mc="http://schemas.openxmlformats.org/markup-compatibility/2006" xmlns:mv="urn:schemas-microsoft-com:mac:vml" xmlns:p="http://schemas.openxmlformats.org/presentationml/2006/main" xmlns:c="http://schemas.openxmlformats.org/drawingml/2006/chart" xmlns:dgm="http://schemas.openxmlformats.org/drawingml/2006/diagram" xmlns:o="urn:schemas-microsoft-com:office:office" xmlns:v="urn:schemas-microsoft-com:vml" xmlns:pvml="urn:schemas-microsoft-com:office:powerpoint" xmlns:com="http://schemas.openxmlformats.org/drawingml/2006/compatibility" xmlns:p14="http://schemas.microsoft.com/office/powerpoint/2010/main" xmlns:p15="http://schemas.microsoft.com/office/powerpoint/2012/main">
+<p:sld xmlns:a="http://schemas.openxmlformats.org/drawingml/2006/main" xmlns:r="http://schemas.openxmlformats.org/officeDocument/2006/relationships" xmlns:p="http://schemas.openxmlformats.org/presentationml/2006/main">
   <p:cSld>
     <p:spTree>
       <p:nvGrpSpPr>
-        <p:cNvPr id="144" name="Shape 144"/>
+        <p:cNvPr id="1" name="Shape 144"/>
         <p:cNvGrpSpPr/>
         <p:nvPr/>
       </p:nvGrpSpPr>
@@ -8525,8 +8764,13 @@
           <p:nvPr/>
         </p:nvPicPr>
         <p:blipFill>
-          <a:blip r:embed="rId3">
+          <a:blip r:embed="rId3" cstate="email">
             <a:alphaModFix/>
+            <a:extLst>
+              <a:ext uri="{28A0092B-C50C-407E-A947-70E740481C1C}">
+                <a14:useLocalDpi xmlns:a14="http://schemas.microsoft.com/office/drawing/2010/main"/>
+              </a:ext>
+            </a:extLst>
           </a:blip>
           <a:stretch>
             <a:fillRect/>
@@ -8566,12 +8810,12 @@
           </a:ln>
         </p:spPr>
         <p:txBody>
-          <a:bodyPr anchorCtr="0" anchor="t" bIns="91425" lIns="91425" spcFirstLastPara="1" rIns="91425" wrap="square" tIns="91425">
+          <a:bodyPr spcFirstLastPara="1" wrap="square" lIns="91425" tIns="91425" rIns="91425" bIns="91425" anchor="t" anchorCtr="0">
             <a:noAutofit/>
           </a:bodyPr>
           <a:lstStyle/>
           <a:p>
-            <a:pPr indent="0" lvl="0" marL="0">
+            <a:pPr marL="0" lvl="0" indent="0">
               <a:spcBef>
                 <a:spcPts val="0"/>
               </a:spcBef>
@@ -8586,23 +8830,7 @@
                   <a:schemeClr val="dk1"/>
                 </a:solidFill>
               </a:rPr>
-              <a:t>The materials we are </a:t>
-            </a:r>
-            <a:r>
-              <a:rPr lang="en">
-                <a:solidFill>
-                  <a:schemeClr val="dk1"/>
-                </a:solidFill>
-              </a:rPr>
-              <a:t>using</a:t>
-            </a:r>
-            <a:r>
-              <a:rPr lang="en">
-                <a:solidFill>
-                  <a:schemeClr val="dk1"/>
-                </a:solidFill>
-              </a:rPr>
-              <a:t> today are part of a larger curriculum</a:t>
+              <a:t>The materials we are using today are part of a larger curriculum</a:t>
             </a:r>
             <a:endParaRPr>
               <a:solidFill>
@@ -8611,7 +8839,7 @@
             </a:endParaRPr>
           </a:p>
           <a:p>
-            <a:pPr indent="0" lvl="0" marL="0">
+            <a:pPr marL="0" lvl="0" indent="0">
               <a:spcBef>
                 <a:spcPts val="0"/>
               </a:spcBef>
@@ -8620,9 +8848,6 @@
               </a:spcAft>
               <a:buNone/>
             </a:pPr>
-            <a:r>
-              <a:t/>
-            </a:r>
             <a:endParaRPr>
               <a:solidFill>
                 <a:schemeClr val="dk1"/>
@@ -8630,7 +8855,7 @@
             </a:endParaRPr>
           </a:p>
           <a:p>
-            <a:pPr indent="0" lvl="0" marL="0" algn="ctr">
+            <a:pPr marL="0" lvl="0" indent="0" algn="ctr">
               <a:spcBef>
                 <a:spcPts val="0"/>
               </a:spcBef>
@@ -8640,7 +8865,7 @@
               <a:buNone/>
             </a:pPr>
             <a:r>
-              <a:rPr b="1" lang="en">
+              <a:rPr lang="en" b="1">
                 <a:solidFill>
                   <a:schemeClr val="dk1"/>
                 </a:solidFill>
@@ -8654,7 +8879,7 @@
             </a:endParaRPr>
           </a:p>
           <a:p>
-            <a:pPr indent="0" lvl="0" marL="0">
+            <a:pPr marL="0" lvl="0" indent="0">
               <a:spcBef>
                 <a:spcPts val="0"/>
               </a:spcBef>
@@ -8663,9 +8888,6 @@
               </a:spcAft>
               <a:buNone/>
             </a:pPr>
-            <a:r>
-              <a:t/>
-            </a:r>
             <a:endParaRPr>
               <a:solidFill>
                 <a:schemeClr val="dk1"/>
@@ -8673,7 +8895,7 @@
             </a:endParaRPr>
           </a:p>
           <a:p>
-            <a:pPr indent="0" lvl="0" marL="0">
+            <a:pPr marL="0" lvl="0" indent="0">
               <a:spcBef>
                 <a:spcPts val="0"/>
               </a:spcBef>
@@ -8688,15 +8910,7 @@
                   <a:schemeClr val="dk1"/>
                 </a:solidFill>
               </a:rPr>
-              <a:t>It borrows from the concepts of Software and Data Carpentry, and ultimately has a “</a:t>
-            </a:r>
-            <a:r>
-              <a:rPr lang="en">
-                <a:solidFill>
-                  <a:schemeClr val="dk1"/>
-                </a:solidFill>
-              </a:rPr>
-              <a:t>Train the Trainer” design.</a:t>
+              <a:t>It borrows from the concepts of Software and Data Carpentry, and ultimately has a “Train the Trainer” design.</a:t>
             </a:r>
             <a:endParaRPr>
               <a:solidFill>
@@ -8705,7 +8919,7 @@
             </a:endParaRPr>
           </a:p>
           <a:p>
-            <a:pPr indent="0" lvl="0" marL="0">
+            <a:pPr marL="0" lvl="0" indent="0">
               <a:spcBef>
                 <a:spcPts val="0"/>
               </a:spcBef>
@@ -8714,9 +8928,6 @@
               </a:spcAft>
               <a:buNone/>
             </a:pPr>
-            <a:r>
-              <a:t/>
-            </a:r>
             <a:endParaRPr>
               <a:solidFill>
                 <a:schemeClr val="dk1"/>
@@ -8724,7 +8935,7 @@
             </a:endParaRPr>
           </a:p>
           <a:p>
-            <a:pPr indent="0" lvl="0" marL="0">
+            <a:pPr marL="0" lvl="0" indent="0">
               <a:spcBef>
                 <a:spcPts val="0"/>
               </a:spcBef>
@@ -8742,7 +8953,7 @@
               <a:t>As this full curriculum is designed to potentially spans many months, spending 1 day on this will potentially feel </a:t>
             </a:r>
             <a:r>
-              <a:rPr b="1" lang="en">
+              <a:rPr lang="en" b="1">
                 <a:solidFill>
                   <a:schemeClr val="dk1"/>
                 </a:solidFill>
@@ -8764,7 +8975,7 @@
             </a:endParaRPr>
           </a:p>
           <a:p>
-            <a:pPr indent="0" lvl="0" marL="0">
+            <a:pPr marL="0" lvl="0" indent="0">
               <a:spcBef>
                 <a:spcPts val="0"/>
               </a:spcBef>
@@ -8778,9 +8989,6 @@
               <a:buFont typeface="Arial"/>
               <a:buNone/>
             </a:pPr>
-            <a:r>
-              <a:t/>
-            </a:r>
             <a:endParaRPr>
               <a:solidFill>
                 <a:schemeClr val="dk1"/>
@@ -8798,11 +9006,11 @@
 </file>
 
 <file path=ppt/slides/slide14.xml><?xml version="1.0" encoding="utf-8"?>
-<p:sld xmlns:a="http://schemas.openxmlformats.org/drawingml/2006/main" xmlns:r="http://schemas.openxmlformats.org/officeDocument/2006/relationships" xmlns:mc="http://schemas.openxmlformats.org/markup-compatibility/2006" xmlns:mv="urn:schemas-microsoft-com:mac:vml" xmlns:p="http://schemas.openxmlformats.org/presentationml/2006/main" xmlns:c="http://schemas.openxmlformats.org/drawingml/2006/chart" xmlns:dgm="http://schemas.openxmlformats.org/drawingml/2006/diagram" xmlns:o="urn:schemas-microsoft-com:office:office" xmlns:v="urn:schemas-microsoft-com:vml" xmlns:pvml="urn:schemas-microsoft-com:office:powerpoint" xmlns:com="http://schemas.openxmlformats.org/drawingml/2006/compatibility" xmlns:p14="http://schemas.microsoft.com/office/powerpoint/2010/main" xmlns:p15="http://schemas.microsoft.com/office/powerpoint/2012/main">
+<p:sld xmlns:a="http://schemas.openxmlformats.org/drawingml/2006/main" xmlns:r="http://schemas.openxmlformats.org/officeDocument/2006/relationships" xmlns:p="http://schemas.openxmlformats.org/presentationml/2006/main">
   <p:cSld>
     <p:spTree>
       <p:nvGrpSpPr>
-        <p:cNvPr id="150" name="Shape 150"/>
+        <p:cNvPr id="1" name="Shape 150"/>
         <p:cNvGrpSpPr/>
         <p:nvPr/>
       </p:nvGrpSpPr>
@@ -8817,9 +9025,11 @@
       <p:sp>
         <p:nvSpPr>
           <p:cNvPr id="151" name="Shape 151"/>
-          <p:cNvSpPr txBox="1"/>
+          <p:cNvSpPr txBox="1">
+            <a:spLocks noGrp="1"/>
+          </p:cNvSpPr>
           <p:nvPr>
-            <p:ph idx="1" type="body"/>
+            <p:ph type="body" idx="1"/>
           </p:nvPr>
         </p:nvSpPr>
         <p:spPr>
@@ -8832,12 +9042,12 @@
           </a:prstGeom>
         </p:spPr>
         <p:txBody>
-          <a:bodyPr anchorCtr="0" anchor="t" bIns="91425" lIns="91425" spcFirstLastPara="1" rIns="91425" wrap="square" tIns="91425">
+          <a:bodyPr spcFirstLastPara="1" wrap="square" lIns="91425" tIns="91425" rIns="91425" bIns="91425" anchor="t" anchorCtr="0">
             <a:noAutofit/>
           </a:bodyPr>
           <a:lstStyle/>
           <a:p>
-            <a:pPr indent="-342900" lvl="0" marL="457200" rtl="0">
+            <a:pPr marL="457200" lvl="0" indent="-342900" rtl="0">
               <a:spcBef>
                 <a:spcPts val="0"/>
               </a:spcBef>
@@ -8865,7 +9075,7 @@
             </a:endParaRPr>
           </a:p>
           <a:p>
-            <a:pPr indent="-342900" lvl="0" marL="457200" rtl="0">
+            <a:pPr marL="457200" lvl="0" indent="-342900" rtl="0">
               <a:spcBef>
                 <a:spcPts val="0"/>
               </a:spcBef>
@@ -8893,7 +9103,7 @@
             </a:endParaRPr>
           </a:p>
           <a:p>
-            <a:pPr indent="0" lvl="0" marL="0">
+            <a:pPr marL="0" lvl="0" indent="0">
               <a:spcBef>
                 <a:spcPts val="1600"/>
               </a:spcBef>
@@ -8902,9 +9112,6 @@
               </a:spcAft>
               <a:buNone/>
             </a:pPr>
-            <a:r>
-              <a:t/>
-            </a:r>
             <a:endParaRPr>
               <a:solidFill>
                 <a:srgbClr val="595959"/>
@@ -8912,7 +9119,7 @@
             </a:endParaRPr>
           </a:p>
           <a:p>
-            <a:pPr indent="-342900" lvl="0" marL="457200" rtl="0">
+            <a:pPr marL="457200" lvl="0" indent="-342900" rtl="0">
               <a:spcBef>
                 <a:spcPts val="1600"/>
               </a:spcBef>
@@ -8940,7 +9147,7 @@
             </a:endParaRPr>
           </a:p>
           <a:p>
-            <a:pPr indent="0" lvl="0" marL="0">
+            <a:pPr marL="0" lvl="0" indent="0">
               <a:spcBef>
                 <a:spcPts val="1600"/>
               </a:spcBef>
@@ -8949,9 +9156,6 @@
               </a:spcAft>
               <a:buNone/>
             </a:pPr>
-            <a:r>
-              <a:t/>
-            </a:r>
             <a:endParaRPr>
               <a:solidFill>
                 <a:srgbClr val="595959"/>
@@ -8959,7 +9163,7 @@
             </a:endParaRPr>
           </a:p>
           <a:p>
-            <a:pPr indent="-342900" lvl="0" marL="457200" rtl="0">
+            <a:pPr marL="457200" lvl="0" indent="-342900" rtl="0">
               <a:spcBef>
                 <a:spcPts val="1600"/>
               </a:spcBef>
@@ -8987,7 +9191,7 @@
             </a:endParaRPr>
           </a:p>
           <a:p>
-            <a:pPr indent="-342900" lvl="0" marL="457200" rtl="0">
+            <a:pPr marL="457200" lvl="0" indent="-342900" rtl="0">
               <a:spcBef>
                 <a:spcPts val="0"/>
               </a:spcBef>
@@ -9015,7 +9219,7 @@
             </a:endParaRPr>
           </a:p>
           <a:p>
-            <a:pPr indent="0" lvl="0" marL="0">
+            <a:pPr marL="0" lvl="0" indent="0">
               <a:spcBef>
                 <a:spcPts val="1600"/>
               </a:spcBef>
@@ -9024,9 +9228,6 @@
               </a:spcAft>
               <a:buNone/>
             </a:pPr>
-            <a:r>
-              <a:t/>
-            </a:r>
             <a:endParaRPr/>
           </a:p>
         </p:txBody>
@@ -9038,8 +9239,13 @@
           <p:nvPr/>
         </p:nvPicPr>
         <p:blipFill>
-          <a:blip r:embed="rId3">
+          <a:blip r:embed="rId3" cstate="email">
             <a:alphaModFix/>
+            <a:extLst>
+              <a:ext uri="{28A0092B-C50C-407E-A947-70E740481C1C}">
+                <a14:useLocalDpi xmlns:a14="http://schemas.microsoft.com/office/drawing/2010/main"/>
+              </a:ext>
+            </a:extLst>
           </a:blip>
           <a:stretch>
             <a:fillRect/>
@@ -9068,11 +9274,11 @@
 </file>
 
 <file path=ppt/slides/slide15.xml><?xml version="1.0" encoding="utf-8"?>
-<p:sld xmlns:a="http://schemas.openxmlformats.org/drawingml/2006/main" xmlns:r="http://schemas.openxmlformats.org/officeDocument/2006/relationships" xmlns:mc="http://schemas.openxmlformats.org/markup-compatibility/2006" xmlns:mv="urn:schemas-microsoft-com:mac:vml" xmlns:p="http://schemas.openxmlformats.org/presentationml/2006/main" xmlns:c="http://schemas.openxmlformats.org/drawingml/2006/chart" xmlns:dgm="http://schemas.openxmlformats.org/drawingml/2006/diagram" xmlns:o="urn:schemas-microsoft-com:office:office" xmlns:v="urn:schemas-microsoft-com:vml" xmlns:pvml="urn:schemas-microsoft-com:office:powerpoint" xmlns:com="http://schemas.openxmlformats.org/drawingml/2006/compatibility" xmlns:p14="http://schemas.microsoft.com/office/powerpoint/2010/main" xmlns:p15="http://schemas.microsoft.com/office/powerpoint/2012/main">
+<p:sld xmlns:a="http://schemas.openxmlformats.org/drawingml/2006/main" xmlns:r="http://schemas.openxmlformats.org/officeDocument/2006/relationships" xmlns:p="http://schemas.openxmlformats.org/presentationml/2006/main">
   <p:cSld>
     <p:spTree>
       <p:nvGrpSpPr>
-        <p:cNvPr id="156" name="Shape 156"/>
+        <p:cNvPr id="1" name="Shape 156"/>
         <p:cNvGrpSpPr/>
         <p:nvPr/>
       </p:nvGrpSpPr>
@@ -9087,7 +9293,9 @@
       <p:sp>
         <p:nvSpPr>
           <p:cNvPr id="157" name="Shape 157"/>
-          <p:cNvSpPr txBox="1"/>
+          <p:cNvSpPr txBox="1">
+            <a:spLocks noGrp="1"/>
+          </p:cNvSpPr>
           <p:nvPr>
             <p:ph type="title"/>
           </p:nvPr>
@@ -9102,12 +9310,12 @@
           </a:prstGeom>
         </p:spPr>
         <p:txBody>
-          <a:bodyPr anchorCtr="0" anchor="t" bIns="91425" lIns="91425" spcFirstLastPara="1" rIns="91425" wrap="square" tIns="91425">
+          <a:bodyPr spcFirstLastPara="1" wrap="square" lIns="91425" tIns="91425" rIns="91425" bIns="91425" anchor="t" anchorCtr="0">
             <a:noAutofit/>
           </a:bodyPr>
           <a:lstStyle/>
           <a:p>
-            <a:pPr indent="0" lvl="0" marL="0">
+            <a:pPr marL="0" lvl="0" indent="0">
               <a:spcBef>
                 <a:spcPts val="0"/>
               </a:spcBef>
@@ -9127,9 +9335,11 @@
       <p:sp>
         <p:nvSpPr>
           <p:cNvPr id="158" name="Shape 158"/>
-          <p:cNvSpPr txBox="1"/>
+          <p:cNvSpPr txBox="1">
+            <a:spLocks noGrp="1"/>
+          </p:cNvSpPr>
           <p:nvPr>
-            <p:ph idx="1" type="body"/>
+            <p:ph type="body" idx="1"/>
           </p:nvPr>
         </p:nvSpPr>
         <p:spPr>
@@ -9142,12 +9352,12 @@
           </a:prstGeom>
         </p:spPr>
         <p:txBody>
-          <a:bodyPr anchorCtr="0" anchor="t" bIns="91425" lIns="91425" spcFirstLastPara="1" rIns="91425" wrap="square" tIns="91425">
+          <a:bodyPr spcFirstLastPara="1" wrap="square" lIns="91425" tIns="91425" rIns="91425" bIns="91425" anchor="t" anchorCtr="0">
             <a:noAutofit/>
           </a:bodyPr>
           <a:lstStyle/>
           <a:p>
-            <a:pPr indent="0" lvl="0" marL="0">
+            <a:pPr marL="0" lvl="0" indent="0">
               <a:spcBef>
                 <a:spcPts val="0"/>
               </a:spcBef>
@@ -9163,7 +9373,7 @@
             <a:endParaRPr/>
           </a:p>
           <a:p>
-            <a:pPr indent="0" lvl="0" marL="0" rtl="0">
+            <a:pPr marL="0" lvl="0" indent="0" rtl="0">
               <a:spcBef>
                 <a:spcPts val="0"/>
               </a:spcBef>
@@ -9173,13 +9383,13 @@
               <a:buNone/>
             </a:pPr>
             <a:r>
-              <a:rPr b="1" lang="en"/>
+              <a:rPr lang="en" b="1"/>
               <a:t>FAIR Data - BIDS datasets  - Jeffrey Grethe, UCSD</a:t>
             </a:r>
             <a:endParaRPr b="1"/>
           </a:p>
           <a:p>
-            <a:pPr indent="0" lvl="0" marL="0" rtl="0">
+            <a:pPr marL="0" lvl="0" indent="0" rtl="0">
               <a:spcBef>
                 <a:spcPts val="0"/>
               </a:spcBef>
@@ -9188,13 +9398,10 @@
               </a:spcAft>
               <a:buNone/>
             </a:pPr>
-            <a:r>
-              <a:t/>
-            </a:r>
             <a:endParaRPr b="1"/>
           </a:p>
           <a:p>
-            <a:pPr indent="0" lvl="0" marL="0" rtl="0">
+            <a:pPr marL="0" lvl="0" indent="0" rtl="0">
               <a:spcBef>
                 <a:spcPts val="0"/>
               </a:spcBef>
@@ -9210,7 +9417,7 @@
             <a:endParaRPr/>
           </a:p>
           <a:p>
-            <a:pPr indent="0" lvl="0" marL="0" rtl="0">
+            <a:pPr marL="0" lvl="0" indent="0" rtl="0">
               <a:spcBef>
                 <a:spcPts val="0"/>
               </a:spcBef>
@@ -9220,17 +9427,17 @@
               <a:buNone/>
             </a:pPr>
             <a:r>
-              <a:rPr b="1" lang="en"/>
+              <a:rPr lang="en" b="1"/>
               <a:t>Computational basis  - </a:t>
             </a:r>
             <a:r>
-              <a:rPr b="1" lang="en" sz="1400"/>
+              <a:rPr lang="en" sz="1400" b="1"/>
               <a:t>Yaroslav Halchenko, Dartmouth College and Michael Hanke, Magdeburg</a:t>
             </a:r>
-            <a:endParaRPr b="1" sz="1400"/>
-          </a:p>
-          <a:p>
-            <a:pPr indent="0" lvl="0" marL="0" rtl="0">
+            <a:endParaRPr sz="1400" b="1"/>
+          </a:p>
+          <a:p>
+            <a:pPr marL="0" lvl="0" indent="0" rtl="0">
               <a:spcBef>
                 <a:spcPts val="0"/>
               </a:spcBef>
@@ -9239,13 +9446,10 @@
               </a:spcAft>
               <a:buNone/>
             </a:pPr>
-            <a:r>
-              <a:t/>
-            </a:r>
-            <a:endParaRPr b="1" sz="1400"/>
-          </a:p>
-          <a:p>
-            <a:pPr indent="0" lvl="0" marL="0" rtl="0">
+            <a:endParaRPr sz="1400" b="1"/>
+          </a:p>
+          <a:p>
+            <a:pPr marL="0" lvl="0" indent="0" rtl="0">
               <a:spcBef>
                 <a:spcPts val="0"/>
               </a:spcBef>
@@ -9266,7 +9470,7 @@
             <a:endParaRPr/>
           </a:p>
           <a:p>
-            <a:pPr indent="0" lvl="0" marL="0" rtl="0">
+            <a:pPr marL="0" lvl="0" indent="0" rtl="0">
               <a:spcBef>
                 <a:spcPts val="0"/>
               </a:spcBef>
@@ -9276,13 +9480,13 @@
               <a:buNone/>
             </a:pPr>
             <a:r>
-              <a:rPr b="1" lang="en"/>
+              <a:rPr lang="en" b="1"/>
               <a:t>Neuroimaging Workflows - Dorota Jarecka and Satrajit Ghosh, MIT</a:t>
             </a:r>
             <a:endParaRPr b="1"/>
           </a:p>
           <a:p>
-            <a:pPr indent="0" lvl="0" marL="0" rtl="0">
+            <a:pPr marL="0" lvl="0" indent="0" rtl="0">
               <a:spcBef>
                 <a:spcPts val="0"/>
               </a:spcBef>
@@ -9291,13 +9495,10 @@
               </a:spcAft>
               <a:buNone/>
             </a:pPr>
-            <a:r>
-              <a:t/>
-            </a:r>
             <a:endParaRPr b="1"/>
           </a:p>
           <a:p>
-            <a:pPr indent="0" lvl="0" marL="0" rtl="0">
+            <a:pPr marL="0" lvl="0" indent="0" rtl="0">
               <a:spcBef>
                 <a:spcPts val="0"/>
               </a:spcBef>
@@ -9311,13 +9512,13 @@
               <a:t>14:45-16:00</a:t>
             </a:r>
             <a:r>
-              <a:rPr b="1" lang="en"/>
+              <a:rPr lang="en" b="1"/>
               <a:t> </a:t>
             </a:r>
             <a:endParaRPr b="1"/>
           </a:p>
           <a:p>
-            <a:pPr indent="0" lvl="0" marL="0" rtl="0">
+            <a:pPr marL="0" lvl="0" indent="0" rtl="0">
               <a:spcBef>
                 <a:spcPts val="0"/>
               </a:spcBef>
@@ -9332,13 +9533,13 @@
               <a:buNone/>
             </a:pPr>
             <a:r>
-              <a:rPr b="1" lang="en"/>
+              <a:rPr lang="en" b="1"/>
               <a:t>Statistics for reproducibility  - Celia Greenwood and Jean-Baptiste Poline, McGill</a:t>
             </a:r>
             <a:endParaRPr b="1"/>
           </a:p>
           <a:p>
-            <a:pPr indent="0" lvl="0" marL="0">
+            <a:pPr marL="0" lvl="0" indent="0">
               <a:spcBef>
                 <a:spcPts val="0"/>
               </a:spcBef>
@@ -9347,9 +9548,6 @@
               </a:spcAft>
               <a:buNone/>
             </a:pPr>
-            <a:r>
-              <a:t/>
-            </a:r>
             <a:endParaRPr b="1"/>
           </a:p>
         </p:txBody>
@@ -9363,11 +9561,11 @@
 </file>
 
 <file path=ppt/slides/slide16.xml><?xml version="1.0" encoding="utf-8"?>
-<p:sld xmlns:a="http://schemas.openxmlformats.org/drawingml/2006/main" xmlns:r="http://schemas.openxmlformats.org/officeDocument/2006/relationships" xmlns:mc="http://schemas.openxmlformats.org/markup-compatibility/2006" xmlns:mv="urn:schemas-microsoft-com:mac:vml" xmlns:p="http://schemas.openxmlformats.org/presentationml/2006/main" xmlns:c="http://schemas.openxmlformats.org/drawingml/2006/chart" xmlns:dgm="http://schemas.openxmlformats.org/drawingml/2006/diagram" xmlns:o="urn:schemas-microsoft-com:office:office" xmlns:v="urn:schemas-microsoft-com:vml" xmlns:pvml="urn:schemas-microsoft-com:office:powerpoint" xmlns:com="http://schemas.openxmlformats.org/drawingml/2006/compatibility" xmlns:p14="http://schemas.microsoft.com/office/powerpoint/2010/main" xmlns:p15="http://schemas.microsoft.com/office/powerpoint/2012/main">
+<p:sld xmlns:a="http://schemas.openxmlformats.org/drawingml/2006/main" xmlns:r="http://schemas.openxmlformats.org/officeDocument/2006/relationships" xmlns:p="http://schemas.openxmlformats.org/presentationml/2006/main">
   <p:cSld>
     <p:spTree>
       <p:nvGrpSpPr>
-        <p:cNvPr id="162" name="Shape 162"/>
+        <p:cNvPr id="1" name="Shape 162"/>
         <p:cNvGrpSpPr/>
         <p:nvPr/>
       </p:nvGrpSpPr>
@@ -9382,7 +9580,9 @@
       <p:sp>
         <p:nvSpPr>
           <p:cNvPr id="163" name="Shape 163"/>
-          <p:cNvSpPr txBox="1"/>
+          <p:cNvSpPr txBox="1">
+            <a:spLocks noGrp="1"/>
+          </p:cNvSpPr>
           <p:nvPr>
             <p:ph type="title"/>
           </p:nvPr>
@@ -9397,12 +9597,12 @@
           </a:prstGeom>
         </p:spPr>
         <p:txBody>
-          <a:bodyPr anchorCtr="0" anchor="t" bIns="91425" lIns="91425" spcFirstLastPara="1" rIns="91425" wrap="square" tIns="91425">
+          <a:bodyPr spcFirstLastPara="1" wrap="square" lIns="91425" tIns="91425" rIns="91425" bIns="91425" anchor="t" anchorCtr="0">
             <a:noAutofit/>
           </a:bodyPr>
           <a:lstStyle/>
           <a:p>
-            <a:pPr indent="0" lvl="0" marL="0">
+            <a:pPr marL="0" lvl="0" indent="0">
               <a:spcBef>
                 <a:spcPts val="0"/>
               </a:spcBef>
@@ -9411,9 +9611,6 @@
               </a:spcAft>
               <a:buNone/>
             </a:pPr>
-            <a:r>
-              <a:t/>
-            </a:r>
             <a:endParaRPr/>
           </a:p>
         </p:txBody>
@@ -9421,9 +9618,11 @@
       <p:sp>
         <p:nvSpPr>
           <p:cNvPr id="164" name="Shape 164"/>
-          <p:cNvSpPr txBox="1"/>
+          <p:cNvSpPr txBox="1">
+            <a:spLocks noGrp="1"/>
+          </p:cNvSpPr>
           <p:nvPr>
-            <p:ph idx="1" type="body"/>
+            <p:ph type="body" idx="1"/>
           </p:nvPr>
         </p:nvSpPr>
         <p:spPr>
@@ -9436,12 +9635,12 @@
           </a:prstGeom>
         </p:spPr>
         <p:txBody>
-          <a:bodyPr anchorCtr="0" anchor="t" bIns="91425" lIns="91425" spcFirstLastPara="1" rIns="91425" wrap="square" tIns="91425">
+          <a:bodyPr spcFirstLastPara="1" wrap="square" lIns="91425" tIns="91425" rIns="91425" bIns="91425" anchor="t" anchorCtr="0">
             <a:noAutofit/>
           </a:bodyPr>
           <a:lstStyle/>
           <a:p>
-            <a:pPr indent="0" lvl="0" marL="0">
+            <a:pPr marL="0" lvl="0" indent="0">
               <a:spcBef>
                 <a:spcPts val="0"/>
               </a:spcBef>
@@ -9450,9 +9649,6 @@
               </a:spcAft>
               <a:buNone/>
             </a:pPr>
-            <a:r>
-              <a:t/>
-            </a:r>
             <a:endParaRPr/>
           </a:p>
         </p:txBody>
@@ -9490,15 +9686,22 @@
   <p:clrMapOvr>
     <a:masterClrMapping/>
   </p:clrMapOvr>
+  <p:timing>
+    <p:tnLst>
+      <p:par>
+        <p:cTn id="1" dur="indefinite" restart="never" nodeType="tmRoot"/>
+      </p:par>
+    </p:tnLst>
+  </p:timing>
 </p:sld>
 </file>
 
 <file path=ppt/slides/slide2.xml><?xml version="1.0" encoding="utf-8"?>
-<p:sld xmlns:a="http://schemas.openxmlformats.org/drawingml/2006/main" xmlns:r="http://schemas.openxmlformats.org/officeDocument/2006/relationships" xmlns:mc="http://schemas.openxmlformats.org/markup-compatibility/2006" xmlns:mv="urn:schemas-microsoft-com:mac:vml" xmlns:p="http://schemas.openxmlformats.org/presentationml/2006/main" xmlns:c="http://schemas.openxmlformats.org/drawingml/2006/chart" xmlns:dgm="http://schemas.openxmlformats.org/drawingml/2006/diagram" xmlns:o="urn:schemas-microsoft-com:office:office" xmlns:v="urn:schemas-microsoft-com:vml" xmlns:pvml="urn:schemas-microsoft-com:office:powerpoint" xmlns:com="http://schemas.openxmlformats.org/drawingml/2006/compatibility" xmlns:p14="http://schemas.microsoft.com/office/powerpoint/2010/main" xmlns:p15="http://schemas.microsoft.com/office/powerpoint/2012/main">
+<p:sld xmlns:a="http://schemas.openxmlformats.org/drawingml/2006/main" xmlns:r="http://schemas.openxmlformats.org/officeDocument/2006/relationships" xmlns:p="http://schemas.openxmlformats.org/presentationml/2006/main">
   <p:cSld>
     <p:spTree>
       <p:nvGrpSpPr>
-        <p:cNvPr id="58" name="Shape 58"/>
+        <p:cNvPr id="1" name="Shape 58"/>
         <p:cNvGrpSpPr/>
         <p:nvPr/>
       </p:nvGrpSpPr>
@@ -9513,7 +9716,9 @@
       <p:sp>
         <p:nvSpPr>
           <p:cNvPr id="59" name="Shape 59"/>
-          <p:cNvSpPr txBox="1"/>
+          <p:cNvSpPr txBox="1">
+            <a:spLocks noGrp="1"/>
+          </p:cNvSpPr>
           <p:nvPr>
             <p:ph type="ctrTitle"/>
           </p:nvPr>
@@ -9528,12 +9733,12 @@
           </a:prstGeom>
         </p:spPr>
         <p:txBody>
-          <a:bodyPr anchorCtr="0" anchor="b" bIns="91425" lIns="91425" spcFirstLastPara="1" rIns="91425" wrap="square" tIns="91425">
+          <a:bodyPr spcFirstLastPara="1" wrap="square" lIns="91425" tIns="91425" rIns="91425" bIns="91425" anchor="b" anchorCtr="0">
             <a:noAutofit/>
           </a:bodyPr>
           <a:lstStyle/>
           <a:p>
-            <a:pPr indent="0" lvl="0" marL="0">
+            <a:pPr marL="0" lvl="0" indent="0">
               <a:spcBef>
                 <a:spcPts val="0"/>
               </a:spcBef>
@@ -9549,7 +9754,7 @@
             <a:endParaRPr sz="3600"/>
           </a:p>
           <a:p>
-            <a:pPr indent="0" lvl="0" marL="0">
+            <a:pPr marL="0" lvl="0" indent="0">
               <a:spcBef>
                 <a:spcPts val="0"/>
               </a:spcBef>
@@ -9565,7 +9770,7 @@
             <a:endParaRPr sz="3600"/>
           </a:p>
           <a:p>
-            <a:pPr indent="0" lvl="0" marL="0">
+            <a:pPr marL="0" lvl="0" indent="0">
               <a:spcBef>
                 <a:spcPts val="0"/>
               </a:spcBef>
@@ -9581,7 +9786,7 @@
             <a:endParaRPr sz="3600"/>
           </a:p>
           <a:p>
-            <a:pPr indent="0" lvl="0" marL="0">
+            <a:pPr marL="0" lvl="0" indent="0">
               <a:spcBef>
                 <a:spcPts val="0"/>
               </a:spcBef>
@@ -9590,13 +9795,10 @@
               </a:spcAft>
               <a:buNone/>
             </a:pPr>
-            <a:r>
-              <a:t/>
-            </a:r>
             <a:endParaRPr sz="3600"/>
           </a:p>
           <a:p>
-            <a:pPr indent="0" lvl="0" marL="0">
+            <a:pPr marL="0" lvl="0" indent="0">
               <a:spcBef>
                 <a:spcPts val="0"/>
               </a:spcBef>
@@ -9615,13 +9817,18 @@
       </p:sp>
       <p:pic>
         <p:nvPicPr>
-          <p:cNvPr descr="square-512.png" id="60" name="Shape 60"/>
+          <p:cNvPr id="60" name="Shape 60" descr="square-512.png"/>
           <p:cNvPicPr preferRelativeResize="0"/>
           <p:nvPr/>
         </p:nvPicPr>
         <p:blipFill>
-          <a:blip r:embed="rId3">
+          <a:blip r:embed="rId3" cstate="email">
             <a:alphaModFix/>
+            <a:extLst>
+              <a:ext uri="{28A0092B-C50C-407E-A947-70E740481C1C}">
+                <a14:useLocalDpi xmlns:a14="http://schemas.microsoft.com/office/drawing/2010/main"/>
+              </a:ext>
+            </a:extLst>
           </a:blip>
           <a:stretch>
             <a:fillRect/>
@@ -9650,11 +9857,11 @@
 </file>
 
 <file path=ppt/slides/slide3.xml><?xml version="1.0" encoding="utf-8"?>
-<p:sld xmlns:a="http://schemas.openxmlformats.org/drawingml/2006/main" xmlns:r="http://schemas.openxmlformats.org/officeDocument/2006/relationships" xmlns:mc="http://schemas.openxmlformats.org/markup-compatibility/2006" xmlns:mv="urn:schemas-microsoft-com:mac:vml" xmlns:p="http://schemas.openxmlformats.org/presentationml/2006/main" xmlns:c="http://schemas.openxmlformats.org/drawingml/2006/chart" xmlns:dgm="http://schemas.openxmlformats.org/drawingml/2006/diagram" xmlns:o="urn:schemas-microsoft-com:office:office" xmlns:v="urn:schemas-microsoft-com:vml" xmlns:pvml="urn:schemas-microsoft-com:office:powerpoint" xmlns:com="http://schemas.openxmlformats.org/drawingml/2006/compatibility" xmlns:p14="http://schemas.microsoft.com/office/powerpoint/2010/main" xmlns:p15="http://schemas.microsoft.com/office/powerpoint/2012/main">
+<p:sld xmlns:a="http://schemas.openxmlformats.org/drawingml/2006/main" xmlns:r="http://schemas.openxmlformats.org/officeDocument/2006/relationships" xmlns:p="http://schemas.openxmlformats.org/presentationml/2006/main">
   <p:cSld>
     <p:spTree>
       <p:nvGrpSpPr>
-        <p:cNvPr id="64" name="Shape 64"/>
+        <p:cNvPr id="1" name="Shape 64"/>
         <p:cNvGrpSpPr/>
         <p:nvPr/>
       </p:nvGrpSpPr>
@@ -9669,9 +9876,11 @@
       <p:sp>
         <p:nvSpPr>
           <p:cNvPr id="65" name="Shape 65"/>
-          <p:cNvSpPr txBox="1"/>
+          <p:cNvSpPr txBox="1">
+            <a:spLocks noGrp="1"/>
+          </p:cNvSpPr>
           <p:nvPr>
-            <p:ph idx="1" type="body"/>
+            <p:ph type="body" idx="1"/>
           </p:nvPr>
         </p:nvSpPr>
         <p:spPr>
@@ -9684,12 +9893,12 @@
           </a:prstGeom>
         </p:spPr>
         <p:txBody>
-          <a:bodyPr anchorCtr="0" anchor="t" bIns="91425" lIns="91425" spcFirstLastPara="1" rIns="91425" wrap="square" tIns="91425">
+          <a:bodyPr spcFirstLastPara="1" wrap="square" lIns="91425" tIns="91425" rIns="91425" bIns="91425" anchor="t" anchorCtr="0">
             <a:noAutofit/>
           </a:bodyPr>
           <a:lstStyle/>
           <a:p>
-            <a:pPr indent="0" lvl="0" marL="0">
+            <a:pPr marL="0" lvl="0" indent="0">
               <a:spcBef>
                 <a:spcPts val="0"/>
               </a:spcBef>
@@ -9718,7 +9927,7 @@
             </a:endParaRPr>
           </a:p>
           <a:p>
-            <a:pPr indent="0" lvl="0" marL="0">
+            <a:pPr marL="0" lvl="0" indent="0">
               <a:spcBef>
                 <a:spcPts val="1600"/>
               </a:spcBef>
@@ -9747,7 +9956,7 @@
             </a:endParaRPr>
           </a:p>
           <a:p>
-            <a:pPr indent="-342900" lvl="0" marL="457200" rtl="0">
+            <a:pPr marL="457200" lvl="0" indent="-342900" rtl="0">
               <a:spcBef>
                 <a:spcPts val="1600"/>
               </a:spcBef>
@@ -9775,7 +9984,7 @@
             </a:endParaRPr>
           </a:p>
           <a:p>
-            <a:pPr indent="-342900" lvl="0" marL="457200" rtl="0">
+            <a:pPr marL="457200" lvl="0" indent="-342900" rtl="0">
               <a:spcBef>
                 <a:spcPts val="0"/>
               </a:spcBef>
@@ -9803,7 +10012,7 @@
             </a:endParaRPr>
           </a:p>
           <a:p>
-            <a:pPr indent="-342900" lvl="0" marL="457200" rtl="0">
+            <a:pPr marL="457200" lvl="0" indent="-342900" rtl="0">
               <a:spcBef>
                 <a:spcPts val="0"/>
               </a:spcBef>
@@ -9831,7 +10040,7 @@
             </a:endParaRPr>
           </a:p>
           <a:p>
-            <a:pPr indent="-342900" lvl="0" marL="457200" rtl="0">
+            <a:pPr marL="457200" lvl="0" indent="-342900" rtl="0">
               <a:spcBef>
                 <a:spcPts val="0"/>
               </a:spcBef>
@@ -9859,7 +10068,7 @@
             </a:endParaRPr>
           </a:p>
           <a:p>
-            <a:pPr indent="-342900" lvl="0" marL="457200" rtl="0">
+            <a:pPr marL="457200" lvl="0" indent="-342900" rtl="0">
               <a:spcBef>
                 <a:spcPts val="0"/>
               </a:spcBef>
@@ -9887,7 +10096,7 @@
             </a:endParaRPr>
           </a:p>
           <a:p>
-            <a:pPr indent="0" lvl="0" marL="0" rtl="0">
+            <a:pPr marL="0" lvl="0" indent="0" rtl="0">
               <a:spcBef>
                 <a:spcPts val="0"/>
               </a:spcBef>
@@ -9901,9 +10110,6 @@
               <a:buFont typeface="Arial"/>
               <a:buNone/>
             </a:pPr>
-            <a:r>
-              <a:t/>
-            </a:r>
             <a:endParaRPr>
               <a:solidFill>
                 <a:schemeClr val="dk1"/>
@@ -9911,7 +10117,7 @@
             </a:endParaRPr>
           </a:p>
           <a:p>
-            <a:pPr indent="0" lvl="0" marL="0">
+            <a:pPr marL="0" lvl="0" indent="0">
               <a:spcBef>
                 <a:spcPts val="0"/>
               </a:spcBef>
@@ -9920,9 +10126,6 @@
               </a:spcAft>
               <a:buNone/>
             </a:pPr>
-            <a:r>
-              <a:t/>
-            </a:r>
             <a:endParaRPr/>
           </a:p>
         </p:txBody>
@@ -9936,11 +10139,11 @@
 </file>
 
 <file path=ppt/slides/slide4.xml><?xml version="1.0" encoding="utf-8"?>
-<p:sld xmlns:a="http://schemas.openxmlformats.org/drawingml/2006/main" xmlns:r="http://schemas.openxmlformats.org/officeDocument/2006/relationships" xmlns:mc="http://schemas.openxmlformats.org/markup-compatibility/2006" xmlns:mv="urn:schemas-microsoft-com:mac:vml" xmlns:p="http://schemas.openxmlformats.org/presentationml/2006/main" xmlns:c="http://schemas.openxmlformats.org/drawingml/2006/chart" xmlns:dgm="http://schemas.openxmlformats.org/drawingml/2006/diagram" xmlns:o="urn:schemas-microsoft-com:office:office" xmlns:v="urn:schemas-microsoft-com:vml" xmlns:pvml="urn:schemas-microsoft-com:office:powerpoint" xmlns:com="http://schemas.openxmlformats.org/drawingml/2006/compatibility" xmlns:p14="http://schemas.microsoft.com/office/powerpoint/2010/main" xmlns:p15="http://schemas.microsoft.com/office/powerpoint/2012/main">
+<p:sld xmlns:a="http://schemas.openxmlformats.org/drawingml/2006/main" xmlns:r="http://schemas.openxmlformats.org/officeDocument/2006/relationships" xmlns:p="http://schemas.openxmlformats.org/presentationml/2006/main">
   <p:cSld>
     <p:spTree>
       <p:nvGrpSpPr>
-        <p:cNvPr id="69" name="Shape 69"/>
+        <p:cNvPr id="1" name="Shape 69"/>
         <p:cNvGrpSpPr/>
         <p:nvPr/>
       </p:nvGrpSpPr>
@@ -9955,7 +10158,9 @@
       <p:sp>
         <p:nvSpPr>
           <p:cNvPr id="70" name="Shape 70"/>
-          <p:cNvSpPr txBox="1"/>
+          <p:cNvSpPr txBox="1">
+            <a:spLocks noGrp="1"/>
+          </p:cNvSpPr>
           <p:nvPr>
             <p:ph type="title"/>
           </p:nvPr>
@@ -9970,12 +10175,12 @@
           </a:prstGeom>
         </p:spPr>
         <p:txBody>
-          <a:bodyPr anchorCtr="0" anchor="t" bIns="91425" lIns="91425" spcFirstLastPara="1" rIns="91425" wrap="square" tIns="91425">
+          <a:bodyPr spcFirstLastPara="1" wrap="square" lIns="91425" tIns="91425" rIns="91425" bIns="91425" anchor="t" anchorCtr="0">
             <a:noAutofit/>
           </a:bodyPr>
           <a:lstStyle/>
           <a:p>
-            <a:pPr indent="0" lvl="0" marL="0" rtl="0">
+            <a:pPr marL="0" lvl="0" indent="0" rtl="0">
               <a:spcBef>
                 <a:spcPts val="0"/>
               </a:spcBef>
@@ -9984,9 +10189,6 @@
               </a:spcAft>
               <a:buNone/>
             </a:pPr>
-            <a:r>
-              <a:t/>
-            </a:r>
             <a:endParaRPr/>
           </a:p>
         </p:txBody>
@@ -9994,9 +10196,11 @@
       <p:sp>
         <p:nvSpPr>
           <p:cNvPr id="71" name="Shape 71"/>
-          <p:cNvSpPr txBox="1"/>
+          <p:cNvSpPr txBox="1">
+            <a:spLocks noGrp="1"/>
+          </p:cNvSpPr>
           <p:nvPr>
-            <p:ph idx="1" type="body"/>
+            <p:ph type="body" idx="1"/>
           </p:nvPr>
         </p:nvSpPr>
         <p:spPr>
@@ -10009,12 +10213,12 @@
           </a:prstGeom>
         </p:spPr>
         <p:txBody>
-          <a:bodyPr anchorCtr="0" anchor="t" bIns="91425" lIns="91425" spcFirstLastPara="1" rIns="91425" wrap="square" tIns="91425">
+          <a:bodyPr spcFirstLastPara="1" wrap="square" lIns="91425" tIns="91425" rIns="91425" bIns="91425" anchor="t" anchorCtr="0">
             <a:noAutofit/>
           </a:bodyPr>
           <a:lstStyle/>
           <a:p>
-            <a:pPr indent="0" lvl="0" marL="0" rtl="0">
+            <a:pPr marL="0" lvl="0" indent="0" rtl="0">
               <a:spcBef>
                 <a:spcPts val="0"/>
               </a:spcBef>
@@ -10038,7 +10242,7 @@
             </a:endParaRPr>
           </a:p>
           <a:p>
-            <a:pPr indent="0" lvl="0" marL="0" rtl="0">
+            <a:pPr marL="0" lvl="0" indent="0" rtl="0">
               <a:spcBef>
                 <a:spcPts val="1600"/>
               </a:spcBef>
@@ -10047,9 +10251,6 @@
               </a:spcAft>
               <a:buNone/>
             </a:pPr>
-            <a:r>
-              <a:t/>
-            </a:r>
             <a:endParaRPr>
               <a:solidFill>
                 <a:schemeClr val="dk1"/>
@@ -10057,7 +10258,7 @@
             </a:endParaRPr>
           </a:p>
           <a:p>
-            <a:pPr indent="0" lvl="0" marL="0" rtl="0">
+            <a:pPr marL="0" lvl="0" indent="0" rtl="0">
               <a:spcBef>
                 <a:spcPts val="1600"/>
               </a:spcBef>
@@ -10081,7 +10282,7 @@
             </a:endParaRPr>
           </a:p>
           <a:p>
-            <a:pPr indent="0" lvl="0" marL="0" rtl="0">
+            <a:pPr marL="0" lvl="0" indent="0" rtl="0">
               <a:spcBef>
                 <a:spcPts val="1600"/>
               </a:spcBef>
@@ -10090,9 +10291,6 @@
               </a:spcAft>
               <a:buNone/>
             </a:pPr>
-            <a:r>
-              <a:t/>
-            </a:r>
             <a:endParaRPr/>
           </a:p>
         </p:txBody>
@@ -10106,11 +10304,11 @@
 </file>
 
 <file path=ppt/slides/slide5.xml><?xml version="1.0" encoding="utf-8"?>
-<p:sld xmlns:a="http://schemas.openxmlformats.org/drawingml/2006/main" xmlns:r="http://schemas.openxmlformats.org/officeDocument/2006/relationships" xmlns:mc="http://schemas.openxmlformats.org/markup-compatibility/2006" xmlns:mv="urn:schemas-microsoft-com:mac:vml" xmlns:p="http://schemas.openxmlformats.org/presentationml/2006/main" xmlns:c="http://schemas.openxmlformats.org/drawingml/2006/chart" xmlns:dgm="http://schemas.openxmlformats.org/drawingml/2006/diagram" xmlns:o="urn:schemas-microsoft-com:office:office" xmlns:v="urn:schemas-microsoft-com:vml" xmlns:pvml="urn:schemas-microsoft-com:office:powerpoint" xmlns:com="http://schemas.openxmlformats.org/drawingml/2006/compatibility" xmlns:p14="http://schemas.microsoft.com/office/powerpoint/2010/main" xmlns:p15="http://schemas.microsoft.com/office/powerpoint/2012/main">
+<p:sld xmlns:a="http://schemas.openxmlformats.org/drawingml/2006/main" xmlns:r="http://schemas.openxmlformats.org/officeDocument/2006/relationships" xmlns:p="http://schemas.openxmlformats.org/presentationml/2006/main">
   <p:cSld>
     <p:spTree>
       <p:nvGrpSpPr>
-        <p:cNvPr id="75" name="Shape 75"/>
+        <p:cNvPr id="1" name="Shape 75"/>
         <p:cNvGrpSpPr/>
         <p:nvPr/>
       </p:nvGrpSpPr>
@@ -10125,7 +10323,9 @@
       <p:sp>
         <p:nvSpPr>
           <p:cNvPr id="76" name="Shape 76"/>
-          <p:cNvSpPr txBox="1"/>
+          <p:cNvSpPr txBox="1">
+            <a:spLocks noGrp="1"/>
+          </p:cNvSpPr>
           <p:nvPr>
             <p:ph type="title"/>
           </p:nvPr>
@@ -10140,12 +10340,12 @@
           </a:prstGeom>
         </p:spPr>
         <p:txBody>
-          <a:bodyPr anchorCtr="0" anchor="t" bIns="91425" lIns="91425" spcFirstLastPara="1" rIns="91425" wrap="square" tIns="91425">
+          <a:bodyPr spcFirstLastPara="1" wrap="square" lIns="91425" tIns="91425" rIns="91425" bIns="91425" anchor="t" anchorCtr="0">
             <a:noAutofit/>
           </a:bodyPr>
           <a:lstStyle/>
           <a:p>
-            <a:pPr indent="0" lvl="0" marL="0" rtl="0">
+            <a:pPr marL="0" lvl="0" indent="0" rtl="0">
               <a:spcBef>
                 <a:spcPts val="0"/>
               </a:spcBef>
@@ -10170,9 +10370,11 @@
       <p:sp>
         <p:nvSpPr>
           <p:cNvPr id="77" name="Shape 77"/>
-          <p:cNvSpPr txBox="1"/>
+          <p:cNvSpPr txBox="1">
+            <a:spLocks noGrp="1"/>
+          </p:cNvSpPr>
           <p:nvPr>
-            <p:ph idx="1" type="body"/>
+            <p:ph type="body" idx="1"/>
           </p:nvPr>
         </p:nvSpPr>
         <p:spPr>
@@ -10185,12 +10387,12 @@
           </a:prstGeom>
         </p:spPr>
         <p:txBody>
-          <a:bodyPr anchorCtr="0" anchor="t" bIns="91425" lIns="91425" spcFirstLastPara="1" rIns="91425" wrap="square" tIns="91425">
+          <a:bodyPr spcFirstLastPara="1" wrap="square" lIns="91425" tIns="91425" rIns="91425" bIns="91425" anchor="t" anchorCtr="0">
             <a:noAutofit/>
           </a:bodyPr>
           <a:lstStyle/>
           <a:p>
-            <a:pPr indent="0" lvl="0" marL="0" rtl="0">
+            <a:pPr marL="0" lvl="0" indent="0" rtl="0">
               <a:spcBef>
                 <a:spcPts val="0"/>
               </a:spcBef>
@@ -10199,9 +10401,6 @@
               </a:spcAft>
               <a:buNone/>
             </a:pPr>
-            <a:r>
-              <a:t/>
-            </a:r>
             <a:endParaRPr/>
           </a:p>
         </p:txBody>
@@ -10213,10 +10412,15 @@
           <p:nvPr/>
         </p:nvPicPr>
         <p:blipFill rotWithShape="1">
-          <a:blip r:embed="rId3">
+          <a:blip r:embed="rId3" cstate="email">
             <a:alphaModFix/>
+            <a:extLst>
+              <a:ext uri="{28A0092B-C50C-407E-A947-70E740481C1C}">
+                <a14:useLocalDpi xmlns:a14="http://schemas.microsoft.com/office/drawing/2010/main"/>
+              </a:ext>
+            </a:extLst>
           </a:blip>
-          <a:srcRect b="-8" l="0" r="0" t="11442"/>
+          <a:srcRect b="-9"/>
           <a:stretch/>
         </p:blipFill>
         <p:spPr>
@@ -10242,11 +10446,11 @@
 </file>
 
 <file path=ppt/slides/slide6.xml><?xml version="1.0" encoding="utf-8"?>
-<p:sld xmlns:a="http://schemas.openxmlformats.org/drawingml/2006/main" xmlns:r="http://schemas.openxmlformats.org/officeDocument/2006/relationships" xmlns:mc="http://schemas.openxmlformats.org/markup-compatibility/2006" xmlns:mv="urn:schemas-microsoft-com:mac:vml" xmlns:p="http://schemas.openxmlformats.org/presentationml/2006/main" xmlns:c="http://schemas.openxmlformats.org/drawingml/2006/chart" xmlns:dgm="http://schemas.openxmlformats.org/drawingml/2006/diagram" xmlns:o="urn:schemas-microsoft-com:office:office" xmlns:v="urn:schemas-microsoft-com:vml" xmlns:pvml="urn:schemas-microsoft-com:office:powerpoint" xmlns:com="http://schemas.openxmlformats.org/drawingml/2006/compatibility" xmlns:p14="http://schemas.microsoft.com/office/powerpoint/2010/main" xmlns:p15="http://schemas.microsoft.com/office/powerpoint/2012/main">
+<p:sld xmlns:a="http://schemas.openxmlformats.org/drawingml/2006/main" xmlns:r="http://schemas.openxmlformats.org/officeDocument/2006/relationships" xmlns:p="http://schemas.openxmlformats.org/presentationml/2006/main">
   <p:cSld>
     <p:spTree>
       <p:nvGrpSpPr>
-        <p:cNvPr id="82" name="Shape 82"/>
+        <p:cNvPr id="1" name="Shape 82"/>
         <p:cNvGrpSpPr/>
         <p:nvPr/>
       </p:nvGrpSpPr>
@@ -10261,9 +10465,11 @@
       <p:sp>
         <p:nvSpPr>
           <p:cNvPr id="83" name="Shape 83"/>
-          <p:cNvSpPr txBox="1"/>
+          <p:cNvSpPr txBox="1">
+            <a:spLocks noGrp="1"/>
+          </p:cNvSpPr>
           <p:nvPr>
-            <p:ph idx="1" type="body"/>
+            <p:ph type="body" idx="1"/>
           </p:nvPr>
         </p:nvSpPr>
         <p:spPr>
@@ -10276,12 +10482,12 @@
           </a:prstGeom>
         </p:spPr>
         <p:txBody>
-          <a:bodyPr anchorCtr="0" anchor="t" bIns="91425" lIns="91425" spcFirstLastPara="1" rIns="91425" wrap="square" tIns="91425">
+          <a:bodyPr spcFirstLastPara="1" wrap="square" lIns="91425" tIns="91425" rIns="91425" bIns="91425" anchor="t" anchorCtr="0">
             <a:noAutofit/>
           </a:bodyPr>
           <a:lstStyle/>
           <a:p>
-            <a:pPr indent="0" lvl="0" marL="0">
+            <a:pPr marL="0" lvl="0" indent="0">
               <a:spcBef>
                 <a:spcPts val="0"/>
               </a:spcBef>
@@ -10297,7 +10503,7 @@
             <a:endParaRPr/>
           </a:p>
           <a:p>
-            <a:pPr indent="0" lvl="0" marL="0">
+            <a:pPr marL="0" lvl="0" indent="0">
               <a:spcBef>
                 <a:spcPts val="1600"/>
               </a:spcBef>
@@ -10313,7 +10519,7 @@
             <a:endParaRPr/>
           </a:p>
           <a:p>
-            <a:pPr indent="-342900" lvl="0" marL="457200" rtl="0">
+            <a:pPr marL="457200" lvl="0" indent="-342900" rtl="0">
               <a:spcBef>
                 <a:spcPts val="1600"/>
               </a:spcBef>
@@ -10330,7 +10536,7 @@
             <a:endParaRPr/>
           </a:p>
           <a:p>
-            <a:pPr indent="0" lvl="0" marL="0">
+            <a:pPr marL="0" lvl="0" indent="0">
               <a:spcBef>
                 <a:spcPts val="1600"/>
               </a:spcBef>
@@ -10344,7 +10550,7 @@
               <a:t>That statement, if generalizable, should hold for </a:t>
             </a:r>
             <a:r>
-              <a:rPr b="1" lang="en"/>
+              <a:rPr lang="en" b="1"/>
               <a:t>any</a:t>
             </a:r>
             <a:r>
@@ -10352,7 +10558,7 @@
               <a:t> </a:t>
             </a:r>
             <a:r>
-              <a:rPr i="1" lang="en"/>
+              <a:rPr lang="en" i="1"/>
               <a:t>valid way of measuring corpus callosum volume</a:t>
             </a:r>
             <a:r>
@@ -10360,7 +10566,7 @@
               <a:t>, and in </a:t>
             </a:r>
             <a:r>
-              <a:rPr b="1" lang="en"/>
+              <a:rPr lang="en" b="1"/>
               <a:t>all</a:t>
             </a:r>
             <a:r>
@@ -10368,7 +10574,7 @@
               <a:t> </a:t>
             </a:r>
             <a:r>
-              <a:rPr i="1" lang="en"/>
+              <a:rPr lang="en" i="1"/>
               <a:t>children with Autism</a:t>
             </a:r>
             <a:r>
@@ -10378,7 +10584,7 @@
             <a:endParaRPr/>
           </a:p>
           <a:p>
-            <a:pPr indent="0" lvl="0" marL="0" rtl="0">
+            <a:pPr marL="0" lvl="0" indent="0" rtl="0">
               <a:spcBef>
                 <a:spcPts val="1600"/>
               </a:spcBef>
@@ -10389,36 +10595,12 @@
             </a:pPr>
             <a:r>
               <a:rPr lang="en"/>
-              <a:t>Individual papers usually do not explore multiple valid ways of making a measurement (i.e. run FreeSurfer and ANTS); and, particularly for complex spectrum-style disorders, the </a:t>
-            </a:r>
-            <a:r>
-              <a:rPr lang="en"/>
-              <a:t>representativeness</a:t>
-            </a:r>
-            <a:r>
-              <a:rPr lang="en"/>
-              <a:t> of any finite sample and a disorder is to be questioned (it is possible that the subset of patients with autism that consent to undergo a MRI scan is not a </a:t>
-            </a:r>
-            <a:r>
-              <a:rPr lang="en"/>
-              <a:t>truly</a:t>
-            </a:r>
-            <a:r>
-              <a:rPr lang="en"/>
-              <a:t> </a:t>
-            </a:r>
-            <a:r>
-              <a:rPr lang="en"/>
-              <a:t>representative</a:t>
-            </a:r>
-            <a:r>
-              <a:rPr lang="en"/>
-              <a:t> sample of the Autism diagnosis, for example…)</a:t>
+              <a:t>Individual papers usually do not explore multiple valid ways of making a measurement (i.e. run FreeSurfer and ANTS); and, particularly for complex spectrum-style disorders, the representativeness of any finite sample and a disorder is to be questioned (it is possible that the subset of patients with autism that consent to undergo a MRI scan is not a truly representative sample of the Autism diagnosis, for example…)</a:t>
             </a:r>
             <a:endParaRPr/>
           </a:p>
           <a:p>
-            <a:pPr indent="0" lvl="0" marL="0">
+            <a:pPr marL="0" lvl="0" indent="0">
               <a:spcBef>
                 <a:spcPts val="1600"/>
               </a:spcBef>
@@ -10427,13 +10609,10 @@
               </a:spcAft>
               <a:buNone/>
             </a:pPr>
-            <a:r>
-              <a:t/>
-            </a:r>
             <a:endParaRPr/>
           </a:p>
           <a:p>
-            <a:pPr indent="0" lvl="0" marL="0">
+            <a:pPr marL="0" lvl="0" indent="0">
               <a:spcBef>
                 <a:spcPts val="1600"/>
               </a:spcBef>
@@ -10442,9 +10621,6 @@
               </a:spcAft>
               <a:buNone/>
             </a:pPr>
-            <a:r>
-              <a:t/>
-            </a:r>
             <a:endParaRPr/>
           </a:p>
         </p:txBody>
@@ -10458,11 +10634,11 @@
 </file>
 
 <file path=ppt/slides/slide7.xml><?xml version="1.0" encoding="utf-8"?>
-<p:sld xmlns:a="http://schemas.openxmlformats.org/drawingml/2006/main" xmlns:r="http://schemas.openxmlformats.org/officeDocument/2006/relationships" xmlns:mc="http://schemas.openxmlformats.org/markup-compatibility/2006" xmlns:mv="urn:schemas-microsoft-com:mac:vml" xmlns:p="http://schemas.openxmlformats.org/presentationml/2006/main" xmlns:c="http://schemas.openxmlformats.org/drawingml/2006/chart" xmlns:dgm="http://schemas.openxmlformats.org/drawingml/2006/diagram" xmlns:o="urn:schemas-microsoft-com:office:office" xmlns:v="urn:schemas-microsoft-com:vml" xmlns:pvml="urn:schemas-microsoft-com:office:powerpoint" xmlns:com="http://schemas.openxmlformats.org/drawingml/2006/compatibility" xmlns:p14="http://schemas.microsoft.com/office/powerpoint/2010/main" xmlns:p15="http://schemas.microsoft.com/office/powerpoint/2012/main">
+<p:sld xmlns:a="http://schemas.openxmlformats.org/drawingml/2006/main" xmlns:r="http://schemas.openxmlformats.org/officeDocument/2006/relationships" xmlns:p="http://schemas.openxmlformats.org/presentationml/2006/main">
   <p:cSld>
     <p:spTree>
       <p:nvGrpSpPr>
-        <p:cNvPr id="87" name="Shape 87"/>
+        <p:cNvPr id="1" name="Shape 87"/>
         <p:cNvGrpSpPr/>
         <p:nvPr/>
       </p:nvGrpSpPr>
@@ -10481,8 +10657,13 @@
           <p:nvPr/>
         </p:nvPicPr>
         <p:blipFill>
-          <a:blip r:embed="rId3">
+          <a:blip r:embed="rId3" cstate="email">
             <a:alphaModFix/>
+            <a:extLst>
+              <a:ext uri="{28A0092B-C50C-407E-A947-70E740481C1C}">
+                <a14:useLocalDpi xmlns:a14="http://schemas.microsoft.com/office/drawing/2010/main"/>
+              </a:ext>
+            </a:extLst>
           </a:blip>
           <a:stretch>
             <a:fillRect/>
@@ -10511,11 +10692,11 @@
 </file>
 
 <file path=ppt/slides/slide8.xml><?xml version="1.0" encoding="utf-8"?>
-<p:sld xmlns:a="http://schemas.openxmlformats.org/drawingml/2006/main" xmlns:r="http://schemas.openxmlformats.org/officeDocument/2006/relationships" xmlns:mc="http://schemas.openxmlformats.org/markup-compatibility/2006" xmlns:mv="urn:schemas-microsoft-com:mac:vml" xmlns:p="http://schemas.openxmlformats.org/presentationml/2006/main" xmlns:c="http://schemas.openxmlformats.org/drawingml/2006/chart" xmlns:dgm="http://schemas.openxmlformats.org/drawingml/2006/diagram" xmlns:o="urn:schemas-microsoft-com:office:office" xmlns:v="urn:schemas-microsoft-com:vml" xmlns:pvml="urn:schemas-microsoft-com:office:powerpoint" xmlns:com="http://schemas.openxmlformats.org/drawingml/2006/compatibility" xmlns:p14="http://schemas.microsoft.com/office/powerpoint/2010/main" xmlns:p15="http://schemas.microsoft.com/office/powerpoint/2012/main">
+<p:sld xmlns:a="http://schemas.openxmlformats.org/drawingml/2006/main" xmlns:r="http://schemas.openxmlformats.org/officeDocument/2006/relationships" xmlns:p="http://schemas.openxmlformats.org/presentationml/2006/main">
   <p:cSld>
     <p:spTree>
       <p:nvGrpSpPr>
-        <p:cNvPr id="92" name="Shape 92"/>
+        <p:cNvPr id="1" name="Shape 92"/>
         <p:cNvGrpSpPr/>
         <p:nvPr/>
       </p:nvGrpSpPr>
@@ -10530,7 +10711,9 @@
       <p:sp>
         <p:nvSpPr>
           <p:cNvPr id="93" name="Shape 93"/>
-          <p:cNvSpPr txBox="1"/>
+          <p:cNvSpPr txBox="1">
+            <a:spLocks noGrp="1"/>
+          </p:cNvSpPr>
           <p:nvPr>
             <p:ph type="title"/>
           </p:nvPr>
@@ -10545,12 +10728,12 @@
           </a:prstGeom>
         </p:spPr>
         <p:txBody>
-          <a:bodyPr anchorCtr="0" anchor="t" bIns="91425" lIns="91425" spcFirstLastPara="1" rIns="91425" wrap="square" tIns="91425">
+          <a:bodyPr spcFirstLastPara="1" wrap="square" lIns="91425" tIns="91425" rIns="91425" bIns="91425" anchor="t" anchorCtr="0">
             <a:noAutofit/>
           </a:bodyPr>
           <a:lstStyle/>
           <a:p>
-            <a:pPr indent="0" lvl="0" marL="0" rtl="0">
+            <a:pPr marL="0" lvl="0" indent="0" rtl="0">
               <a:spcBef>
                 <a:spcPts val="0"/>
               </a:spcBef>
@@ -10560,7 +10743,7 @@
               <a:buNone/>
             </a:pPr>
             <a:r>
-              <a:rPr b="1" lang="en" sz="3200"/>
+              <a:rPr lang="en" sz="3200" b="1"/>
               <a:t>Progress in improving mental health outcomes has been slow</a:t>
             </a:r>
             <a:endParaRPr/>
@@ -10570,9 +10753,11 @@
       <p:sp>
         <p:nvSpPr>
           <p:cNvPr id="94" name="Shape 94"/>
-          <p:cNvSpPr txBox="1"/>
+          <p:cNvSpPr txBox="1">
+            <a:spLocks noGrp="1"/>
+          </p:cNvSpPr>
           <p:nvPr>
-            <p:ph idx="1" type="body"/>
+            <p:ph type="body" idx="1"/>
           </p:nvPr>
         </p:nvSpPr>
         <p:spPr>
@@ -10585,12 +10770,12 @@
           </a:prstGeom>
         </p:spPr>
         <p:txBody>
-          <a:bodyPr anchorCtr="0" anchor="t" bIns="91425" lIns="91425" spcFirstLastPara="1" rIns="91425" wrap="square" tIns="91425">
+          <a:bodyPr spcFirstLastPara="1" wrap="square" lIns="91425" tIns="91425" rIns="91425" bIns="91425" anchor="t" anchorCtr="0">
             <a:noAutofit/>
           </a:bodyPr>
           <a:lstStyle/>
           <a:p>
-            <a:pPr indent="-342900" lvl="0" marL="457200" rtl="0">
+            <a:pPr marL="457200" lvl="0" indent="-342900" rtl="0">
               <a:spcBef>
                 <a:spcPts val="600"/>
               </a:spcBef>
@@ -10651,7 +10836,7 @@
             </a:endParaRPr>
           </a:p>
           <a:p>
-            <a:pPr indent="0" lvl="0" marL="0" rtl="0">
+            <a:pPr marL="0" lvl="0" indent="0" rtl="0">
               <a:spcBef>
                 <a:spcPts val="0"/>
               </a:spcBef>
@@ -10660,9 +10845,6 @@
               </a:spcAft>
               <a:buNone/>
             </a:pPr>
-            <a:r>
-              <a:t/>
-            </a:r>
             <a:endParaRPr/>
           </a:p>
         </p:txBody>
@@ -10687,12 +10869,12 @@
           </a:ln>
         </p:spPr>
         <p:txBody>
-          <a:bodyPr anchorCtr="0" anchor="t" bIns="91425" lIns="91425" spcFirstLastPara="1" rIns="91425" wrap="square" tIns="91425">
+          <a:bodyPr spcFirstLastPara="1" wrap="square" lIns="91425" tIns="91425" rIns="91425" bIns="91425" anchor="t" anchorCtr="0">
             <a:noAutofit/>
           </a:bodyPr>
           <a:lstStyle/>
           <a:p>
-            <a:pPr indent="0" lvl="0" marL="0" rtl="0">
+            <a:pPr marL="0" lvl="0" indent="0" rtl="0">
               <a:lnSpc>
                 <a:spcPct val="100000"/>
               </a:lnSpc>
@@ -10717,7 +10899,7 @@
               <a:t>S Kapur, A G Phillips and T R Insel, </a:t>
             </a:r>
             <a:r>
-              <a:rPr i="1" lang="en" sz="1800">
+              <a:rPr lang="en" sz="1800" i="1">
                 <a:solidFill>
                   <a:schemeClr val="dk1"/>
                 </a:solidFill>
@@ -10764,12 +10946,12 @@
           </a:ln>
         </p:spPr>
         <p:txBody>
-          <a:bodyPr anchorCtr="0" anchor="t" bIns="91425" lIns="91425" spcFirstLastPara="1" rIns="91425" wrap="square" tIns="91425">
+          <a:bodyPr spcFirstLastPara="1" wrap="square" lIns="91425" tIns="91425" rIns="91425" bIns="91425" anchor="t" anchorCtr="0">
             <a:noAutofit/>
           </a:bodyPr>
           <a:lstStyle/>
           <a:p>
-            <a:pPr indent="0" lvl="0" marL="0" rtl="0">
+            <a:pPr marL="0" lvl="0" indent="0" rtl="0">
               <a:spcBef>
                 <a:spcPts val="0"/>
               </a:spcBef>
@@ -10779,7 +10961,7 @@
               <a:buNone/>
             </a:pPr>
             <a:r>
-              <a:rPr b="1" lang="en" sz="1800"/>
+              <a:rPr lang="en" sz="1800" b="1"/>
               <a:t>Causes include:</a:t>
             </a:r>
             <a:r>
@@ -10798,32 +10980,32 @@
   <p:timing>
     <p:tnLst>
       <p:par>
-        <p:cTn dur="indefinite" nodeType="tmRoot" restart="never">
+        <p:cTn id="1" dur="indefinite" restart="never" nodeType="tmRoot">
           <p:childTnLst>
             <p:seq concurrent="1" nextAc="seek">
-              <p:cTn dur="indefinite" id="2" nodeType="mainSeq">
+              <p:cTn id="2" dur="indefinite" nodeType="mainSeq">
                 <p:childTnLst>
                   <p:par>
-                    <p:cTn fill="hold">
+                    <p:cTn id="3" fill="hold">
                       <p:stCondLst>
                         <p:cond delay="indefinite"/>
                       </p:stCondLst>
                       <p:childTnLst>
                         <p:par>
-                          <p:cTn fill="hold">
+                          <p:cTn id="4" fill="hold">
                             <p:stCondLst>
                               <p:cond delay="0"/>
                             </p:stCondLst>
                             <p:childTnLst>
                               <p:par>
-                                <p:cTn fill="hold" nodeType="clickEffect" presetClass="entr" presetID="10" presetSubtype="0">
+                                <p:cTn id="5" presetID="10" presetClass="entr" presetSubtype="0" fill="hold" nodeType="clickEffect">
                                   <p:stCondLst>
                                     <p:cond delay="0"/>
                                   </p:stCondLst>
                                   <p:childTnLst>
                                     <p:set>
                                       <p:cBhvr>
-                                        <p:cTn dur="1" fill="hold">
+                                        <p:cTn id="6" dur="1" fill="hold">
                                           <p:stCondLst>
                                             <p:cond delay="0"/>
                                           </p:stCondLst>
@@ -10839,9 +11021,9 @@
                                         <p:strVal val="visible"/>
                                       </p:to>
                                     </p:set>
-                                    <p:animEffect filter="fade" transition="in">
+                                    <p:animEffect transition="in" filter="fade">
                                       <p:cBhvr>
-                                        <p:cTn dur="1000"/>
+                                        <p:cTn id="7" dur="1000"/>
                                         <p:tgtEl>
                                           <p:spTgt spid="96"/>
                                         </p:tgtEl>
@@ -10859,14 +11041,14 @@
                 </p:childTnLst>
               </p:cTn>
               <p:prevCondLst>
-                <p:cond evt="onPrev">
+                <p:cond evt="onPrev" delay="0">
                   <p:tgtEl>
                     <p:sldTgt/>
                   </p:tgtEl>
                 </p:cond>
               </p:prevCondLst>
               <p:nextCondLst>
-                <p:cond evt="onNext">
+                <p:cond evt="onNext" delay="0">
                   <p:tgtEl>
                     <p:sldTgt/>
                   </p:tgtEl>
@@ -10882,18 +11064,19 @@
 </file>
 
 <file path=ppt/slides/slide9.xml><?xml version="1.0" encoding="utf-8"?>
-<p:sld xmlns:a="http://schemas.openxmlformats.org/drawingml/2006/main" xmlns:r="http://schemas.openxmlformats.org/officeDocument/2006/relationships" xmlns:mc="http://schemas.openxmlformats.org/markup-compatibility/2006" xmlns:mv="urn:schemas-microsoft-com:mac:vml" xmlns:p="http://schemas.openxmlformats.org/presentationml/2006/main" xmlns:c="http://schemas.openxmlformats.org/drawingml/2006/chart" xmlns:dgm="http://schemas.openxmlformats.org/drawingml/2006/diagram" xmlns:o="urn:schemas-microsoft-com:office:office" xmlns:v="urn:schemas-microsoft-com:vml" xmlns:pvml="urn:schemas-microsoft-com:office:powerpoint" xmlns:com="http://schemas.openxmlformats.org/drawingml/2006/compatibility" xmlns:p14="http://schemas.microsoft.com/office/powerpoint/2010/main" xmlns:p15="http://schemas.microsoft.com/office/powerpoint/2012/main">
+<p:sld xmlns:a="http://schemas.openxmlformats.org/drawingml/2006/main" xmlns:r="http://schemas.openxmlformats.org/officeDocument/2006/relationships" xmlns:p="http://schemas.openxmlformats.org/presentationml/2006/main">
   <p:cSld>
     <p:bg>
       <p:bgPr>
         <a:solidFill>
           <a:srgbClr val="FFFFFF"/>
         </a:solidFill>
+        <a:effectLst/>
       </p:bgPr>
     </p:bg>
     <p:spTree>
       <p:nvGrpSpPr>
-        <p:cNvPr id="100" name="Shape 100"/>
+        <p:cNvPr id="1" name="Shape 100"/>
         <p:cNvGrpSpPr/>
         <p:nvPr/>
       </p:nvGrpSpPr>
@@ -10908,7 +11091,9 @@
       <p:sp>
         <p:nvSpPr>
           <p:cNvPr id="101" name="Shape 101"/>
-          <p:cNvSpPr txBox="1"/>
+          <p:cNvSpPr txBox="1">
+            <a:spLocks noGrp="1"/>
+          </p:cNvSpPr>
           <p:nvPr>
             <p:ph type="title"/>
           </p:nvPr>
@@ -10923,12 +11108,12 @@
           </a:prstGeom>
         </p:spPr>
         <p:txBody>
-          <a:bodyPr anchorCtr="0" anchor="t" bIns="91425" lIns="91425" spcFirstLastPara="1" rIns="91425" wrap="square" tIns="91425">
+          <a:bodyPr spcFirstLastPara="1" wrap="square" lIns="91425" tIns="91425" rIns="91425" bIns="91425" anchor="t" anchorCtr="0">
             <a:noAutofit/>
           </a:bodyPr>
           <a:lstStyle/>
           <a:p>
-            <a:pPr indent="0" lvl="0" marL="0" rtl="0">
+            <a:pPr marL="0" lvl="0" indent="0" rtl="0">
               <a:lnSpc>
                 <a:spcPct val="115000"/>
               </a:lnSpc>
@@ -10941,7 +11126,7 @@
               <a:buNone/>
             </a:pPr>
             <a:r>
-              <a:rPr b="1" lang="en" sz="3200" u="sng">
+              <a:rPr lang="en" sz="3200" b="1" u="sng">
                 <a:latin typeface="Calibri"/>
                 <a:ea typeface="Calibri"/>
                 <a:cs typeface="Calibri"/>
@@ -10956,9 +11141,11 @@
       <p:sp>
         <p:nvSpPr>
           <p:cNvPr id="102" name="Shape 102"/>
-          <p:cNvSpPr txBox="1"/>
+          <p:cNvSpPr txBox="1">
+            <a:spLocks noGrp="1"/>
+          </p:cNvSpPr>
           <p:nvPr>
-            <p:ph idx="1" type="body"/>
+            <p:ph type="body" idx="1"/>
           </p:nvPr>
         </p:nvSpPr>
         <p:spPr>
@@ -10971,12 +11158,12 @@
           </a:prstGeom>
         </p:spPr>
         <p:txBody>
-          <a:bodyPr anchorCtr="0" anchor="t" bIns="91425" lIns="91425" spcFirstLastPara="1" rIns="91425" wrap="square" tIns="91425">
+          <a:bodyPr spcFirstLastPara="1" wrap="square" lIns="91425" tIns="91425" rIns="91425" bIns="91425" anchor="t" anchorCtr="0">
             <a:noAutofit/>
           </a:bodyPr>
           <a:lstStyle/>
           <a:p>
-            <a:pPr indent="0" lvl="0" marL="0" rtl="0">
+            <a:pPr marL="0" lvl="0" indent="0" rtl="0">
               <a:spcBef>
                 <a:spcPts val="0"/>
               </a:spcBef>
@@ -10985,9 +11172,6 @@
               </a:spcAft>
               <a:buNone/>
             </a:pPr>
-            <a:r>
-              <a:t/>
-            </a:r>
             <a:endParaRPr/>
           </a:p>
         </p:txBody>
@@ -11005,31 +11189,31 @@
           </a:xfrm>
           <a:prstGeom prst="curvedDownArrow">
             <a:avLst>
-              <a:gd fmla="val 25000" name="adj1"/>
-              <a:gd fmla="val 50000" name="adj2"/>
-              <a:gd fmla="val 25000" name="adj3"/>
+              <a:gd name="adj1" fmla="val 25000"/>
+              <a:gd name="adj2" fmla="val 50000"/>
+              <a:gd name="adj3" fmla="val 25000"/>
             </a:avLst>
           </a:prstGeom>
           <a:solidFill>
             <a:schemeClr val="lt2"/>
           </a:solidFill>
-          <a:ln cap="flat" cmpd="sng" w="9525">
+          <a:ln w="9525" cap="flat" cmpd="sng">
             <a:solidFill>
               <a:schemeClr val="dk2"/>
             </a:solidFill>
             <a:prstDash val="solid"/>
             <a:round/>
-            <a:headEnd len="sm" w="sm" type="none"/>
-            <a:tailEnd len="sm" w="sm" type="none"/>
+            <a:headEnd type="none" w="sm" len="sm"/>
+            <a:tailEnd type="none" w="sm" len="sm"/>
           </a:ln>
         </p:spPr>
         <p:txBody>
-          <a:bodyPr anchorCtr="0" anchor="ctr" bIns="91425" lIns="91425" spcFirstLastPara="1" rIns="91425" wrap="square" tIns="91425">
+          <a:bodyPr spcFirstLastPara="1" wrap="square" lIns="91425" tIns="91425" rIns="91425" bIns="91425" anchor="ctr" anchorCtr="0">
             <a:noAutofit/>
           </a:bodyPr>
           <a:lstStyle/>
           <a:p>
-            <a:pPr indent="0" lvl="0" marL="0">
+            <a:pPr marL="0" lvl="0" indent="0">
               <a:spcBef>
                 <a:spcPts val="0"/>
               </a:spcBef>
@@ -11038,9 +11222,6 @@
               </a:spcAft>
               <a:buNone/>
             </a:pPr>
-            <a:r>
-              <a:t/>
-            </a:r>
             <a:endParaRPr/>
           </a:p>
         </p:txBody>
@@ -11058,31 +11239,31 @@
           </a:xfrm>
           <a:prstGeom prst="curvedDownArrow">
             <a:avLst>
-              <a:gd fmla="val 25000" name="adj1"/>
-              <a:gd fmla="val 50000" name="adj2"/>
-              <a:gd fmla="val 25000" name="adj3"/>
+              <a:gd name="adj1" fmla="val 25000"/>
+              <a:gd name="adj2" fmla="val 50000"/>
+              <a:gd name="adj3" fmla="val 25000"/>
             </a:avLst>
           </a:prstGeom>
           <a:solidFill>
             <a:schemeClr val="lt2"/>
           </a:solidFill>
-          <a:ln cap="flat" cmpd="sng" w="9525">
+          <a:ln w="9525" cap="flat" cmpd="sng">
             <a:solidFill>
               <a:schemeClr val="dk2"/>
             </a:solidFill>
             <a:prstDash val="solid"/>
             <a:round/>
-            <a:headEnd len="sm" w="sm" type="none"/>
-            <a:tailEnd len="sm" w="sm" type="none"/>
+            <a:headEnd type="none" w="sm" len="sm"/>
+            <a:tailEnd type="none" w="sm" len="sm"/>
           </a:ln>
         </p:spPr>
         <p:txBody>
-          <a:bodyPr anchorCtr="0" anchor="ctr" bIns="91425" lIns="91425" spcFirstLastPara="1" rIns="91425" wrap="square" tIns="91425">
+          <a:bodyPr spcFirstLastPara="1" wrap="square" lIns="91425" tIns="91425" rIns="91425" bIns="91425" anchor="ctr" anchorCtr="0">
             <a:noAutofit/>
           </a:bodyPr>
           <a:lstStyle/>
           <a:p>
-            <a:pPr indent="0" lvl="0" marL="0">
+            <a:pPr marL="0" lvl="0" indent="0">
               <a:spcBef>
                 <a:spcPts val="0"/>
               </a:spcBef>
@@ -11091,9 +11272,6 @@
               </a:spcAft>
               <a:buNone/>
             </a:pPr>
-            <a:r>
-              <a:t/>
-            </a:r>
             <a:endParaRPr/>
           </a:p>
         </p:txBody>
@@ -11132,12 +11310,12 @@
             </a:ln>
           </p:spPr>
           <p:txBody>
-            <a:bodyPr anchorCtr="0" anchor="t" bIns="91425" lIns="91425" spcFirstLastPara="1" rIns="91425" wrap="square" tIns="91425">
+            <a:bodyPr spcFirstLastPara="1" wrap="square" lIns="91425" tIns="91425" rIns="91425" bIns="91425" anchor="t" anchorCtr="0">
               <a:noAutofit/>
             </a:bodyPr>
             <a:lstStyle/>
             <a:p>
-              <a:pPr indent="0" lvl="0" marL="0" rtl="0">
+              <a:pPr marL="0" lvl="0" indent="0" rtl="0">
                 <a:spcBef>
                   <a:spcPts val="0"/>
                 </a:spcBef>
@@ -11147,7 +11325,7 @@
                 <a:buNone/>
               </a:pPr>
               <a:r>
-                <a:rPr b="1" lang="en"/>
+                <a:rPr lang="en" b="1"/>
                 <a:t>Variance Points</a:t>
               </a:r>
               <a:endParaRPr b="1"/>
@@ -11161,7 +11339,7 @@
             <p:nvPr/>
           </p:nvCxnSpPr>
           <p:spPr>
-            <a:xfrm flipH="1" rot="10800000">
+            <a:xfrm rot="10800000" flipH="1">
               <a:off x="2166675" y="3858700"/>
               <a:ext cx="31200" cy="1153500"/>
             </a:xfrm>
@@ -11169,14 +11347,14 @@
               <a:avLst/>
             </a:prstGeom>
             <a:noFill/>
-            <a:ln cap="flat" cmpd="sng" w="38100">
+            <a:ln w="38100" cap="flat" cmpd="sng">
               <a:solidFill>
                 <a:schemeClr val="dk2"/>
               </a:solidFill>
               <a:prstDash val="solid"/>
               <a:round/>
-              <a:headEnd len="med" w="med" type="none"/>
-              <a:tailEnd len="med" w="med" type="triangle"/>
+              <a:headEnd type="none" w="med" len="med"/>
+              <a:tailEnd type="triangle" w="med" len="med"/>
             </a:ln>
           </p:spPr>
         </p:cxnSp>
@@ -11202,12 +11380,12 @@
             </a:ln>
           </p:spPr>
           <p:txBody>
-            <a:bodyPr anchorCtr="0" anchor="t" bIns="91425" lIns="91425" spcFirstLastPara="1" rIns="91425" wrap="square" tIns="91425">
+            <a:bodyPr spcFirstLastPara="1" wrap="square" lIns="91425" tIns="91425" rIns="91425" bIns="91425" anchor="t" anchorCtr="0">
               <a:noAutofit/>
             </a:bodyPr>
             <a:lstStyle/>
             <a:p>
-              <a:pPr indent="0" lvl="0" marL="0" rtl="0">
+              <a:pPr marL="0" lvl="0" indent="0" rtl="0">
                 <a:spcBef>
                   <a:spcPts val="0"/>
                 </a:spcBef>
@@ -11217,10 +11395,10 @@
                 <a:buNone/>
               </a:pPr>
               <a:r>
-                <a:rPr b="1" lang="en" sz="1800"/>
+                <a:rPr lang="en" sz="1800" b="1"/>
                 <a:t>?</a:t>
               </a:r>
-              <a:endParaRPr b="1" sz="1800"/>
+              <a:endParaRPr sz="1800" b="1"/>
             </a:p>
           </p:txBody>
         </p:sp>
@@ -11231,7 +11409,7 @@
             <p:nvPr/>
           </p:nvCxnSpPr>
           <p:spPr>
-            <a:xfrm flipH="1" rot="10800000">
+            <a:xfrm rot="10800000" flipH="1">
               <a:off x="4691225" y="3913800"/>
               <a:ext cx="31200" cy="1153500"/>
             </a:xfrm>
@@ -11239,14 +11417,14 @@
               <a:avLst/>
             </a:prstGeom>
             <a:noFill/>
-            <a:ln cap="flat" cmpd="sng" w="38100">
+            <a:ln w="38100" cap="flat" cmpd="sng">
               <a:solidFill>
                 <a:schemeClr val="dk2"/>
               </a:solidFill>
               <a:prstDash val="solid"/>
               <a:round/>
-              <a:headEnd len="med" w="med" type="none"/>
-              <a:tailEnd len="med" w="med" type="triangle"/>
+              <a:headEnd type="none" w="med" len="med"/>
+              <a:tailEnd type="triangle" w="med" len="med"/>
             </a:ln>
           </p:spPr>
         </p:cxnSp>
@@ -11272,12 +11450,12 @@
             </a:ln>
           </p:spPr>
           <p:txBody>
-            <a:bodyPr anchorCtr="0" anchor="t" bIns="91425" lIns="91425" spcFirstLastPara="1" rIns="91425" wrap="square" tIns="91425">
+            <a:bodyPr spcFirstLastPara="1" wrap="square" lIns="91425" tIns="91425" rIns="91425" bIns="91425" anchor="t" anchorCtr="0">
               <a:noAutofit/>
             </a:bodyPr>
             <a:lstStyle/>
             <a:p>
-              <a:pPr indent="0" lvl="0" marL="0" rtl="0">
+              <a:pPr marL="0" lvl="0" indent="0" rtl="0">
                 <a:spcBef>
                   <a:spcPts val="0"/>
                 </a:spcBef>
@@ -11287,10 +11465,10 @@
                 <a:buNone/>
               </a:pPr>
               <a:r>
-                <a:rPr b="1" lang="en" sz="1800"/>
+                <a:rPr lang="en" sz="1800" b="1"/>
                 <a:t>?</a:t>
               </a:r>
-              <a:endParaRPr b="1" sz="1800"/>
+              <a:endParaRPr sz="1800" b="1"/>
             </a:p>
           </p:txBody>
         </p:sp>
@@ -11301,7 +11479,7 @@
             <p:nvPr/>
           </p:nvCxnSpPr>
           <p:spPr>
-            <a:xfrm flipH="1" rot="10800000">
+            <a:xfrm rot="10800000" flipH="1">
               <a:off x="6511375" y="3913800"/>
               <a:ext cx="31200" cy="1153500"/>
             </a:xfrm>
@@ -11309,14 +11487,14 @@
               <a:avLst/>
             </a:prstGeom>
             <a:noFill/>
-            <a:ln cap="flat" cmpd="sng" w="38100">
+            <a:ln w="38100" cap="flat" cmpd="sng">
               <a:solidFill>
                 <a:schemeClr val="dk2"/>
               </a:solidFill>
               <a:prstDash val="solid"/>
               <a:round/>
-              <a:headEnd len="med" w="med" type="none"/>
-              <a:tailEnd len="med" w="med" type="triangle"/>
+              <a:headEnd type="none" w="med" len="med"/>
+              <a:tailEnd type="triangle" w="med" len="med"/>
             </a:ln>
           </p:spPr>
         </p:cxnSp>
@@ -11342,12 +11520,12 @@
             </a:ln>
           </p:spPr>
           <p:txBody>
-            <a:bodyPr anchorCtr="0" anchor="t" bIns="91425" lIns="91425" spcFirstLastPara="1" rIns="91425" wrap="square" tIns="91425">
+            <a:bodyPr spcFirstLastPara="1" wrap="square" lIns="91425" tIns="91425" rIns="91425" bIns="91425" anchor="t" anchorCtr="0">
               <a:noAutofit/>
             </a:bodyPr>
             <a:lstStyle/>
             <a:p>
-              <a:pPr indent="0" lvl="0" marL="0" rtl="0">
+              <a:pPr marL="0" lvl="0" indent="0" rtl="0">
                 <a:spcBef>
                   <a:spcPts val="0"/>
                 </a:spcBef>
@@ -11357,10 +11535,10 @@
                 <a:buNone/>
               </a:pPr>
               <a:r>
-                <a:rPr b="1" lang="en" sz="1800"/>
+                <a:rPr lang="en" sz="1800" b="1"/>
                 <a:t>?</a:t>
               </a:r>
-              <a:endParaRPr b="1" sz="1800"/>
+              <a:endParaRPr sz="1800" b="1"/>
             </a:p>
           </p:txBody>
         </p:sp>
@@ -11401,32 +11579,32 @@
   <p:timing>
     <p:tnLst>
       <p:par>
-        <p:cTn dur="indefinite" nodeType="tmRoot" restart="never">
+        <p:cTn id="1" dur="indefinite" restart="never" nodeType="tmRoot">
           <p:childTnLst>
             <p:seq concurrent="1" nextAc="seek">
-              <p:cTn dur="indefinite" id="2" nodeType="mainSeq">
+              <p:cTn id="2" dur="indefinite" nodeType="mainSeq">
                 <p:childTnLst>
                   <p:par>
-                    <p:cTn fill="hold">
+                    <p:cTn id="3" fill="hold">
                       <p:stCondLst>
                         <p:cond delay="indefinite"/>
                       </p:stCondLst>
                       <p:childTnLst>
                         <p:par>
-                          <p:cTn fill="hold">
+                          <p:cTn id="4" fill="hold">
                             <p:stCondLst>
                               <p:cond delay="0"/>
                             </p:stCondLst>
                             <p:childTnLst>
                               <p:par>
-                                <p:cTn fill="hold" nodeType="clickEffect" presetClass="entr" presetID="10" presetSubtype="0">
+                                <p:cTn id="5" presetID="10" presetClass="entr" presetSubtype="0" fill="hold" nodeType="clickEffect">
                                   <p:stCondLst>
                                     <p:cond delay="0"/>
                                   </p:stCondLst>
                                   <p:childTnLst>
                                     <p:set>
                                       <p:cBhvr>
-                                        <p:cTn dur="1" fill="hold">
+                                        <p:cTn id="6" dur="1" fill="hold">
                                           <p:stCondLst>
                                             <p:cond delay="0"/>
                                           </p:stCondLst>
@@ -11442,9 +11620,9 @@
                                         <p:strVal val="visible"/>
                                       </p:to>
                                     </p:set>
-                                    <p:animEffect filter="fade" transition="in">
+                                    <p:animEffect transition="in" filter="fade">
                                       <p:cBhvr>
-                                        <p:cTn dur="1000"/>
+                                        <p:cTn id="7" dur="1000"/>
                                         <p:tgtEl>
                                           <p:spTgt spid="105"/>
                                         </p:tgtEl>
@@ -11462,14 +11640,14 @@
                 </p:childTnLst>
               </p:cTn>
               <p:prevCondLst>
-                <p:cond evt="onPrev">
+                <p:cond evt="onPrev" delay="0">
                   <p:tgtEl>
                     <p:sldTgt/>
                   </p:tgtEl>
                 </p:cond>
               </p:prevCondLst>
               <p:nextCondLst>
-                <p:cond evt="onNext">
+                <p:cond evt="onNext" delay="0">
                   <p:tgtEl>
                     <p:sldTgt/>
                   </p:tgtEl>
@@ -11485,7 +11663,7 @@
 </file>
 
 <file path=ppt/theme/theme1.xml><?xml version="1.0" encoding="utf-8"?>
-<a:theme xmlns:a="http://schemas.openxmlformats.org/drawingml/2006/main" xmlns:r="http://schemas.openxmlformats.org/officeDocument/2006/relationships" name="Simple Light">
+<a:theme xmlns:a="http://schemas.openxmlformats.org/drawingml/2006/main" name="Simple Light">
   <a:themeElements>
     <a:clrScheme name="Simple Light">
       <a:dk1>
@@ -11760,11 +11938,13 @@
       </a:bgFillStyleLst>
     </a:fmtScheme>
   </a:themeElements>
+  <a:objectDefaults/>
+  <a:extraClrSchemeLst/>
 </a:theme>
 </file>
 
 <file path=ppt/theme/theme2.xml><?xml version="1.0" encoding="utf-8"?>
-<a:theme xmlns:a="http://schemas.openxmlformats.org/drawingml/2006/main" xmlns:r="http://schemas.openxmlformats.org/officeDocument/2006/relationships">
+<a:theme xmlns:a="http://schemas.openxmlformats.org/drawingml/2006/main">
   <a:themeElements>
     <a:clrScheme name="Default">
       <a:dk1>
@@ -12039,5 +12219,7 @@
       </a:bgFillStyleLst>
     </a:fmtScheme>
   </a:themeElements>
+  <a:objectDefaults/>
+  <a:extraClrSchemeLst/>
 </a:theme>
 </file>